--- a/lessons/class3/Class3C_wordclouds.pptx
+++ b/lessons/class3/Class3C_wordclouds.pptx
@@ -5,7 +5,7 @@
     <p:sldMasterId id="2147483660" r:id="rId1"/>
   </p:sldMasterIdLst>
   <p:notesMasterIdLst>
-    <p:notesMasterId r:id="rId31"/>
+    <p:notesMasterId r:id="rId36"/>
   </p:notesMasterIdLst>
   <p:sldIdLst>
     <p:sldId id="778" r:id="rId2"/>
@@ -24,19 +24,24 @@
     <p:sldId id="784" r:id="rId15"/>
     <p:sldId id="786" r:id="rId16"/>
     <p:sldId id="787" r:id="rId17"/>
-    <p:sldId id="788" r:id="rId18"/>
-    <p:sldId id="789" r:id="rId19"/>
-    <p:sldId id="733" r:id="rId20"/>
-    <p:sldId id="790" r:id="rId21"/>
-    <p:sldId id="792" r:id="rId22"/>
-    <p:sldId id="793" r:id="rId23"/>
-    <p:sldId id="794" r:id="rId24"/>
-    <p:sldId id="797" r:id="rId25"/>
-    <p:sldId id="796" r:id="rId26"/>
-    <p:sldId id="795" r:id="rId27"/>
-    <p:sldId id="798" r:id="rId28"/>
-    <p:sldId id="808" r:id="rId29"/>
-    <p:sldId id="791" r:id="rId30"/>
+    <p:sldId id="809" r:id="rId18"/>
+    <p:sldId id="811" r:id="rId19"/>
+    <p:sldId id="810" r:id="rId20"/>
+    <p:sldId id="812" r:id="rId21"/>
+    <p:sldId id="788" r:id="rId22"/>
+    <p:sldId id="813" r:id="rId23"/>
+    <p:sldId id="789" r:id="rId24"/>
+    <p:sldId id="733" r:id="rId25"/>
+    <p:sldId id="790" r:id="rId26"/>
+    <p:sldId id="792" r:id="rId27"/>
+    <p:sldId id="793" r:id="rId28"/>
+    <p:sldId id="794" r:id="rId29"/>
+    <p:sldId id="797" r:id="rId30"/>
+    <p:sldId id="796" r:id="rId31"/>
+    <p:sldId id="795" r:id="rId32"/>
+    <p:sldId id="798" r:id="rId33"/>
+    <p:sldId id="808" r:id="rId34"/>
+    <p:sldId id="791" r:id="rId35"/>
   </p:sldIdLst>
   <p:sldSz cx="9144000" cy="6858000" type="screen4x3"/>
   <p:notesSz cx="6858000" cy="9144000"/>
@@ -242,7 +247,7 @@
           <a:p>
             <a:fld id="{B0C0A60C-850A-4EA4-9C14-A8FE98B94505}" type="datetimeFigureOut">
               <a:rPr lang="en-US" smtClean="0"/>
-              <a:t>12/30/20</a:t>
+              <a:t>1/13/21</a:t>
             </a:fld>
             <a:endParaRPr lang="en-US"/>
           </a:p>
@@ -586,7 +591,7 @@
           <a:p>
             <a:fld id="{24E9AA13-E3FC-4BB6-B68D-5F0F5803D716}" type="slidenum">
               <a:rPr lang="en-US" smtClean="0"/>
-              <a:t>23</a:t>
+              <a:t>28</a:t>
             </a:fld>
             <a:endParaRPr lang="en-US"/>
           </a:p>
@@ -737,7 +742,7 @@
           <a:p>
             <a:fld id="{5738B90E-0779-4C36-915C-6F05FCD89456}" type="datetime1">
               <a:rPr lang="en-US" smtClean="0"/>
-              <a:t>12/30/20</a:t>
+              <a:t>1/13/21</a:t>
             </a:fld>
             <a:endParaRPr lang="en-US"/>
           </a:p>
@@ -934,7 +939,7 @@
           <a:p>
             <a:fld id="{7B9EA29D-D431-42FE-B7B6-AAE4454C77D3}" type="datetime1">
               <a:rPr lang="en-US" smtClean="0"/>
-              <a:t>12/30/20</a:t>
+              <a:t>1/13/21</a:t>
             </a:fld>
             <a:endParaRPr lang="en-US"/>
           </a:p>
@@ -1289,7 +1294,7 @@
           <a:p>
             <a:fld id="{690D8A1E-EA8F-46C1-B891-AE0C00D9C314}" type="datetime1">
               <a:rPr lang="en-US" smtClean="0"/>
-              <a:t>12/30/20</a:t>
+              <a:t>1/13/21</a:t>
             </a:fld>
             <a:endParaRPr lang="en-US"/>
           </a:p>
@@ -1597,7 +1602,7 @@
           <a:p>
             <a:fld id="{D753EFC8-4232-4598-94F6-94C0EBAFC469}" type="datetime1">
               <a:rPr lang="en-US" smtClean="0"/>
-              <a:t>12/30/20</a:t>
+              <a:t>1/13/21</a:t>
             </a:fld>
             <a:endParaRPr lang="en-US"/>
           </a:p>
@@ -1926,7 +1931,7 @@
           <a:p>
             <a:fld id="{F3161074-1C18-4AE7-957D-F18524378C85}" type="datetime1">
               <a:rPr lang="en-US" smtClean="0"/>
-              <a:t>12/30/20</a:t>
+              <a:t>1/13/21</a:t>
             </a:fld>
             <a:endParaRPr lang="en-US"/>
           </a:p>
@@ -2179,7 +2184,7 @@
           <a:p>
             <a:fld id="{69BE256C-8D9A-4404-B47D-41A1AE514425}" type="datetime1">
               <a:rPr lang="en-US" smtClean="0"/>
-              <a:t>12/30/20</a:t>
+              <a:t>1/13/21</a:t>
             </a:fld>
             <a:endParaRPr lang="en-US"/>
           </a:p>
@@ -2627,7 +2632,7 @@
           <a:p>
             <a:fld id="{66CB2154-9035-4012-8189-BAAB61C5A5EE}" type="datetime1">
               <a:rPr lang="en-US" smtClean="0"/>
-              <a:t>12/30/20</a:t>
+              <a:t>1/13/21</a:t>
             </a:fld>
             <a:endParaRPr lang="en-US"/>
           </a:p>
@@ -2815,7 +2820,7 @@
           <a:p>
             <a:fld id="{6700A58B-DD98-43D0-B791-721480A02982}" type="datetime1">
               <a:rPr lang="en-US" smtClean="0"/>
-              <a:t>12/30/20</a:t>
+              <a:t>1/13/21</a:t>
             </a:fld>
             <a:endParaRPr lang="en-US"/>
           </a:p>
@@ -3021,7 +3026,7 @@
           <a:p>
             <a:fld id="{7DB6E382-4F61-4E24-BE1A-377EC83D0E3A}" type="datetime1">
               <a:rPr lang="en-US" smtClean="0"/>
-              <a:t>12/30/20</a:t>
+              <a:t>1/13/21</a:t>
             </a:fld>
             <a:endParaRPr lang="en-US"/>
           </a:p>
@@ -3427,7 +3432,7 @@
           <a:p>
             <a:fld id="{4142EED6-FC16-45B9-B8C4-2BC5DBA88325}" type="datetime1">
               <a:rPr lang="en-US" smtClean="0"/>
-              <a:t>12/30/20</a:t>
+              <a:t>1/13/21</a:t>
             </a:fld>
             <a:endParaRPr lang="en-US"/>
           </a:p>
@@ -3759,7 +3764,7 @@
           <a:p>
             <a:fld id="{DF59512B-4F1D-43D7-8819-2F53FEF69650}" type="datetime1">
               <a:rPr lang="en-US" smtClean="0"/>
-              <a:t>12/30/20</a:t>
+              <a:t>1/13/21</a:t>
             </a:fld>
             <a:endParaRPr lang="en-US"/>
           </a:p>
@@ -4049,7 +4054,7 @@
           <a:p>
             <a:fld id="{08437B94-E2BF-44DC-ADC5-B05FC9934E9D}" type="datetime1">
               <a:rPr lang="en-US" smtClean="0"/>
-              <a:t>12/30/20</a:t>
+              <a:t>1/13/21</a:t>
             </a:fld>
             <a:endParaRPr lang="en-US"/>
           </a:p>
@@ -4483,7 +4488,7 @@
             <a:fld id="{6700A58B-DD98-43D0-B791-721480A02982}" type="datetime1">
               <a:rPr lang="en-US" smtClean="0"/>
               <a:pPr/>
-              <a:t>12/30/20</a:t>
+              <a:t>1/13/21</a:t>
             </a:fld>
             <a:endParaRPr lang="en-US"/>
           </a:p>
@@ -4784,7 +4789,7 @@
           <a:p>
             <a:fld id="{6700A58B-DD98-43D0-B791-721480A02982}" type="datetime1">
               <a:rPr lang="en-US" smtClean="0"/>
-              <a:t>12/30/20</a:t>
+              <a:t>1/13/21</a:t>
             </a:fld>
             <a:endParaRPr lang="en-US"/>
           </a:p>
@@ -5224,7 +5229,7 @@
           <a:p>
             <a:fld id="{6700A58B-DD98-43D0-B791-721480A02982}" type="datetime1">
               <a:rPr lang="en-US" smtClean="0"/>
-              <a:t>12/30/20</a:t>
+              <a:t>1/13/21</a:t>
             </a:fld>
             <a:endParaRPr lang="en-US"/>
           </a:p>
@@ -5695,7 +5700,7 @@
           <a:p>
             <a:fld id="{6700A58B-DD98-43D0-B791-721480A02982}" type="datetime1">
               <a:rPr lang="en-US" smtClean="0"/>
-              <a:t>12/30/20</a:t>
+              <a:t>1/13/21</a:t>
             </a:fld>
             <a:endParaRPr lang="en-US"/>
           </a:p>
@@ -5958,7 +5963,7 @@
             <a:fld id="{6700A58B-DD98-43D0-B791-721480A02982}" type="datetime1">
               <a:rPr lang="en-US" smtClean="0"/>
               <a:pPr/>
-              <a:t>12/30/20</a:t>
+              <a:t>1/13/21</a:t>
             </a:fld>
             <a:endParaRPr lang="en-US"/>
           </a:p>
@@ -6394,7 +6399,7 @@
             <a:fld id="{6700A58B-DD98-43D0-B791-721480A02982}" type="datetime1">
               <a:rPr lang="en-US" smtClean="0"/>
               <a:pPr/>
-              <a:t>12/30/20</a:t>
+              <a:t>1/13/21</a:t>
             </a:fld>
             <a:endParaRPr lang="en-US"/>
           </a:p>
@@ -7140,7 +7145,7 @@
 </file>
 
 <file path=ppt/slides/slide15.xml><?xml version="1.0" encoding="utf-8"?>
-<p:sld xmlns:a="http://schemas.openxmlformats.org/drawingml/2006/main" xmlns:r="http://schemas.openxmlformats.org/officeDocument/2006/relationships" xmlns:p="http://schemas.openxmlformats.org/presentationml/2006/main">
+<p:sld xmlns:a="http://schemas.openxmlformats.org/drawingml/2006/main" xmlns:r="http://schemas.openxmlformats.org/officeDocument/2006/relationships" xmlns:p="http://schemas.openxmlformats.org/presentationml/2006/main" show="0">
   <p:cSld>
     <p:spTree>
       <p:nvGrpSpPr>
@@ -7174,7 +7179,7 @@
             <a:fld id="{6700A58B-DD98-43D0-B791-721480A02982}" type="datetime1">
               <a:rPr lang="en-US" smtClean="0"/>
               <a:pPr/>
-              <a:t>12/30/20</a:t>
+              <a:t>1/13/21</a:t>
             </a:fld>
             <a:endParaRPr lang="en-US"/>
           </a:p>
@@ -7917,7 +7922,7 @@
             <a:fld id="{6700A58B-DD98-43D0-B791-721480A02982}" type="datetime1">
               <a:rPr lang="en-US" smtClean="0"/>
               <a:pPr/>
-              <a:t>12/30/20</a:t>
+              <a:t>1/13/21</a:t>
             </a:fld>
             <a:endParaRPr lang="en-US"/>
           </a:p>
@@ -8495,6 +8500,3163 @@
       </p:grpSpPr>
       <p:sp>
         <p:nvSpPr>
+          <p:cNvPr id="2" name="Date Placeholder 1">
+            <a:extLst>
+              <a:ext uri="{FF2B5EF4-FFF2-40B4-BE49-F238E27FC236}">
+                <a16:creationId xmlns:a16="http://schemas.microsoft.com/office/drawing/2014/main" id="{51E1C17F-350C-F84E-8042-EC7EE0C015F8}"/>
+              </a:ext>
+            </a:extLst>
+          </p:cNvPr>
+          <p:cNvSpPr>
+            <a:spLocks noGrp="1"/>
+          </p:cNvSpPr>
+          <p:nvPr>
+            <p:ph type="dt" sz="half" idx="10"/>
+          </p:nvPr>
+        </p:nvSpPr>
+        <p:spPr/>
+        <p:txBody>
+          <a:bodyPr/>
+          <a:lstStyle/>
+          <a:p>
+            <a:fld id="{6700A58B-DD98-43D0-B791-721480A02982}" type="datetime1">
+              <a:rPr lang="en-US" smtClean="0"/>
+              <a:t>1/13/21</a:t>
+            </a:fld>
+            <a:endParaRPr lang="en-US"/>
+          </a:p>
+        </p:txBody>
+      </p:sp>
+      <p:sp>
+        <p:nvSpPr>
+          <p:cNvPr id="3" name="Title 2">
+            <a:extLst>
+              <a:ext uri="{FF2B5EF4-FFF2-40B4-BE49-F238E27FC236}">
+                <a16:creationId xmlns:a16="http://schemas.microsoft.com/office/drawing/2014/main" id="{67B23D8A-24A2-7F41-8009-A3EE670C787D}"/>
+              </a:ext>
+            </a:extLst>
+          </p:cNvPr>
+          <p:cNvSpPr>
+            <a:spLocks noGrp="1"/>
+          </p:cNvSpPr>
+          <p:nvPr>
+            <p:ph type="title"/>
+          </p:nvPr>
+        </p:nvSpPr>
+        <p:spPr/>
+        <p:txBody>
+          <a:bodyPr/>
+          <a:lstStyle/>
+          <a:p>
+            <a:r>
+              <a:rPr lang="en-US" dirty="0"/>
+              <a:t>Out 3 Documents as a single list object</a:t>
+            </a:r>
+          </a:p>
+        </p:txBody>
+      </p:sp>
+      <p:sp>
+        <p:nvSpPr>
+          <p:cNvPr id="4" name="Footer Placeholder 3">
+            <a:extLst>
+              <a:ext uri="{FF2B5EF4-FFF2-40B4-BE49-F238E27FC236}">
+                <a16:creationId xmlns:a16="http://schemas.microsoft.com/office/drawing/2014/main" id="{AF654C98-0717-D044-8CFC-1D1A72380139}"/>
+              </a:ext>
+            </a:extLst>
+          </p:cNvPr>
+          <p:cNvSpPr>
+            <a:spLocks noGrp="1"/>
+          </p:cNvSpPr>
+          <p:nvPr>
+            <p:ph type="ftr" sz="quarter" idx="3"/>
+          </p:nvPr>
+        </p:nvSpPr>
+        <p:spPr/>
+        <p:txBody>
+          <a:bodyPr/>
+          <a:lstStyle/>
+          <a:p>
+            <a:r>
+              <a:rPr lang="en-US"/>
+              <a:t>Kwartler</a:t>
+            </a:r>
+            <a:endParaRPr lang="en-US" dirty="0"/>
+          </a:p>
+        </p:txBody>
+      </p:sp>
+      <p:sp>
+        <p:nvSpPr>
+          <p:cNvPr id="5" name="Slide Number Placeholder 4">
+            <a:extLst>
+              <a:ext uri="{FF2B5EF4-FFF2-40B4-BE49-F238E27FC236}">
+                <a16:creationId xmlns:a16="http://schemas.microsoft.com/office/drawing/2014/main" id="{B84750F5-283F-DB46-A09D-30BA6F173324}"/>
+              </a:ext>
+            </a:extLst>
+          </p:cNvPr>
+          <p:cNvSpPr>
+            <a:spLocks noGrp="1"/>
+          </p:cNvSpPr>
+          <p:nvPr>
+            <p:ph type="sldNum" sz="quarter" idx="4"/>
+          </p:nvPr>
+        </p:nvSpPr>
+        <p:spPr/>
+        <p:txBody>
+          <a:bodyPr/>
+          <a:lstStyle/>
+          <a:p>
+            <a:fld id="{37290FF7-652B-4475-AEAB-8B1A5D23AE09}" type="slidenum">
+              <a:rPr lang="en-US" smtClean="0"/>
+              <a:pPr/>
+              <a:t>17</a:t>
+            </a:fld>
+            <a:endParaRPr lang="en-US" dirty="0"/>
+          </a:p>
+        </p:txBody>
+      </p:sp>
+      <p:sp>
+        <p:nvSpPr>
+          <p:cNvPr id="7" name="Rectangle 6">
+            <a:extLst>
+              <a:ext uri="{FF2B5EF4-FFF2-40B4-BE49-F238E27FC236}">
+                <a16:creationId xmlns:a16="http://schemas.microsoft.com/office/drawing/2014/main" id="{EE809235-CABF-1849-B63C-0B8953EFBBB3}"/>
+              </a:ext>
+            </a:extLst>
+          </p:cNvPr>
+          <p:cNvSpPr/>
+          <p:nvPr/>
+        </p:nvSpPr>
+        <p:spPr>
+          <a:xfrm>
+            <a:off x="1267097" y="1237846"/>
+            <a:ext cx="6609806" cy="369332"/>
+          </a:xfrm>
+          <a:prstGeom prst="rect">
+            <a:avLst/>
+          </a:prstGeom>
+        </p:spPr>
+        <p:txBody>
+          <a:bodyPr wrap="square">
+            <a:spAutoFit/>
+          </a:bodyPr>
+          <a:lstStyle/>
+          <a:p>
+            <a:pPr defTabSz="457200"/>
+            <a:r>
+              <a:rPr lang="en-US" dirty="0" err="1">
+                <a:solidFill>
+                  <a:prstClr val="black"/>
+                </a:solidFill>
+                <a:latin typeface="Consolas" panose="020B0609020204030204" pitchFamily="49" charset="0"/>
+                <a:ea typeface="Arial Unicode MS" panose="020B0604020202020204" pitchFamily="34" charset="-128"/>
+                <a:cs typeface="Consolas" panose="020B0609020204030204" pitchFamily="49" charset="0"/>
+              </a:rPr>
+              <a:t>allDocs</a:t>
+            </a:r>
+            <a:r>
+              <a:rPr lang="en-US" dirty="0">
+                <a:solidFill>
+                  <a:prstClr val="black"/>
+                </a:solidFill>
+                <a:latin typeface="Consolas" panose="020B0609020204030204" pitchFamily="49" charset="0"/>
+                <a:ea typeface="Arial Unicode MS" panose="020B0604020202020204" pitchFamily="34" charset="-128"/>
+                <a:cs typeface="Consolas" panose="020B0609020204030204" pitchFamily="49" charset="0"/>
+              </a:rPr>
+              <a:t> &lt;- </a:t>
+            </a:r>
+            <a:r>
+              <a:rPr lang="en-US" dirty="0" err="1">
+                <a:solidFill>
+                  <a:prstClr val="black"/>
+                </a:solidFill>
+                <a:latin typeface="Consolas" panose="020B0609020204030204" pitchFamily="49" charset="0"/>
+                <a:ea typeface="Arial Unicode MS" panose="020B0604020202020204" pitchFamily="34" charset="-128"/>
+                <a:cs typeface="Consolas" panose="020B0609020204030204" pitchFamily="49" charset="0"/>
+              </a:rPr>
+              <a:t>pblapply</a:t>
+            </a:r>
+            <a:r>
+              <a:rPr lang="en-US" dirty="0">
+                <a:solidFill>
+                  <a:prstClr val="black"/>
+                </a:solidFill>
+                <a:latin typeface="Consolas" panose="020B0609020204030204" pitchFamily="49" charset="0"/>
+                <a:ea typeface="Arial Unicode MS" panose="020B0604020202020204" pitchFamily="34" charset="-128"/>
+                <a:cs typeface="Consolas" panose="020B0609020204030204" pitchFamily="49" charset="0"/>
+              </a:rPr>
+              <a:t>(</a:t>
+            </a:r>
+            <a:r>
+              <a:rPr lang="en-US" dirty="0" err="1">
+                <a:solidFill>
+                  <a:prstClr val="black"/>
+                </a:solidFill>
+                <a:latin typeface="Consolas" panose="020B0609020204030204" pitchFamily="49" charset="0"/>
+                <a:ea typeface="Arial Unicode MS" panose="020B0604020202020204" pitchFamily="34" charset="-128"/>
+                <a:cs typeface="Consolas" panose="020B0609020204030204" pitchFamily="49" charset="0"/>
+              </a:rPr>
+              <a:t>txtFiles,read.csv</a:t>
+            </a:r>
+            <a:r>
+              <a:rPr lang="en-US" dirty="0">
+                <a:solidFill>
+                  <a:prstClr val="black"/>
+                </a:solidFill>
+                <a:latin typeface="Consolas" panose="020B0609020204030204" pitchFamily="49" charset="0"/>
+                <a:ea typeface="Arial Unicode MS" panose="020B0604020202020204" pitchFamily="34" charset="-128"/>
+                <a:cs typeface="Consolas" panose="020B0609020204030204" pitchFamily="49" charset="0"/>
+              </a:rPr>
+              <a:t>)</a:t>
+            </a:r>
+          </a:p>
+        </p:txBody>
+      </p:sp>
+      <p:sp>
+        <p:nvSpPr>
+          <p:cNvPr id="8" name="Rectangle 7">
+            <a:extLst>
+              <a:ext uri="{FF2B5EF4-FFF2-40B4-BE49-F238E27FC236}">
+                <a16:creationId xmlns:a16="http://schemas.microsoft.com/office/drawing/2014/main" id="{1E8CE02C-9EF2-7A41-91F6-ECB96C932A69}"/>
+              </a:ext>
+            </a:extLst>
+          </p:cNvPr>
+          <p:cNvSpPr/>
+          <p:nvPr/>
+        </p:nvSpPr>
+        <p:spPr>
+          <a:xfrm>
+            <a:off x="1657350" y="2168434"/>
+            <a:ext cx="1301387" cy="457200"/>
+          </a:xfrm>
+          <a:prstGeom prst="rect">
+            <a:avLst/>
+          </a:prstGeom>
+        </p:spPr>
+        <p:style>
+          <a:lnRef idx="2">
+            <a:schemeClr val="accent1">
+              <a:shade val="50000"/>
+            </a:schemeClr>
+          </a:lnRef>
+          <a:fillRef idx="1">
+            <a:schemeClr val="accent1"/>
+          </a:fillRef>
+          <a:effectRef idx="0">
+            <a:schemeClr val="accent1"/>
+          </a:effectRef>
+          <a:fontRef idx="minor">
+            <a:schemeClr val="lt1"/>
+          </a:fontRef>
+        </p:style>
+        <p:txBody>
+          <a:bodyPr rtlCol="0" anchor="ctr"/>
+          <a:lstStyle/>
+          <a:p>
+            <a:pPr algn="ctr"/>
+            <a:r>
+              <a:rPr lang="en-US" dirty="0" err="1">
+                <a:latin typeface="Consolas" panose="020B0609020204030204" pitchFamily="49" charset="0"/>
+                <a:cs typeface="Consolas" panose="020B0609020204030204" pitchFamily="49" charset="0"/>
+              </a:rPr>
+              <a:t>allDocs</a:t>
+            </a:r>
+            <a:endParaRPr lang="en-US" dirty="0">
+              <a:latin typeface="Consolas" panose="020B0609020204030204" pitchFamily="49" charset="0"/>
+              <a:cs typeface="Consolas" panose="020B0609020204030204" pitchFamily="49" charset="0"/>
+            </a:endParaRPr>
+          </a:p>
+        </p:txBody>
+      </p:sp>
+      <p:sp>
+        <p:nvSpPr>
+          <p:cNvPr id="9" name="Rectangle 8">
+            <a:extLst>
+              <a:ext uri="{FF2B5EF4-FFF2-40B4-BE49-F238E27FC236}">
+                <a16:creationId xmlns:a16="http://schemas.microsoft.com/office/drawing/2014/main" id="{CCF91108-5F35-6149-B199-41DDFFCF47B5}"/>
+              </a:ext>
+            </a:extLst>
+          </p:cNvPr>
+          <p:cNvSpPr/>
+          <p:nvPr/>
+        </p:nvSpPr>
+        <p:spPr>
+          <a:xfrm>
+            <a:off x="2958737" y="3015336"/>
+            <a:ext cx="2266406" cy="457200"/>
+          </a:xfrm>
+          <a:prstGeom prst="rect">
+            <a:avLst/>
+          </a:prstGeom>
+        </p:spPr>
+        <p:style>
+          <a:lnRef idx="2">
+            <a:schemeClr val="accent1">
+              <a:shade val="50000"/>
+            </a:schemeClr>
+          </a:lnRef>
+          <a:fillRef idx="1">
+            <a:schemeClr val="accent1"/>
+          </a:fillRef>
+          <a:effectRef idx="0">
+            <a:schemeClr val="accent1"/>
+          </a:effectRef>
+          <a:fontRef idx="minor">
+            <a:schemeClr val="lt1"/>
+          </a:fontRef>
+        </p:style>
+        <p:txBody>
+          <a:bodyPr rtlCol="0" anchor="ctr"/>
+          <a:lstStyle/>
+          <a:p>
+            <a:pPr algn="ctr"/>
+            <a:r>
+              <a:rPr lang="en-US" dirty="0" err="1">
+                <a:latin typeface="Consolas" panose="020B0609020204030204" pitchFamily="49" charset="0"/>
+                <a:cs typeface="Consolas" panose="020B0609020204030204" pitchFamily="49" charset="0"/>
+              </a:rPr>
+              <a:t>chardonnay.csv</a:t>
+            </a:r>
+            <a:endParaRPr lang="en-US" dirty="0">
+              <a:latin typeface="Consolas" panose="020B0609020204030204" pitchFamily="49" charset="0"/>
+              <a:cs typeface="Consolas" panose="020B0609020204030204" pitchFamily="49" charset="0"/>
+            </a:endParaRPr>
+          </a:p>
+        </p:txBody>
+      </p:sp>
+      <p:sp>
+        <p:nvSpPr>
+          <p:cNvPr id="10" name="Rectangle 9">
+            <a:extLst>
+              <a:ext uri="{FF2B5EF4-FFF2-40B4-BE49-F238E27FC236}">
+                <a16:creationId xmlns:a16="http://schemas.microsoft.com/office/drawing/2014/main" id="{338F636B-5BD3-CE41-BEB4-F10FC5907974}"/>
+              </a:ext>
+            </a:extLst>
+          </p:cNvPr>
+          <p:cNvSpPr/>
+          <p:nvPr/>
+        </p:nvSpPr>
+        <p:spPr>
+          <a:xfrm>
+            <a:off x="2958736" y="4229737"/>
+            <a:ext cx="2266406" cy="457200"/>
+          </a:xfrm>
+          <a:prstGeom prst="rect">
+            <a:avLst/>
+          </a:prstGeom>
+        </p:spPr>
+        <p:style>
+          <a:lnRef idx="2">
+            <a:schemeClr val="accent1">
+              <a:shade val="50000"/>
+            </a:schemeClr>
+          </a:lnRef>
+          <a:fillRef idx="1">
+            <a:schemeClr val="accent1"/>
+          </a:fillRef>
+          <a:effectRef idx="0">
+            <a:schemeClr val="accent1"/>
+          </a:effectRef>
+          <a:fontRef idx="minor">
+            <a:schemeClr val="lt1"/>
+          </a:fontRef>
+        </p:style>
+        <p:txBody>
+          <a:bodyPr rtlCol="0" anchor="ctr"/>
+          <a:lstStyle/>
+          <a:p>
+            <a:pPr algn="ctr"/>
+            <a:r>
+              <a:rPr lang="en-US" dirty="0" err="1">
+                <a:latin typeface="Consolas" panose="020B0609020204030204" pitchFamily="49" charset="0"/>
+                <a:cs typeface="Consolas" panose="020B0609020204030204" pitchFamily="49" charset="0"/>
+              </a:rPr>
+              <a:t>coffee.csv</a:t>
+            </a:r>
+            <a:endParaRPr lang="en-US" dirty="0">
+              <a:latin typeface="Consolas" panose="020B0609020204030204" pitchFamily="49" charset="0"/>
+              <a:cs typeface="Consolas" panose="020B0609020204030204" pitchFamily="49" charset="0"/>
+            </a:endParaRPr>
+          </a:p>
+        </p:txBody>
+      </p:sp>
+      <p:sp>
+        <p:nvSpPr>
+          <p:cNvPr id="11" name="Rectangle 10">
+            <a:extLst>
+              <a:ext uri="{FF2B5EF4-FFF2-40B4-BE49-F238E27FC236}">
+                <a16:creationId xmlns:a16="http://schemas.microsoft.com/office/drawing/2014/main" id="{458B3860-AB70-094D-BE66-583D750EE2E1}"/>
+              </a:ext>
+            </a:extLst>
+          </p:cNvPr>
+          <p:cNvSpPr/>
+          <p:nvPr/>
+        </p:nvSpPr>
+        <p:spPr>
+          <a:xfrm>
+            <a:off x="2962003" y="5682238"/>
+            <a:ext cx="2266406" cy="457200"/>
+          </a:xfrm>
+          <a:prstGeom prst="rect">
+            <a:avLst/>
+          </a:prstGeom>
+        </p:spPr>
+        <p:style>
+          <a:lnRef idx="2">
+            <a:schemeClr val="accent1">
+              <a:shade val="50000"/>
+            </a:schemeClr>
+          </a:lnRef>
+          <a:fillRef idx="1">
+            <a:schemeClr val="accent1"/>
+          </a:fillRef>
+          <a:effectRef idx="0">
+            <a:schemeClr val="accent1"/>
+          </a:effectRef>
+          <a:fontRef idx="minor">
+            <a:schemeClr val="lt1"/>
+          </a:fontRef>
+        </p:style>
+        <p:txBody>
+          <a:bodyPr rtlCol="0" anchor="ctr"/>
+          <a:lstStyle/>
+          <a:p>
+            <a:pPr algn="ctr"/>
+            <a:r>
+              <a:rPr lang="en-US" dirty="0" err="1">
+                <a:latin typeface="Consolas" panose="020B0609020204030204" pitchFamily="49" charset="0"/>
+                <a:cs typeface="Consolas" panose="020B0609020204030204" pitchFamily="49" charset="0"/>
+              </a:rPr>
+              <a:t>beer.csv</a:t>
+            </a:r>
+            <a:endParaRPr lang="en-US" dirty="0">
+              <a:latin typeface="Consolas" panose="020B0609020204030204" pitchFamily="49" charset="0"/>
+              <a:cs typeface="Consolas" panose="020B0609020204030204" pitchFamily="49" charset="0"/>
+            </a:endParaRPr>
+          </a:p>
+        </p:txBody>
+      </p:sp>
+      <p:cxnSp>
+        <p:nvCxnSpPr>
+          <p:cNvPr id="13" name="Elbow Connector 12">
+            <a:extLst>
+              <a:ext uri="{FF2B5EF4-FFF2-40B4-BE49-F238E27FC236}">
+                <a16:creationId xmlns:a16="http://schemas.microsoft.com/office/drawing/2014/main" id="{1F63A65B-ED2E-8F4E-AC5D-852FF21F2EF4}"/>
+              </a:ext>
+            </a:extLst>
+          </p:cNvPr>
+          <p:cNvCxnSpPr>
+            <a:stCxn id="8" idx="2"/>
+            <a:endCxn id="9" idx="1"/>
+          </p:cNvCxnSpPr>
+          <p:nvPr/>
+        </p:nvCxnSpPr>
+        <p:spPr>
+          <a:xfrm rot="16200000" flipH="1">
+            <a:off x="2324239" y="2609438"/>
+            <a:ext cx="618302" cy="650693"/>
+          </a:xfrm>
+          <a:prstGeom prst="bentConnector2">
+            <a:avLst/>
+          </a:prstGeom>
+          <a:ln>
+            <a:tailEnd type="triangle"/>
+          </a:ln>
+        </p:spPr>
+        <p:style>
+          <a:lnRef idx="1">
+            <a:schemeClr val="accent1"/>
+          </a:lnRef>
+          <a:fillRef idx="0">
+            <a:schemeClr val="accent1"/>
+          </a:fillRef>
+          <a:effectRef idx="0">
+            <a:schemeClr val="accent1"/>
+          </a:effectRef>
+          <a:fontRef idx="minor">
+            <a:schemeClr val="tx1"/>
+          </a:fontRef>
+        </p:style>
+      </p:cxnSp>
+      <p:cxnSp>
+        <p:nvCxnSpPr>
+          <p:cNvPr id="14" name="Elbow Connector 13">
+            <a:extLst>
+              <a:ext uri="{FF2B5EF4-FFF2-40B4-BE49-F238E27FC236}">
+                <a16:creationId xmlns:a16="http://schemas.microsoft.com/office/drawing/2014/main" id="{F1344C7D-C6C9-5248-9745-631A6B23598C}"/>
+              </a:ext>
+            </a:extLst>
+          </p:cNvPr>
+          <p:cNvCxnSpPr>
+            <a:cxnSpLocks/>
+            <a:stCxn id="8" idx="2"/>
+            <a:endCxn id="10" idx="1"/>
+          </p:cNvCxnSpPr>
+          <p:nvPr/>
+        </p:nvCxnSpPr>
+        <p:spPr>
+          <a:xfrm rot="16200000" flipH="1">
+            <a:off x="1717039" y="3216639"/>
+            <a:ext cx="1832703" cy="650692"/>
+          </a:xfrm>
+          <a:prstGeom prst="bentConnector2">
+            <a:avLst/>
+          </a:prstGeom>
+          <a:ln>
+            <a:tailEnd type="triangle"/>
+          </a:ln>
+        </p:spPr>
+        <p:style>
+          <a:lnRef idx="1">
+            <a:schemeClr val="accent1"/>
+          </a:lnRef>
+          <a:fillRef idx="0">
+            <a:schemeClr val="accent1"/>
+          </a:fillRef>
+          <a:effectRef idx="0">
+            <a:schemeClr val="accent1"/>
+          </a:effectRef>
+          <a:fontRef idx="minor">
+            <a:schemeClr val="tx1"/>
+          </a:fontRef>
+        </p:style>
+      </p:cxnSp>
+      <p:cxnSp>
+        <p:nvCxnSpPr>
+          <p:cNvPr id="17" name="Elbow Connector 16">
+            <a:extLst>
+              <a:ext uri="{FF2B5EF4-FFF2-40B4-BE49-F238E27FC236}">
+                <a16:creationId xmlns:a16="http://schemas.microsoft.com/office/drawing/2014/main" id="{A31675D0-B4B8-0747-93C3-2ACB1F94114A}"/>
+              </a:ext>
+            </a:extLst>
+          </p:cNvPr>
+          <p:cNvCxnSpPr>
+            <a:cxnSpLocks/>
+            <a:stCxn id="8" idx="2"/>
+            <a:endCxn id="11" idx="1"/>
+          </p:cNvCxnSpPr>
+          <p:nvPr/>
+        </p:nvCxnSpPr>
+        <p:spPr>
+          <a:xfrm rot="16200000" flipH="1">
+            <a:off x="992421" y="3941256"/>
+            <a:ext cx="3285204" cy="653959"/>
+          </a:xfrm>
+          <a:prstGeom prst="bentConnector2">
+            <a:avLst/>
+          </a:prstGeom>
+          <a:ln>
+            <a:tailEnd type="triangle"/>
+          </a:ln>
+        </p:spPr>
+        <p:style>
+          <a:lnRef idx="1">
+            <a:schemeClr val="accent1"/>
+          </a:lnRef>
+          <a:fillRef idx="0">
+            <a:schemeClr val="accent1"/>
+          </a:fillRef>
+          <a:effectRef idx="0">
+            <a:schemeClr val="accent1"/>
+          </a:effectRef>
+          <a:fontRef idx="minor">
+            <a:schemeClr val="tx1"/>
+          </a:fontRef>
+        </p:style>
+      </p:cxnSp>
+    </p:spTree>
+    <p:extLst>
+      <p:ext uri="{BB962C8B-B14F-4D97-AF65-F5344CB8AC3E}">
+        <p14:creationId xmlns:p14="http://schemas.microsoft.com/office/powerpoint/2010/main" val="60196781"/>
+      </p:ext>
+    </p:extLst>
+  </p:cSld>
+  <p:clrMapOvr>
+    <a:masterClrMapping/>
+  </p:clrMapOvr>
+</p:sld>
+</file>
+
+<file path=ppt/slides/slide18.xml><?xml version="1.0" encoding="utf-8"?>
+<p:sld xmlns:a="http://schemas.openxmlformats.org/drawingml/2006/main" xmlns:r="http://schemas.openxmlformats.org/officeDocument/2006/relationships" xmlns:p="http://schemas.openxmlformats.org/presentationml/2006/main">
+  <p:cSld>
+    <p:spTree>
+      <p:nvGrpSpPr>
+        <p:cNvPr id="1" name=""/>
+        <p:cNvGrpSpPr/>
+        <p:nvPr/>
+      </p:nvGrpSpPr>
+      <p:grpSpPr>
+        <a:xfrm>
+          <a:off x="0" y="0"/>
+          <a:ext cx="0" cy="0"/>
+          <a:chOff x="0" y="0"/>
+          <a:chExt cx="0" cy="0"/>
+        </a:xfrm>
+      </p:grpSpPr>
+      <p:sp>
+        <p:nvSpPr>
+          <p:cNvPr id="2" name="Date Placeholder 1">
+            <a:extLst>
+              <a:ext uri="{FF2B5EF4-FFF2-40B4-BE49-F238E27FC236}">
+                <a16:creationId xmlns:a16="http://schemas.microsoft.com/office/drawing/2014/main" id="{51E1C17F-350C-F84E-8042-EC7EE0C015F8}"/>
+              </a:ext>
+            </a:extLst>
+          </p:cNvPr>
+          <p:cNvSpPr>
+            <a:spLocks noGrp="1"/>
+          </p:cNvSpPr>
+          <p:nvPr>
+            <p:ph type="dt" sz="half" idx="10"/>
+          </p:nvPr>
+        </p:nvSpPr>
+        <p:spPr/>
+        <p:txBody>
+          <a:bodyPr/>
+          <a:lstStyle/>
+          <a:p>
+            <a:fld id="{6700A58B-DD98-43D0-B791-721480A02982}" type="datetime1">
+              <a:rPr lang="en-US" smtClean="0"/>
+              <a:t>1/13/21</a:t>
+            </a:fld>
+            <a:endParaRPr lang="en-US"/>
+          </a:p>
+        </p:txBody>
+      </p:sp>
+      <p:sp>
+        <p:nvSpPr>
+          <p:cNvPr id="3" name="Title 2">
+            <a:extLst>
+              <a:ext uri="{FF2B5EF4-FFF2-40B4-BE49-F238E27FC236}">
+                <a16:creationId xmlns:a16="http://schemas.microsoft.com/office/drawing/2014/main" id="{67B23D8A-24A2-7F41-8009-A3EE670C787D}"/>
+              </a:ext>
+            </a:extLst>
+          </p:cNvPr>
+          <p:cNvSpPr>
+            <a:spLocks noGrp="1"/>
+          </p:cNvSpPr>
+          <p:nvPr>
+            <p:ph type="title"/>
+          </p:nvPr>
+        </p:nvSpPr>
+        <p:spPr/>
+        <p:txBody>
+          <a:bodyPr/>
+          <a:lstStyle/>
+          <a:p>
+            <a:r>
+              <a:rPr lang="en-US" dirty="0"/>
+              <a:t>Out 3 Documents as a single list object</a:t>
+            </a:r>
+          </a:p>
+        </p:txBody>
+      </p:sp>
+      <p:sp>
+        <p:nvSpPr>
+          <p:cNvPr id="4" name="Footer Placeholder 3">
+            <a:extLst>
+              <a:ext uri="{FF2B5EF4-FFF2-40B4-BE49-F238E27FC236}">
+                <a16:creationId xmlns:a16="http://schemas.microsoft.com/office/drawing/2014/main" id="{AF654C98-0717-D044-8CFC-1D1A72380139}"/>
+              </a:ext>
+            </a:extLst>
+          </p:cNvPr>
+          <p:cNvSpPr>
+            <a:spLocks noGrp="1"/>
+          </p:cNvSpPr>
+          <p:nvPr>
+            <p:ph type="ftr" sz="quarter" idx="3"/>
+          </p:nvPr>
+        </p:nvSpPr>
+        <p:spPr/>
+        <p:txBody>
+          <a:bodyPr/>
+          <a:lstStyle/>
+          <a:p>
+            <a:r>
+              <a:rPr lang="en-US"/>
+              <a:t>Kwartler</a:t>
+            </a:r>
+            <a:endParaRPr lang="en-US" dirty="0"/>
+          </a:p>
+        </p:txBody>
+      </p:sp>
+      <p:sp>
+        <p:nvSpPr>
+          <p:cNvPr id="5" name="Slide Number Placeholder 4">
+            <a:extLst>
+              <a:ext uri="{FF2B5EF4-FFF2-40B4-BE49-F238E27FC236}">
+                <a16:creationId xmlns:a16="http://schemas.microsoft.com/office/drawing/2014/main" id="{B84750F5-283F-DB46-A09D-30BA6F173324}"/>
+              </a:ext>
+            </a:extLst>
+          </p:cNvPr>
+          <p:cNvSpPr>
+            <a:spLocks noGrp="1"/>
+          </p:cNvSpPr>
+          <p:nvPr>
+            <p:ph type="sldNum" sz="quarter" idx="4"/>
+          </p:nvPr>
+        </p:nvSpPr>
+        <p:spPr/>
+        <p:txBody>
+          <a:bodyPr/>
+          <a:lstStyle/>
+          <a:p>
+            <a:fld id="{37290FF7-652B-4475-AEAB-8B1A5D23AE09}" type="slidenum">
+              <a:rPr lang="en-US" smtClean="0"/>
+              <a:pPr/>
+              <a:t>18</a:t>
+            </a:fld>
+            <a:endParaRPr lang="en-US" dirty="0"/>
+          </a:p>
+        </p:txBody>
+      </p:sp>
+      <p:sp>
+        <p:nvSpPr>
+          <p:cNvPr id="7" name="Rectangle 6">
+            <a:extLst>
+              <a:ext uri="{FF2B5EF4-FFF2-40B4-BE49-F238E27FC236}">
+                <a16:creationId xmlns:a16="http://schemas.microsoft.com/office/drawing/2014/main" id="{EE809235-CABF-1849-B63C-0B8953EFBBB3}"/>
+              </a:ext>
+            </a:extLst>
+          </p:cNvPr>
+          <p:cNvSpPr/>
+          <p:nvPr/>
+        </p:nvSpPr>
+        <p:spPr>
+          <a:xfrm>
+            <a:off x="1267097" y="1237846"/>
+            <a:ext cx="6609806" cy="369332"/>
+          </a:xfrm>
+          <a:prstGeom prst="rect">
+            <a:avLst/>
+          </a:prstGeom>
+        </p:spPr>
+        <p:txBody>
+          <a:bodyPr wrap="square">
+            <a:spAutoFit/>
+          </a:bodyPr>
+          <a:lstStyle/>
+          <a:p>
+            <a:pPr defTabSz="457200"/>
+            <a:r>
+              <a:rPr lang="en-US" dirty="0" err="1">
+                <a:solidFill>
+                  <a:prstClr val="black"/>
+                </a:solidFill>
+                <a:latin typeface="Consolas" panose="020B0609020204030204" pitchFamily="49" charset="0"/>
+                <a:ea typeface="Arial Unicode MS" panose="020B0604020202020204" pitchFamily="34" charset="-128"/>
+                <a:cs typeface="Consolas" panose="020B0609020204030204" pitchFamily="49" charset="0"/>
+              </a:rPr>
+              <a:t>allDocs</a:t>
+            </a:r>
+            <a:r>
+              <a:rPr lang="en-US" dirty="0">
+                <a:solidFill>
+                  <a:prstClr val="black"/>
+                </a:solidFill>
+                <a:latin typeface="Consolas" panose="020B0609020204030204" pitchFamily="49" charset="0"/>
+                <a:ea typeface="Arial Unicode MS" panose="020B0604020202020204" pitchFamily="34" charset="-128"/>
+                <a:cs typeface="Consolas" panose="020B0609020204030204" pitchFamily="49" charset="0"/>
+              </a:rPr>
+              <a:t> &lt;- </a:t>
+            </a:r>
+            <a:r>
+              <a:rPr lang="en-US" dirty="0" err="1">
+                <a:solidFill>
+                  <a:prstClr val="black"/>
+                </a:solidFill>
+                <a:latin typeface="Consolas" panose="020B0609020204030204" pitchFamily="49" charset="0"/>
+                <a:ea typeface="Arial Unicode MS" panose="020B0604020202020204" pitchFamily="34" charset="-128"/>
+                <a:cs typeface="Consolas" panose="020B0609020204030204" pitchFamily="49" charset="0"/>
+              </a:rPr>
+              <a:t>pblapply</a:t>
+            </a:r>
+            <a:r>
+              <a:rPr lang="en-US" dirty="0">
+                <a:solidFill>
+                  <a:prstClr val="black"/>
+                </a:solidFill>
+                <a:latin typeface="Consolas" panose="020B0609020204030204" pitchFamily="49" charset="0"/>
+                <a:ea typeface="Arial Unicode MS" panose="020B0604020202020204" pitchFamily="34" charset="-128"/>
+                <a:cs typeface="Consolas" panose="020B0609020204030204" pitchFamily="49" charset="0"/>
+              </a:rPr>
+              <a:t>(</a:t>
+            </a:r>
+            <a:r>
+              <a:rPr lang="en-US" dirty="0" err="1">
+                <a:solidFill>
+                  <a:prstClr val="black"/>
+                </a:solidFill>
+                <a:latin typeface="Consolas" panose="020B0609020204030204" pitchFamily="49" charset="0"/>
+                <a:ea typeface="Arial Unicode MS" panose="020B0604020202020204" pitchFamily="34" charset="-128"/>
+                <a:cs typeface="Consolas" panose="020B0609020204030204" pitchFamily="49" charset="0"/>
+              </a:rPr>
+              <a:t>txtFiles,read.csv</a:t>
+            </a:r>
+            <a:r>
+              <a:rPr lang="en-US" dirty="0">
+                <a:solidFill>
+                  <a:prstClr val="black"/>
+                </a:solidFill>
+                <a:latin typeface="Consolas" panose="020B0609020204030204" pitchFamily="49" charset="0"/>
+                <a:ea typeface="Arial Unicode MS" panose="020B0604020202020204" pitchFamily="34" charset="-128"/>
+                <a:cs typeface="Consolas" panose="020B0609020204030204" pitchFamily="49" charset="0"/>
+              </a:rPr>
+              <a:t>)</a:t>
+            </a:r>
+          </a:p>
+        </p:txBody>
+      </p:sp>
+      <p:sp>
+        <p:nvSpPr>
+          <p:cNvPr id="8" name="Rectangle 7">
+            <a:extLst>
+              <a:ext uri="{FF2B5EF4-FFF2-40B4-BE49-F238E27FC236}">
+                <a16:creationId xmlns:a16="http://schemas.microsoft.com/office/drawing/2014/main" id="{1E8CE02C-9EF2-7A41-91F6-ECB96C932A69}"/>
+              </a:ext>
+            </a:extLst>
+          </p:cNvPr>
+          <p:cNvSpPr/>
+          <p:nvPr/>
+        </p:nvSpPr>
+        <p:spPr>
+          <a:xfrm>
+            <a:off x="1657350" y="2168434"/>
+            <a:ext cx="1301387" cy="457200"/>
+          </a:xfrm>
+          <a:prstGeom prst="rect">
+            <a:avLst/>
+          </a:prstGeom>
+        </p:spPr>
+        <p:style>
+          <a:lnRef idx="2">
+            <a:schemeClr val="accent1">
+              <a:shade val="50000"/>
+            </a:schemeClr>
+          </a:lnRef>
+          <a:fillRef idx="1">
+            <a:schemeClr val="accent1"/>
+          </a:fillRef>
+          <a:effectRef idx="0">
+            <a:schemeClr val="accent1"/>
+          </a:effectRef>
+          <a:fontRef idx="minor">
+            <a:schemeClr val="lt1"/>
+          </a:fontRef>
+        </p:style>
+        <p:txBody>
+          <a:bodyPr rtlCol="0" anchor="ctr"/>
+          <a:lstStyle/>
+          <a:p>
+            <a:pPr algn="ctr"/>
+            <a:r>
+              <a:rPr lang="en-US" dirty="0" err="1">
+                <a:latin typeface="Consolas" panose="020B0609020204030204" pitchFamily="49" charset="0"/>
+                <a:cs typeface="Consolas" panose="020B0609020204030204" pitchFamily="49" charset="0"/>
+              </a:rPr>
+              <a:t>allDocs</a:t>
+            </a:r>
+            <a:endParaRPr lang="en-US" dirty="0">
+              <a:latin typeface="Consolas" panose="020B0609020204030204" pitchFamily="49" charset="0"/>
+              <a:cs typeface="Consolas" panose="020B0609020204030204" pitchFamily="49" charset="0"/>
+            </a:endParaRPr>
+          </a:p>
+        </p:txBody>
+      </p:sp>
+      <p:sp>
+        <p:nvSpPr>
+          <p:cNvPr id="9" name="Rectangle 8">
+            <a:extLst>
+              <a:ext uri="{FF2B5EF4-FFF2-40B4-BE49-F238E27FC236}">
+                <a16:creationId xmlns:a16="http://schemas.microsoft.com/office/drawing/2014/main" id="{CCF91108-5F35-6149-B199-41DDFFCF47B5}"/>
+              </a:ext>
+            </a:extLst>
+          </p:cNvPr>
+          <p:cNvSpPr/>
+          <p:nvPr/>
+        </p:nvSpPr>
+        <p:spPr>
+          <a:xfrm>
+            <a:off x="2958737" y="3015336"/>
+            <a:ext cx="2266406" cy="457200"/>
+          </a:xfrm>
+          <a:prstGeom prst="rect">
+            <a:avLst/>
+          </a:prstGeom>
+        </p:spPr>
+        <p:style>
+          <a:lnRef idx="2">
+            <a:schemeClr val="accent1">
+              <a:shade val="50000"/>
+            </a:schemeClr>
+          </a:lnRef>
+          <a:fillRef idx="1">
+            <a:schemeClr val="accent1"/>
+          </a:fillRef>
+          <a:effectRef idx="0">
+            <a:schemeClr val="accent1"/>
+          </a:effectRef>
+          <a:fontRef idx="minor">
+            <a:schemeClr val="lt1"/>
+          </a:fontRef>
+        </p:style>
+        <p:txBody>
+          <a:bodyPr rtlCol="0" anchor="ctr"/>
+          <a:lstStyle/>
+          <a:p>
+            <a:pPr algn="ctr"/>
+            <a:r>
+              <a:rPr lang="en-US" dirty="0" err="1">
+                <a:latin typeface="Consolas" panose="020B0609020204030204" pitchFamily="49" charset="0"/>
+                <a:cs typeface="Consolas" panose="020B0609020204030204" pitchFamily="49" charset="0"/>
+              </a:rPr>
+              <a:t>chardonnay.csv</a:t>
+            </a:r>
+            <a:endParaRPr lang="en-US" dirty="0">
+              <a:latin typeface="Consolas" panose="020B0609020204030204" pitchFamily="49" charset="0"/>
+              <a:cs typeface="Consolas" panose="020B0609020204030204" pitchFamily="49" charset="0"/>
+            </a:endParaRPr>
+          </a:p>
+        </p:txBody>
+      </p:sp>
+      <p:sp>
+        <p:nvSpPr>
+          <p:cNvPr id="10" name="Rectangle 9">
+            <a:extLst>
+              <a:ext uri="{FF2B5EF4-FFF2-40B4-BE49-F238E27FC236}">
+                <a16:creationId xmlns:a16="http://schemas.microsoft.com/office/drawing/2014/main" id="{338F636B-5BD3-CE41-BEB4-F10FC5907974}"/>
+              </a:ext>
+            </a:extLst>
+          </p:cNvPr>
+          <p:cNvSpPr/>
+          <p:nvPr/>
+        </p:nvSpPr>
+        <p:spPr>
+          <a:xfrm>
+            <a:off x="2958736" y="4177485"/>
+            <a:ext cx="2266406" cy="457200"/>
+          </a:xfrm>
+          <a:prstGeom prst="rect">
+            <a:avLst/>
+          </a:prstGeom>
+        </p:spPr>
+        <p:style>
+          <a:lnRef idx="2">
+            <a:schemeClr val="accent1">
+              <a:shade val="50000"/>
+            </a:schemeClr>
+          </a:lnRef>
+          <a:fillRef idx="1">
+            <a:schemeClr val="accent1"/>
+          </a:fillRef>
+          <a:effectRef idx="0">
+            <a:schemeClr val="accent1"/>
+          </a:effectRef>
+          <a:fontRef idx="minor">
+            <a:schemeClr val="lt1"/>
+          </a:fontRef>
+        </p:style>
+        <p:txBody>
+          <a:bodyPr rtlCol="0" anchor="ctr"/>
+          <a:lstStyle/>
+          <a:p>
+            <a:pPr algn="ctr"/>
+            <a:r>
+              <a:rPr lang="en-US" dirty="0" err="1">
+                <a:latin typeface="Consolas" panose="020B0609020204030204" pitchFamily="49" charset="0"/>
+                <a:cs typeface="Consolas" panose="020B0609020204030204" pitchFamily="49" charset="0"/>
+              </a:rPr>
+              <a:t>coffee.csv</a:t>
+            </a:r>
+            <a:endParaRPr lang="en-US" dirty="0">
+              <a:latin typeface="Consolas" panose="020B0609020204030204" pitchFamily="49" charset="0"/>
+              <a:cs typeface="Consolas" panose="020B0609020204030204" pitchFamily="49" charset="0"/>
+            </a:endParaRPr>
+          </a:p>
+        </p:txBody>
+      </p:sp>
+      <p:sp>
+        <p:nvSpPr>
+          <p:cNvPr id="11" name="Rectangle 10">
+            <a:extLst>
+              <a:ext uri="{FF2B5EF4-FFF2-40B4-BE49-F238E27FC236}">
+                <a16:creationId xmlns:a16="http://schemas.microsoft.com/office/drawing/2014/main" id="{458B3860-AB70-094D-BE66-583D750EE2E1}"/>
+              </a:ext>
+            </a:extLst>
+          </p:cNvPr>
+          <p:cNvSpPr/>
+          <p:nvPr/>
+        </p:nvSpPr>
+        <p:spPr>
+          <a:xfrm>
+            <a:off x="2958736" y="5619617"/>
+            <a:ext cx="2266406" cy="457200"/>
+          </a:xfrm>
+          <a:prstGeom prst="rect">
+            <a:avLst/>
+          </a:prstGeom>
+        </p:spPr>
+        <p:style>
+          <a:lnRef idx="2">
+            <a:schemeClr val="accent1">
+              <a:shade val="50000"/>
+            </a:schemeClr>
+          </a:lnRef>
+          <a:fillRef idx="1">
+            <a:schemeClr val="accent1"/>
+          </a:fillRef>
+          <a:effectRef idx="0">
+            <a:schemeClr val="accent1"/>
+          </a:effectRef>
+          <a:fontRef idx="minor">
+            <a:schemeClr val="lt1"/>
+          </a:fontRef>
+        </p:style>
+        <p:txBody>
+          <a:bodyPr rtlCol="0" anchor="ctr"/>
+          <a:lstStyle/>
+          <a:p>
+            <a:pPr algn="ctr"/>
+            <a:r>
+              <a:rPr lang="en-US" dirty="0" err="1">
+                <a:latin typeface="Consolas" panose="020B0609020204030204" pitchFamily="49" charset="0"/>
+                <a:cs typeface="Consolas" panose="020B0609020204030204" pitchFamily="49" charset="0"/>
+              </a:rPr>
+              <a:t>beer.csv</a:t>
+            </a:r>
+            <a:endParaRPr lang="en-US" dirty="0">
+              <a:latin typeface="Consolas" panose="020B0609020204030204" pitchFamily="49" charset="0"/>
+              <a:cs typeface="Consolas" panose="020B0609020204030204" pitchFamily="49" charset="0"/>
+            </a:endParaRPr>
+          </a:p>
+        </p:txBody>
+      </p:sp>
+      <p:cxnSp>
+        <p:nvCxnSpPr>
+          <p:cNvPr id="13" name="Elbow Connector 12">
+            <a:extLst>
+              <a:ext uri="{FF2B5EF4-FFF2-40B4-BE49-F238E27FC236}">
+                <a16:creationId xmlns:a16="http://schemas.microsoft.com/office/drawing/2014/main" id="{1F63A65B-ED2E-8F4E-AC5D-852FF21F2EF4}"/>
+              </a:ext>
+            </a:extLst>
+          </p:cNvPr>
+          <p:cNvCxnSpPr>
+            <a:stCxn id="8" idx="2"/>
+            <a:endCxn id="9" idx="1"/>
+          </p:cNvCxnSpPr>
+          <p:nvPr/>
+        </p:nvCxnSpPr>
+        <p:spPr>
+          <a:xfrm rot="16200000" flipH="1">
+            <a:off x="2324239" y="2609438"/>
+            <a:ext cx="618302" cy="650693"/>
+          </a:xfrm>
+          <a:prstGeom prst="bentConnector2">
+            <a:avLst/>
+          </a:prstGeom>
+          <a:ln>
+            <a:tailEnd type="triangle"/>
+          </a:ln>
+        </p:spPr>
+        <p:style>
+          <a:lnRef idx="1">
+            <a:schemeClr val="accent1"/>
+          </a:lnRef>
+          <a:fillRef idx="0">
+            <a:schemeClr val="accent1"/>
+          </a:fillRef>
+          <a:effectRef idx="0">
+            <a:schemeClr val="accent1"/>
+          </a:effectRef>
+          <a:fontRef idx="minor">
+            <a:schemeClr val="tx1"/>
+          </a:fontRef>
+        </p:style>
+      </p:cxnSp>
+      <p:cxnSp>
+        <p:nvCxnSpPr>
+          <p:cNvPr id="14" name="Elbow Connector 13">
+            <a:extLst>
+              <a:ext uri="{FF2B5EF4-FFF2-40B4-BE49-F238E27FC236}">
+                <a16:creationId xmlns:a16="http://schemas.microsoft.com/office/drawing/2014/main" id="{F1344C7D-C6C9-5248-9745-631A6B23598C}"/>
+              </a:ext>
+            </a:extLst>
+          </p:cNvPr>
+          <p:cNvCxnSpPr>
+            <a:cxnSpLocks/>
+            <a:stCxn id="8" idx="2"/>
+            <a:endCxn id="10" idx="1"/>
+          </p:cNvCxnSpPr>
+          <p:nvPr/>
+        </p:nvCxnSpPr>
+        <p:spPr>
+          <a:xfrm rot="16200000" flipH="1">
+            <a:off x="1743165" y="3190513"/>
+            <a:ext cx="1780451" cy="650692"/>
+          </a:xfrm>
+          <a:prstGeom prst="bentConnector2">
+            <a:avLst/>
+          </a:prstGeom>
+          <a:ln>
+            <a:tailEnd type="triangle"/>
+          </a:ln>
+        </p:spPr>
+        <p:style>
+          <a:lnRef idx="1">
+            <a:schemeClr val="accent1"/>
+          </a:lnRef>
+          <a:fillRef idx="0">
+            <a:schemeClr val="accent1"/>
+          </a:fillRef>
+          <a:effectRef idx="0">
+            <a:schemeClr val="accent1"/>
+          </a:effectRef>
+          <a:fontRef idx="minor">
+            <a:schemeClr val="tx1"/>
+          </a:fontRef>
+        </p:style>
+      </p:cxnSp>
+      <p:cxnSp>
+        <p:nvCxnSpPr>
+          <p:cNvPr id="17" name="Elbow Connector 16">
+            <a:extLst>
+              <a:ext uri="{FF2B5EF4-FFF2-40B4-BE49-F238E27FC236}">
+                <a16:creationId xmlns:a16="http://schemas.microsoft.com/office/drawing/2014/main" id="{A31675D0-B4B8-0747-93C3-2ACB1F94114A}"/>
+              </a:ext>
+            </a:extLst>
+          </p:cNvPr>
+          <p:cNvCxnSpPr>
+            <a:cxnSpLocks/>
+            <a:stCxn id="8" idx="2"/>
+            <a:endCxn id="11" idx="1"/>
+          </p:cNvCxnSpPr>
+          <p:nvPr/>
+        </p:nvCxnSpPr>
+        <p:spPr>
+          <a:xfrm rot="16200000" flipH="1">
+            <a:off x="1022099" y="3911579"/>
+            <a:ext cx="3222583" cy="650692"/>
+          </a:xfrm>
+          <a:prstGeom prst="bentConnector2">
+            <a:avLst/>
+          </a:prstGeom>
+          <a:ln>
+            <a:tailEnd type="triangle"/>
+          </a:ln>
+        </p:spPr>
+        <p:style>
+          <a:lnRef idx="1">
+            <a:schemeClr val="accent1"/>
+          </a:lnRef>
+          <a:fillRef idx="0">
+            <a:schemeClr val="accent1"/>
+          </a:fillRef>
+          <a:effectRef idx="0">
+            <a:schemeClr val="accent1"/>
+          </a:effectRef>
+          <a:fontRef idx="minor">
+            <a:schemeClr val="tx1"/>
+          </a:fontRef>
+        </p:style>
+      </p:cxnSp>
+      <p:sp>
+        <p:nvSpPr>
+          <p:cNvPr id="15" name="TextBox 14">
+            <a:extLst>
+              <a:ext uri="{FF2B5EF4-FFF2-40B4-BE49-F238E27FC236}">
+                <a16:creationId xmlns:a16="http://schemas.microsoft.com/office/drawing/2014/main" id="{6A054168-26D1-1D47-94B2-C083C3C33064}"/>
+              </a:ext>
+            </a:extLst>
+          </p:cNvPr>
+          <p:cNvSpPr txBox="1"/>
+          <p:nvPr/>
+        </p:nvSpPr>
+        <p:spPr>
+          <a:xfrm>
+            <a:off x="5373162" y="2486203"/>
+            <a:ext cx="2706062" cy="369332"/>
+          </a:xfrm>
+          <a:prstGeom prst="rect">
+            <a:avLst/>
+          </a:prstGeom>
+          <a:noFill/>
+        </p:spPr>
+        <p:txBody>
+          <a:bodyPr wrap="none" rtlCol="0">
+            <a:spAutoFit/>
+          </a:bodyPr>
+          <a:lstStyle/>
+          <a:p>
+            <a:r>
+              <a:rPr lang="en-US" b="1" u="sng" dirty="0"/>
+              <a:t>chardonnay – 1000 Tweets</a:t>
+            </a:r>
+          </a:p>
+        </p:txBody>
+      </p:sp>
+      <p:grpSp>
+        <p:nvGrpSpPr>
+          <p:cNvPr id="16" name="Group 15">
+            <a:extLst>
+              <a:ext uri="{FF2B5EF4-FFF2-40B4-BE49-F238E27FC236}">
+                <a16:creationId xmlns:a16="http://schemas.microsoft.com/office/drawing/2014/main" id="{90DAD77A-350E-F447-AC88-394E50B36B0B}"/>
+              </a:ext>
+            </a:extLst>
+          </p:cNvPr>
+          <p:cNvGrpSpPr/>
+          <p:nvPr/>
+        </p:nvGrpSpPr>
+        <p:grpSpPr>
+          <a:xfrm>
+            <a:off x="5225142" y="2831148"/>
+            <a:ext cx="3008243" cy="825575"/>
+            <a:chOff x="2393494" y="2948152"/>
+            <a:chExt cx="3008243" cy="825575"/>
+          </a:xfrm>
+        </p:grpSpPr>
+        <p:grpSp>
+          <p:nvGrpSpPr>
+            <p:cNvPr id="18" name="Group 17">
+              <a:extLst>
+                <a:ext uri="{FF2B5EF4-FFF2-40B4-BE49-F238E27FC236}">
+                  <a16:creationId xmlns:a16="http://schemas.microsoft.com/office/drawing/2014/main" id="{C30DA93D-77C1-D849-9C78-61C49AC67538}"/>
+                </a:ext>
+              </a:extLst>
+            </p:cNvPr>
+            <p:cNvGrpSpPr/>
+            <p:nvPr/>
+          </p:nvGrpSpPr>
+          <p:grpSpPr>
+            <a:xfrm>
+              <a:off x="2511573" y="3074532"/>
+              <a:ext cx="2736003" cy="572814"/>
+              <a:chOff x="2538396" y="3039060"/>
+              <a:chExt cx="2736003" cy="572814"/>
+            </a:xfrm>
+          </p:grpSpPr>
+          <p:pic>
+            <p:nvPicPr>
+              <p:cNvPr id="20" name="Picture 2" descr="Image result for document icon">
+                <a:extLst>
+                  <a:ext uri="{FF2B5EF4-FFF2-40B4-BE49-F238E27FC236}">
+                    <a16:creationId xmlns:a16="http://schemas.microsoft.com/office/drawing/2014/main" id="{390FF516-191D-644B-A723-588E27802EF7}"/>
+                  </a:ext>
+                </a:extLst>
+              </p:cNvPr>
+              <p:cNvPicPr>
+                <a:picLocks noChangeAspect="1" noChangeArrowheads="1"/>
+              </p:cNvPicPr>
+              <p:nvPr/>
+            </p:nvPicPr>
+            <p:blipFill>
+              <a:blip r:embed="rId2" cstate="print">
+                <a:extLst>
+                  <a:ext uri="{28A0092B-C50C-407E-A947-70E740481C1C}">
+                    <a14:useLocalDpi xmlns:a14="http://schemas.microsoft.com/office/drawing/2010/main" val="0"/>
+                  </a:ext>
+                </a:extLst>
+              </a:blip>
+              <a:srcRect/>
+              <a:stretch>
+                <a:fillRect/>
+              </a:stretch>
+            </p:blipFill>
+            <p:spPr bwMode="auto">
+              <a:xfrm>
+                <a:off x="3066941" y="3039060"/>
+                <a:ext cx="572814" cy="572814"/>
+              </a:xfrm>
+              <a:prstGeom prst="rect">
+                <a:avLst/>
+              </a:prstGeom>
+              <a:noFill/>
+              <a:extLst>
+                <a:ext uri="{909E8E84-426E-40DD-AFC4-6F175D3DCCD1}">
+                  <a14:hiddenFill xmlns:a14="http://schemas.microsoft.com/office/drawing/2010/main">
+                    <a:solidFill>
+                      <a:srgbClr val="FFFFFF"/>
+                    </a:solidFill>
+                  </a14:hiddenFill>
+                </a:ext>
+              </a:extLst>
+            </p:spPr>
+          </p:pic>
+          <p:pic>
+            <p:nvPicPr>
+              <p:cNvPr id="21" name="Picture 2" descr="Image result for document icon">
+                <a:extLst>
+                  <a:ext uri="{FF2B5EF4-FFF2-40B4-BE49-F238E27FC236}">
+                    <a16:creationId xmlns:a16="http://schemas.microsoft.com/office/drawing/2014/main" id="{A3E92EDD-6C0C-974C-B011-F57BE4B1069C}"/>
+                  </a:ext>
+                </a:extLst>
+              </p:cNvPr>
+              <p:cNvPicPr>
+                <a:picLocks noChangeAspect="1" noChangeArrowheads="1"/>
+              </p:cNvPicPr>
+              <p:nvPr/>
+            </p:nvPicPr>
+            <p:blipFill>
+              <a:blip r:embed="rId2" cstate="print">
+                <a:extLst>
+                  <a:ext uri="{28A0092B-C50C-407E-A947-70E740481C1C}">
+                    <a14:useLocalDpi xmlns:a14="http://schemas.microsoft.com/office/drawing/2010/main" val="0"/>
+                  </a:ext>
+                </a:extLst>
+              </a:blip>
+              <a:srcRect/>
+              <a:stretch>
+                <a:fillRect/>
+              </a:stretch>
+            </p:blipFill>
+            <p:spPr bwMode="auto">
+              <a:xfrm>
+                <a:off x="2538396" y="3039060"/>
+                <a:ext cx="572814" cy="572814"/>
+              </a:xfrm>
+              <a:prstGeom prst="rect">
+                <a:avLst/>
+              </a:prstGeom>
+              <a:noFill/>
+              <a:extLst>
+                <a:ext uri="{909E8E84-426E-40DD-AFC4-6F175D3DCCD1}">
+                  <a14:hiddenFill xmlns:a14="http://schemas.microsoft.com/office/drawing/2010/main">
+                    <a:solidFill>
+                      <a:srgbClr val="FFFFFF"/>
+                    </a:solidFill>
+                  </a14:hiddenFill>
+                </a:ext>
+              </a:extLst>
+            </p:spPr>
+          </p:pic>
+          <p:pic>
+            <p:nvPicPr>
+              <p:cNvPr id="22" name="Picture 2" descr="Image result for document icon">
+                <a:extLst>
+                  <a:ext uri="{FF2B5EF4-FFF2-40B4-BE49-F238E27FC236}">
+                    <a16:creationId xmlns:a16="http://schemas.microsoft.com/office/drawing/2014/main" id="{9E088E3C-9EBE-F04A-8476-F4AD7CBBCF20}"/>
+                  </a:ext>
+                </a:extLst>
+              </p:cNvPr>
+              <p:cNvPicPr>
+                <a:picLocks noChangeAspect="1" noChangeArrowheads="1"/>
+              </p:cNvPicPr>
+              <p:nvPr/>
+            </p:nvPicPr>
+            <p:blipFill>
+              <a:blip r:embed="rId2" cstate="print">
+                <a:extLst>
+                  <a:ext uri="{28A0092B-C50C-407E-A947-70E740481C1C}">
+                    <a14:useLocalDpi xmlns:a14="http://schemas.microsoft.com/office/drawing/2010/main" val="0"/>
+                  </a:ext>
+                </a:extLst>
+              </a:blip>
+              <a:srcRect/>
+              <a:stretch>
+                <a:fillRect/>
+              </a:stretch>
+            </p:blipFill>
+            <p:spPr bwMode="auto">
+              <a:xfrm>
+                <a:off x="4701585" y="3039060"/>
+                <a:ext cx="572814" cy="572814"/>
+              </a:xfrm>
+              <a:prstGeom prst="rect">
+                <a:avLst/>
+              </a:prstGeom>
+              <a:noFill/>
+              <a:extLst>
+                <a:ext uri="{909E8E84-426E-40DD-AFC4-6F175D3DCCD1}">
+                  <a14:hiddenFill xmlns:a14="http://schemas.microsoft.com/office/drawing/2010/main">
+                    <a:solidFill>
+                      <a:srgbClr val="FFFFFF"/>
+                    </a:solidFill>
+                  </a14:hiddenFill>
+                </a:ext>
+              </a:extLst>
+            </p:spPr>
+          </p:pic>
+          <p:pic>
+            <p:nvPicPr>
+              <p:cNvPr id="23" name="Picture 2" descr="Image result for document icon">
+                <a:extLst>
+                  <a:ext uri="{FF2B5EF4-FFF2-40B4-BE49-F238E27FC236}">
+                    <a16:creationId xmlns:a16="http://schemas.microsoft.com/office/drawing/2014/main" id="{44CBF513-C318-EC44-BEF6-BC98C86992C8}"/>
+                  </a:ext>
+                </a:extLst>
+              </p:cNvPr>
+              <p:cNvPicPr>
+                <a:picLocks noChangeAspect="1" noChangeArrowheads="1"/>
+              </p:cNvPicPr>
+              <p:nvPr/>
+            </p:nvPicPr>
+            <p:blipFill>
+              <a:blip r:embed="rId2" cstate="print">
+                <a:extLst>
+                  <a:ext uri="{28A0092B-C50C-407E-A947-70E740481C1C}">
+                    <a14:useLocalDpi xmlns:a14="http://schemas.microsoft.com/office/drawing/2010/main" val="0"/>
+                  </a:ext>
+                </a:extLst>
+              </a:blip>
+              <a:srcRect/>
+              <a:stretch>
+                <a:fillRect/>
+              </a:stretch>
+            </p:blipFill>
+            <p:spPr bwMode="auto">
+              <a:xfrm>
+                <a:off x="4186293" y="3039060"/>
+                <a:ext cx="572814" cy="572814"/>
+              </a:xfrm>
+              <a:prstGeom prst="rect">
+                <a:avLst/>
+              </a:prstGeom>
+              <a:noFill/>
+              <a:extLst>
+                <a:ext uri="{909E8E84-426E-40DD-AFC4-6F175D3DCCD1}">
+                  <a14:hiddenFill xmlns:a14="http://schemas.microsoft.com/office/drawing/2010/main">
+                    <a:solidFill>
+                      <a:srgbClr val="FFFFFF"/>
+                    </a:solidFill>
+                  </a14:hiddenFill>
+                </a:ext>
+              </a:extLst>
+            </p:spPr>
+          </p:pic>
+          <p:pic>
+            <p:nvPicPr>
+              <p:cNvPr id="24" name="Picture 2" descr="Image result for document icon">
+                <a:extLst>
+                  <a:ext uri="{FF2B5EF4-FFF2-40B4-BE49-F238E27FC236}">
+                    <a16:creationId xmlns:a16="http://schemas.microsoft.com/office/drawing/2014/main" id="{9D01F02B-625B-2443-99EA-3AD3D7D280EB}"/>
+                  </a:ext>
+                </a:extLst>
+              </p:cNvPr>
+              <p:cNvPicPr>
+                <a:picLocks noChangeAspect="1" noChangeArrowheads="1"/>
+              </p:cNvPicPr>
+              <p:nvPr/>
+            </p:nvPicPr>
+            <p:blipFill>
+              <a:blip r:embed="rId2" cstate="print">
+                <a:extLst>
+                  <a:ext uri="{28A0092B-C50C-407E-A947-70E740481C1C}">
+                    <a14:useLocalDpi xmlns:a14="http://schemas.microsoft.com/office/drawing/2010/main" val="0"/>
+                  </a:ext>
+                </a:extLst>
+              </a:blip>
+              <a:srcRect/>
+              <a:stretch>
+                <a:fillRect/>
+              </a:stretch>
+            </p:blipFill>
+            <p:spPr bwMode="auto">
+              <a:xfrm>
+                <a:off x="3626617" y="3039060"/>
+                <a:ext cx="572814" cy="572814"/>
+              </a:xfrm>
+              <a:prstGeom prst="rect">
+                <a:avLst/>
+              </a:prstGeom>
+              <a:noFill/>
+              <a:extLst>
+                <a:ext uri="{909E8E84-426E-40DD-AFC4-6F175D3DCCD1}">
+                  <a14:hiddenFill xmlns:a14="http://schemas.microsoft.com/office/drawing/2010/main">
+                    <a:solidFill>
+                      <a:srgbClr val="FFFFFF"/>
+                    </a:solidFill>
+                  </a14:hiddenFill>
+                </a:ext>
+              </a:extLst>
+            </p:spPr>
+          </p:pic>
+        </p:grpSp>
+        <p:sp>
+          <p:nvSpPr>
+            <p:cNvPr id="19" name="Rounded Rectangle 18">
+              <a:extLst>
+                <a:ext uri="{FF2B5EF4-FFF2-40B4-BE49-F238E27FC236}">
+                  <a16:creationId xmlns:a16="http://schemas.microsoft.com/office/drawing/2014/main" id="{E96CCD15-D977-6A42-8942-92354391F1B4}"/>
+                </a:ext>
+              </a:extLst>
+            </p:cNvPr>
+            <p:cNvSpPr/>
+            <p:nvPr/>
+          </p:nvSpPr>
+          <p:spPr>
+            <a:xfrm>
+              <a:off x="2393494" y="2948152"/>
+              <a:ext cx="3008243" cy="825575"/>
+            </a:xfrm>
+            <a:prstGeom prst="roundRect">
+              <a:avLst/>
+            </a:prstGeom>
+            <a:noFill/>
+            <a:ln>
+              <a:solidFill>
+                <a:srgbClr val="FFC000"/>
+              </a:solidFill>
+            </a:ln>
+          </p:spPr>
+          <p:style>
+            <a:lnRef idx="2">
+              <a:schemeClr val="accent1">
+                <a:shade val="50000"/>
+              </a:schemeClr>
+            </a:lnRef>
+            <a:fillRef idx="1">
+              <a:schemeClr val="accent1"/>
+            </a:fillRef>
+            <a:effectRef idx="0">
+              <a:schemeClr val="accent1"/>
+            </a:effectRef>
+            <a:fontRef idx="minor">
+              <a:schemeClr val="lt1"/>
+            </a:fontRef>
+          </p:style>
+          <p:txBody>
+            <a:bodyPr rtlCol="0" anchor="ctr"/>
+            <a:lstStyle/>
+            <a:p>
+              <a:pPr algn="ctr"/>
+              <a:endParaRPr lang="en-US"/>
+            </a:p>
+          </p:txBody>
+        </p:sp>
+      </p:grpSp>
+      <p:sp>
+        <p:nvSpPr>
+          <p:cNvPr id="25" name="TextBox 24">
+            <a:extLst>
+              <a:ext uri="{FF2B5EF4-FFF2-40B4-BE49-F238E27FC236}">
+                <a16:creationId xmlns:a16="http://schemas.microsoft.com/office/drawing/2014/main" id="{9118C446-5E79-ED40-B1D5-EFF6D424917F}"/>
+              </a:ext>
+            </a:extLst>
+          </p:cNvPr>
+          <p:cNvSpPr txBox="1"/>
+          <p:nvPr/>
+        </p:nvSpPr>
+        <p:spPr>
+          <a:xfrm>
+            <a:off x="5373162" y="3760334"/>
+            <a:ext cx="2123402" cy="369332"/>
+          </a:xfrm>
+          <a:prstGeom prst="rect">
+            <a:avLst/>
+          </a:prstGeom>
+          <a:noFill/>
+        </p:spPr>
+        <p:txBody>
+          <a:bodyPr wrap="none" rtlCol="0">
+            <a:spAutoFit/>
+          </a:bodyPr>
+          <a:lstStyle/>
+          <a:p>
+            <a:r>
+              <a:rPr lang="en-US" b="1" u="sng" dirty="0" err="1"/>
+              <a:t>cofee</a:t>
+            </a:r>
+            <a:r>
+              <a:rPr lang="en-US" b="1" u="sng" dirty="0"/>
+              <a:t> – 1000 Tweets</a:t>
+            </a:r>
+          </a:p>
+        </p:txBody>
+      </p:sp>
+      <p:grpSp>
+        <p:nvGrpSpPr>
+          <p:cNvPr id="26" name="Group 25">
+            <a:extLst>
+              <a:ext uri="{FF2B5EF4-FFF2-40B4-BE49-F238E27FC236}">
+                <a16:creationId xmlns:a16="http://schemas.microsoft.com/office/drawing/2014/main" id="{23121D31-6800-CB47-BDA8-C574D14E0A7A}"/>
+              </a:ext>
+            </a:extLst>
+          </p:cNvPr>
+          <p:cNvGrpSpPr/>
+          <p:nvPr/>
+        </p:nvGrpSpPr>
+        <p:grpSpPr>
+          <a:xfrm>
+            <a:off x="5225142" y="4105279"/>
+            <a:ext cx="3008243" cy="825575"/>
+            <a:chOff x="2393494" y="2948152"/>
+            <a:chExt cx="3008243" cy="825575"/>
+          </a:xfrm>
+        </p:grpSpPr>
+        <p:grpSp>
+          <p:nvGrpSpPr>
+            <p:cNvPr id="27" name="Group 26">
+              <a:extLst>
+                <a:ext uri="{FF2B5EF4-FFF2-40B4-BE49-F238E27FC236}">
+                  <a16:creationId xmlns:a16="http://schemas.microsoft.com/office/drawing/2014/main" id="{C1D7A597-15A4-EC4F-842E-A69F7F039E45}"/>
+                </a:ext>
+              </a:extLst>
+            </p:cNvPr>
+            <p:cNvGrpSpPr/>
+            <p:nvPr/>
+          </p:nvGrpSpPr>
+          <p:grpSpPr>
+            <a:xfrm>
+              <a:off x="2511573" y="3074532"/>
+              <a:ext cx="2736003" cy="572814"/>
+              <a:chOff x="2538396" y="3039060"/>
+              <a:chExt cx="2736003" cy="572814"/>
+            </a:xfrm>
+          </p:grpSpPr>
+          <p:pic>
+            <p:nvPicPr>
+              <p:cNvPr id="29" name="Picture 2" descr="Image result for document icon">
+                <a:extLst>
+                  <a:ext uri="{FF2B5EF4-FFF2-40B4-BE49-F238E27FC236}">
+                    <a16:creationId xmlns:a16="http://schemas.microsoft.com/office/drawing/2014/main" id="{34DCC1C9-56AC-EB41-985D-EAB5B213A614}"/>
+                  </a:ext>
+                </a:extLst>
+              </p:cNvPr>
+              <p:cNvPicPr>
+                <a:picLocks noChangeAspect="1" noChangeArrowheads="1"/>
+              </p:cNvPicPr>
+              <p:nvPr/>
+            </p:nvPicPr>
+            <p:blipFill>
+              <a:blip r:embed="rId2" cstate="print">
+                <a:extLst>
+                  <a:ext uri="{28A0092B-C50C-407E-A947-70E740481C1C}">
+                    <a14:useLocalDpi xmlns:a14="http://schemas.microsoft.com/office/drawing/2010/main" val="0"/>
+                  </a:ext>
+                </a:extLst>
+              </a:blip>
+              <a:srcRect/>
+              <a:stretch>
+                <a:fillRect/>
+              </a:stretch>
+            </p:blipFill>
+            <p:spPr bwMode="auto">
+              <a:xfrm>
+                <a:off x="3066941" y="3039060"/>
+                <a:ext cx="572814" cy="572814"/>
+              </a:xfrm>
+              <a:prstGeom prst="rect">
+                <a:avLst/>
+              </a:prstGeom>
+              <a:noFill/>
+              <a:extLst>
+                <a:ext uri="{909E8E84-426E-40DD-AFC4-6F175D3DCCD1}">
+                  <a14:hiddenFill xmlns:a14="http://schemas.microsoft.com/office/drawing/2010/main">
+                    <a:solidFill>
+                      <a:srgbClr val="FFFFFF"/>
+                    </a:solidFill>
+                  </a14:hiddenFill>
+                </a:ext>
+              </a:extLst>
+            </p:spPr>
+          </p:pic>
+          <p:pic>
+            <p:nvPicPr>
+              <p:cNvPr id="30" name="Picture 2" descr="Image result for document icon">
+                <a:extLst>
+                  <a:ext uri="{FF2B5EF4-FFF2-40B4-BE49-F238E27FC236}">
+                    <a16:creationId xmlns:a16="http://schemas.microsoft.com/office/drawing/2014/main" id="{EEC1E4E9-2559-494A-BEAC-48C6AA411547}"/>
+                  </a:ext>
+                </a:extLst>
+              </p:cNvPr>
+              <p:cNvPicPr>
+                <a:picLocks noChangeAspect="1" noChangeArrowheads="1"/>
+              </p:cNvPicPr>
+              <p:nvPr/>
+            </p:nvPicPr>
+            <p:blipFill>
+              <a:blip r:embed="rId2" cstate="print">
+                <a:extLst>
+                  <a:ext uri="{28A0092B-C50C-407E-A947-70E740481C1C}">
+                    <a14:useLocalDpi xmlns:a14="http://schemas.microsoft.com/office/drawing/2010/main" val="0"/>
+                  </a:ext>
+                </a:extLst>
+              </a:blip>
+              <a:srcRect/>
+              <a:stretch>
+                <a:fillRect/>
+              </a:stretch>
+            </p:blipFill>
+            <p:spPr bwMode="auto">
+              <a:xfrm>
+                <a:off x="2538396" y="3039060"/>
+                <a:ext cx="572814" cy="572814"/>
+              </a:xfrm>
+              <a:prstGeom prst="rect">
+                <a:avLst/>
+              </a:prstGeom>
+              <a:noFill/>
+              <a:extLst>
+                <a:ext uri="{909E8E84-426E-40DD-AFC4-6F175D3DCCD1}">
+                  <a14:hiddenFill xmlns:a14="http://schemas.microsoft.com/office/drawing/2010/main">
+                    <a:solidFill>
+                      <a:srgbClr val="FFFFFF"/>
+                    </a:solidFill>
+                  </a14:hiddenFill>
+                </a:ext>
+              </a:extLst>
+            </p:spPr>
+          </p:pic>
+          <p:pic>
+            <p:nvPicPr>
+              <p:cNvPr id="31" name="Picture 2" descr="Image result for document icon">
+                <a:extLst>
+                  <a:ext uri="{FF2B5EF4-FFF2-40B4-BE49-F238E27FC236}">
+                    <a16:creationId xmlns:a16="http://schemas.microsoft.com/office/drawing/2014/main" id="{694535F2-502C-594D-9020-61FF4A57DB40}"/>
+                  </a:ext>
+                </a:extLst>
+              </p:cNvPr>
+              <p:cNvPicPr>
+                <a:picLocks noChangeAspect="1" noChangeArrowheads="1"/>
+              </p:cNvPicPr>
+              <p:nvPr/>
+            </p:nvPicPr>
+            <p:blipFill>
+              <a:blip r:embed="rId2" cstate="print">
+                <a:extLst>
+                  <a:ext uri="{28A0092B-C50C-407E-A947-70E740481C1C}">
+                    <a14:useLocalDpi xmlns:a14="http://schemas.microsoft.com/office/drawing/2010/main" val="0"/>
+                  </a:ext>
+                </a:extLst>
+              </a:blip>
+              <a:srcRect/>
+              <a:stretch>
+                <a:fillRect/>
+              </a:stretch>
+            </p:blipFill>
+            <p:spPr bwMode="auto">
+              <a:xfrm>
+                <a:off x="4701585" y="3039060"/>
+                <a:ext cx="572814" cy="572814"/>
+              </a:xfrm>
+              <a:prstGeom prst="rect">
+                <a:avLst/>
+              </a:prstGeom>
+              <a:noFill/>
+              <a:extLst>
+                <a:ext uri="{909E8E84-426E-40DD-AFC4-6F175D3DCCD1}">
+                  <a14:hiddenFill xmlns:a14="http://schemas.microsoft.com/office/drawing/2010/main">
+                    <a:solidFill>
+                      <a:srgbClr val="FFFFFF"/>
+                    </a:solidFill>
+                  </a14:hiddenFill>
+                </a:ext>
+              </a:extLst>
+            </p:spPr>
+          </p:pic>
+          <p:pic>
+            <p:nvPicPr>
+              <p:cNvPr id="32" name="Picture 2" descr="Image result for document icon">
+                <a:extLst>
+                  <a:ext uri="{FF2B5EF4-FFF2-40B4-BE49-F238E27FC236}">
+                    <a16:creationId xmlns:a16="http://schemas.microsoft.com/office/drawing/2014/main" id="{EA5BE3C3-951E-824D-9328-FE1462F982EE}"/>
+                  </a:ext>
+                </a:extLst>
+              </p:cNvPr>
+              <p:cNvPicPr>
+                <a:picLocks noChangeAspect="1" noChangeArrowheads="1"/>
+              </p:cNvPicPr>
+              <p:nvPr/>
+            </p:nvPicPr>
+            <p:blipFill>
+              <a:blip r:embed="rId2" cstate="print">
+                <a:extLst>
+                  <a:ext uri="{28A0092B-C50C-407E-A947-70E740481C1C}">
+                    <a14:useLocalDpi xmlns:a14="http://schemas.microsoft.com/office/drawing/2010/main" val="0"/>
+                  </a:ext>
+                </a:extLst>
+              </a:blip>
+              <a:srcRect/>
+              <a:stretch>
+                <a:fillRect/>
+              </a:stretch>
+            </p:blipFill>
+            <p:spPr bwMode="auto">
+              <a:xfrm>
+                <a:off x="4186293" y="3039060"/>
+                <a:ext cx="572814" cy="572814"/>
+              </a:xfrm>
+              <a:prstGeom prst="rect">
+                <a:avLst/>
+              </a:prstGeom>
+              <a:noFill/>
+              <a:extLst>
+                <a:ext uri="{909E8E84-426E-40DD-AFC4-6F175D3DCCD1}">
+                  <a14:hiddenFill xmlns:a14="http://schemas.microsoft.com/office/drawing/2010/main">
+                    <a:solidFill>
+                      <a:srgbClr val="FFFFFF"/>
+                    </a:solidFill>
+                  </a14:hiddenFill>
+                </a:ext>
+              </a:extLst>
+            </p:spPr>
+          </p:pic>
+          <p:pic>
+            <p:nvPicPr>
+              <p:cNvPr id="33" name="Picture 2" descr="Image result for document icon">
+                <a:extLst>
+                  <a:ext uri="{FF2B5EF4-FFF2-40B4-BE49-F238E27FC236}">
+                    <a16:creationId xmlns:a16="http://schemas.microsoft.com/office/drawing/2014/main" id="{C0D32674-29D9-E745-95B3-8DDBBAA5A230}"/>
+                  </a:ext>
+                </a:extLst>
+              </p:cNvPr>
+              <p:cNvPicPr>
+                <a:picLocks noChangeAspect="1" noChangeArrowheads="1"/>
+              </p:cNvPicPr>
+              <p:nvPr/>
+            </p:nvPicPr>
+            <p:blipFill>
+              <a:blip r:embed="rId2" cstate="print">
+                <a:extLst>
+                  <a:ext uri="{28A0092B-C50C-407E-A947-70E740481C1C}">
+                    <a14:useLocalDpi xmlns:a14="http://schemas.microsoft.com/office/drawing/2010/main" val="0"/>
+                  </a:ext>
+                </a:extLst>
+              </a:blip>
+              <a:srcRect/>
+              <a:stretch>
+                <a:fillRect/>
+              </a:stretch>
+            </p:blipFill>
+            <p:spPr bwMode="auto">
+              <a:xfrm>
+                <a:off x="3626617" y="3039060"/>
+                <a:ext cx="572814" cy="572814"/>
+              </a:xfrm>
+              <a:prstGeom prst="rect">
+                <a:avLst/>
+              </a:prstGeom>
+              <a:noFill/>
+              <a:extLst>
+                <a:ext uri="{909E8E84-426E-40DD-AFC4-6F175D3DCCD1}">
+                  <a14:hiddenFill xmlns:a14="http://schemas.microsoft.com/office/drawing/2010/main">
+                    <a:solidFill>
+                      <a:srgbClr val="FFFFFF"/>
+                    </a:solidFill>
+                  </a14:hiddenFill>
+                </a:ext>
+              </a:extLst>
+            </p:spPr>
+          </p:pic>
+        </p:grpSp>
+        <p:sp>
+          <p:nvSpPr>
+            <p:cNvPr id="28" name="Rounded Rectangle 27">
+              <a:extLst>
+                <a:ext uri="{FF2B5EF4-FFF2-40B4-BE49-F238E27FC236}">
+                  <a16:creationId xmlns:a16="http://schemas.microsoft.com/office/drawing/2014/main" id="{A30D9FE8-16C2-2F44-AAD3-0AF784AE2386}"/>
+                </a:ext>
+              </a:extLst>
+            </p:cNvPr>
+            <p:cNvSpPr/>
+            <p:nvPr/>
+          </p:nvSpPr>
+          <p:spPr>
+            <a:xfrm>
+              <a:off x="2393494" y="2948152"/>
+              <a:ext cx="3008243" cy="825575"/>
+            </a:xfrm>
+            <a:prstGeom prst="roundRect">
+              <a:avLst/>
+            </a:prstGeom>
+            <a:noFill/>
+            <a:ln>
+              <a:solidFill>
+                <a:srgbClr val="FFC000"/>
+              </a:solidFill>
+            </a:ln>
+          </p:spPr>
+          <p:style>
+            <a:lnRef idx="2">
+              <a:schemeClr val="accent1">
+                <a:shade val="50000"/>
+              </a:schemeClr>
+            </a:lnRef>
+            <a:fillRef idx="1">
+              <a:schemeClr val="accent1"/>
+            </a:fillRef>
+            <a:effectRef idx="0">
+              <a:schemeClr val="accent1"/>
+            </a:effectRef>
+            <a:fontRef idx="minor">
+              <a:schemeClr val="lt1"/>
+            </a:fontRef>
+          </p:style>
+          <p:txBody>
+            <a:bodyPr rtlCol="0" anchor="ctr"/>
+            <a:lstStyle/>
+            <a:p>
+              <a:pPr algn="ctr"/>
+              <a:endParaRPr lang="en-US"/>
+            </a:p>
+          </p:txBody>
+        </p:sp>
+      </p:grpSp>
+      <p:sp>
+        <p:nvSpPr>
+          <p:cNvPr id="34" name="TextBox 33">
+            <a:extLst>
+              <a:ext uri="{FF2B5EF4-FFF2-40B4-BE49-F238E27FC236}">
+                <a16:creationId xmlns:a16="http://schemas.microsoft.com/office/drawing/2014/main" id="{49C60D6A-D7F8-274E-B9BA-25E26FE9C900}"/>
+              </a:ext>
+            </a:extLst>
+          </p:cNvPr>
+          <p:cNvSpPr txBox="1"/>
+          <p:nvPr/>
+        </p:nvSpPr>
+        <p:spPr>
+          <a:xfrm>
+            <a:off x="5697634" y="5114627"/>
+            <a:ext cx="2040430" cy="369332"/>
+          </a:xfrm>
+          <a:prstGeom prst="rect">
+            <a:avLst/>
+          </a:prstGeom>
+          <a:noFill/>
+        </p:spPr>
+        <p:txBody>
+          <a:bodyPr wrap="none" rtlCol="0">
+            <a:spAutoFit/>
+          </a:bodyPr>
+          <a:lstStyle/>
+          <a:p>
+            <a:r>
+              <a:rPr lang="en-US" b="1" u="sng" dirty="0"/>
+              <a:t>beer – 1000 Tweets</a:t>
+            </a:r>
+          </a:p>
+        </p:txBody>
+      </p:sp>
+      <p:grpSp>
+        <p:nvGrpSpPr>
+          <p:cNvPr id="35" name="Group 34">
+            <a:extLst>
+              <a:ext uri="{FF2B5EF4-FFF2-40B4-BE49-F238E27FC236}">
+                <a16:creationId xmlns:a16="http://schemas.microsoft.com/office/drawing/2014/main" id="{36F1E1C6-C1FC-8A43-823F-4C9F0085FFC3}"/>
+              </a:ext>
+            </a:extLst>
+          </p:cNvPr>
+          <p:cNvGrpSpPr/>
+          <p:nvPr/>
+        </p:nvGrpSpPr>
+        <p:grpSpPr>
+          <a:xfrm>
+            <a:off x="5225142" y="5451800"/>
+            <a:ext cx="3008243" cy="825575"/>
+            <a:chOff x="2393494" y="2948152"/>
+            <a:chExt cx="3008243" cy="825575"/>
+          </a:xfrm>
+        </p:grpSpPr>
+        <p:grpSp>
+          <p:nvGrpSpPr>
+            <p:cNvPr id="36" name="Group 35">
+              <a:extLst>
+                <a:ext uri="{FF2B5EF4-FFF2-40B4-BE49-F238E27FC236}">
+                  <a16:creationId xmlns:a16="http://schemas.microsoft.com/office/drawing/2014/main" id="{43C0F0A9-E5A6-8547-A39F-B535B6D61B51}"/>
+                </a:ext>
+              </a:extLst>
+            </p:cNvPr>
+            <p:cNvGrpSpPr/>
+            <p:nvPr/>
+          </p:nvGrpSpPr>
+          <p:grpSpPr>
+            <a:xfrm>
+              <a:off x="2511573" y="3074532"/>
+              <a:ext cx="2736003" cy="572814"/>
+              <a:chOff x="2538396" y="3039060"/>
+              <a:chExt cx="2736003" cy="572814"/>
+            </a:xfrm>
+          </p:grpSpPr>
+          <p:pic>
+            <p:nvPicPr>
+              <p:cNvPr id="38" name="Picture 2" descr="Image result for document icon">
+                <a:extLst>
+                  <a:ext uri="{FF2B5EF4-FFF2-40B4-BE49-F238E27FC236}">
+                    <a16:creationId xmlns:a16="http://schemas.microsoft.com/office/drawing/2014/main" id="{0179CAED-E634-6345-AA8D-D5BBE8C07C1C}"/>
+                  </a:ext>
+                </a:extLst>
+              </p:cNvPr>
+              <p:cNvPicPr>
+                <a:picLocks noChangeAspect="1" noChangeArrowheads="1"/>
+              </p:cNvPicPr>
+              <p:nvPr/>
+            </p:nvPicPr>
+            <p:blipFill>
+              <a:blip r:embed="rId2" cstate="print">
+                <a:extLst>
+                  <a:ext uri="{28A0092B-C50C-407E-A947-70E740481C1C}">
+                    <a14:useLocalDpi xmlns:a14="http://schemas.microsoft.com/office/drawing/2010/main" val="0"/>
+                  </a:ext>
+                </a:extLst>
+              </a:blip>
+              <a:srcRect/>
+              <a:stretch>
+                <a:fillRect/>
+              </a:stretch>
+            </p:blipFill>
+            <p:spPr bwMode="auto">
+              <a:xfrm>
+                <a:off x="3066941" y="3039060"/>
+                <a:ext cx="572814" cy="572814"/>
+              </a:xfrm>
+              <a:prstGeom prst="rect">
+                <a:avLst/>
+              </a:prstGeom>
+              <a:noFill/>
+              <a:extLst>
+                <a:ext uri="{909E8E84-426E-40DD-AFC4-6F175D3DCCD1}">
+                  <a14:hiddenFill xmlns:a14="http://schemas.microsoft.com/office/drawing/2010/main">
+                    <a:solidFill>
+                      <a:srgbClr val="FFFFFF"/>
+                    </a:solidFill>
+                  </a14:hiddenFill>
+                </a:ext>
+              </a:extLst>
+            </p:spPr>
+          </p:pic>
+          <p:pic>
+            <p:nvPicPr>
+              <p:cNvPr id="39" name="Picture 2" descr="Image result for document icon">
+                <a:extLst>
+                  <a:ext uri="{FF2B5EF4-FFF2-40B4-BE49-F238E27FC236}">
+                    <a16:creationId xmlns:a16="http://schemas.microsoft.com/office/drawing/2014/main" id="{D5A9446F-9EAC-F34A-A064-98C274A062C2}"/>
+                  </a:ext>
+                </a:extLst>
+              </p:cNvPr>
+              <p:cNvPicPr>
+                <a:picLocks noChangeAspect="1" noChangeArrowheads="1"/>
+              </p:cNvPicPr>
+              <p:nvPr/>
+            </p:nvPicPr>
+            <p:blipFill>
+              <a:blip r:embed="rId2" cstate="print">
+                <a:extLst>
+                  <a:ext uri="{28A0092B-C50C-407E-A947-70E740481C1C}">
+                    <a14:useLocalDpi xmlns:a14="http://schemas.microsoft.com/office/drawing/2010/main" val="0"/>
+                  </a:ext>
+                </a:extLst>
+              </a:blip>
+              <a:srcRect/>
+              <a:stretch>
+                <a:fillRect/>
+              </a:stretch>
+            </p:blipFill>
+            <p:spPr bwMode="auto">
+              <a:xfrm>
+                <a:off x="2538396" y="3039060"/>
+                <a:ext cx="572814" cy="572814"/>
+              </a:xfrm>
+              <a:prstGeom prst="rect">
+                <a:avLst/>
+              </a:prstGeom>
+              <a:noFill/>
+              <a:extLst>
+                <a:ext uri="{909E8E84-426E-40DD-AFC4-6F175D3DCCD1}">
+                  <a14:hiddenFill xmlns:a14="http://schemas.microsoft.com/office/drawing/2010/main">
+                    <a:solidFill>
+                      <a:srgbClr val="FFFFFF"/>
+                    </a:solidFill>
+                  </a14:hiddenFill>
+                </a:ext>
+              </a:extLst>
+            </p:spPr>
+          </p:pic>
+          <p:pic>
+            <p:nvPicPr>
+              <p:cNvPr id="40" name="Picture 2" descr="Image result for document icon">
+                <a:extLst>
+                  <a:ext uri="{FF2B5EF4-FFF2-40B4-BE49-F238E27FC236}">
+                    <a16:creationId xmlns:a16="http://schemas.microsoft.com/office/drawing/2014/main" id="{5996B3FD-620D-0F46-A8DF-462640AA575A}"/>
+                  </a:ext>
+                </a:extLst>
+              </p:cNvPr>
+              <p:cNvPicPr>
+                <a:picLocks noChangeAspect="1" noChangeArrowheads="1"/>
+              </p:cNvPicPr>
+              <p:nvPr/>
+            </p:nvPicPr>
+            <p:blipFill>
+              <a:blip r:embed="rId2" cstate="print">
+                <a:extLst>
+                  <a:ext uri="{28A0092B-C50C-407E-A947-70E740481C1C}">
+                    <a14:useLocalDpi xmlns:a14="http://schemas.microsoft.com/office/drawing/2010/main" val="0"/>
+                  </a:ext>
+                </a:extLst>
+              </a:blip>
+              <a:srcRect/>
+              <a:stretch>
+                <a:fillRect/>
+              </a:stretch>
+            </p:blipFill>
+            <p:spPr bwMode="auto">
+              <a:xfrm>
+                <a:off x="4701585" y="3039060"/>
+                <a:ext cx="572814" cy="572814"/>
+              </a:xfrm>
+              <a:prstGeom prst="rect">
+                <a:avLst/>
+              </a:prstGeom>
+              <a:noFill/>
+              <a:extLst>
+                <a:ext uri="{909E8E84-426E-40DD-AFC4-6F175D3DCCD1}">
+                  <a14:hiddenFill xmlns:a14="http://schemas.microsoft.com/office/drawing/2010/main">
+                    <a:solidFill>
+                      <a:srgbClr val="FFFFFF"/>
+                    </a:solidFill>
+                  </a14:hiddenFill>
+                </a:ext>
+              </a:extLst>
+            </p:spPr>
+          </p:pic>
+          <p:pic>
+            <p:nvPicPr>
+              <p:cNvPr id="41" name="Picture 2" descr="Image result for document icon">
+                <a:extLst>
+                  <a:ext uri="{FF2B5EF4-FFF2-40B4-BE49-F238E27FC236}">
+                    <a16:creationId xmlns:a16="http://schemas.microsoft.com/office/drawing/2014/main" id="{16EC8E3F-A7C7-0A41-B23A-4C688EDF71DC}"/>
+                  </a:ext>
+                </a:extLst>
+              </p:cNvPr>
+              <p:cNvPicPr>
+                <a:picLocks noChangeAspect="1" noChangeArrowheads="1"/>
+              </p:cNvPicPr>
+              <p:nvPr/>
+            </p:nvPicPr>
+            <p:blipFill>
+              <a:blip r:embed="rId2" cstate="print">
+                <a:extLst>
+                  <a:ext uri="{28A0092B-C50C-407E-A947-70E740481C1C}">
+                    <a14:useLocalDpi xmlns:a14="http://schemas.microsoft.com/office/drawing/2010/main" val="0"/>
+                  </a:ext>
+                </a:extLst>
+              </a:blip>
+              <a:srcRect/>
+              <a:stretch>
+                <a:fillRect/>
+              </a:stretch>
+            </p:blipFill>
+            <p:spPr bwMode="auto">
+              <a:xfrm>
+                <a:off x="4186293" y="3039060"/>
+                <a:ext cx="572814" cy="572814"/>
+              </a:xfrm>
+              <a:prstGeom prst="rect">
+                <a:avLst/>
+              </a:prstGeom>
+              <a:noFill/>
+              <a:extLst>
+                <a:ext uri="{909E8E84-426E-40DD-AFC4-6F175D3DCCD1}">
+                  <a14:hiddenFill xmlns:a14="http://schemas.microsoft.com/office/drawing/2010/main">
+                    <a:solidFill>
+                      <a:srgbClr val="FFFFFF"/>
+                    </a:solidFill>
+                  </a14:hiddenFill>
+                </a:ext>
+              </a:extLst>
+            </p:spPr>
+          </p:pic>
+          <p:pic>
+            <p:nvPicPr>
+              <p:cNvPr id="42" name="Picture 2" descr="Image result for document icon">
+                <a:extLst>
+                  <a:ext uri="{FF2B5EF4-FFF2-40B4-BE49-F238E27FC236}">
+                    <a16:creationId xmlns:a16="http://schemas.microsoft.com/office/drawing/2014/main" id="{9BAC09C5-B2BD-D142-B820-363A537DF5DA}"/>
+                  </a:ext>
+                </a:extLst>
+              </p:cNvPr>
+              <p:cNvPicPr>
+                <a:picLocks noChangeAspect="1" noChangeArrowheads="1"/>
+              </p:cNvPicPr>
+              <p:nvPr/>
+            </p:nvPicPr>
+            <p:blipFill>
+              <a:blip r:embed="rId2" cstate="print">
+                <a:extLst>
+                  <a:ext uri="{28A0092B-C50C-407E-A947-70E740481C1C}">
+                    <a14:useLocalDpi xmlns:a14="http://schemas.microsoft.com/office/drawing/2010/main" val="0"/>
+                  </a:ext>
+                </a:extLst>
+              </a:blip>
+              <a:srcRect/>
+              <a:stretch>
+                <a:fillRect/>
+              </a:stretch>
+            </p:blipFill>
+            <p:spPr bwMode="auto">
+              <a:xfrm>
+                <a:off x="3626617" y="3039060"/>
+                <a:ext cx="572814" cy="572814"/>
+              </a:xfrm>
+              <a:prstGeom prst="rect">
+                <a:avLst/>
+              </a:prstGeom>
+              <a:noFill/>
+              <a:extLst>
+                <a:ext uri="{909E8E84-426E-40DD-AFC4-6F175D3DCCD1}">
+                  <a14:hiddenFill xmlns:a14="http://schemas.microsoft.com/office/drawing/2010/main">
+                    <a:solidFill>
+                      <a:srgbClr val="FFFFFF"/>
+                    </a:solidFill>
+                  </a14:hiddenFill>
+                </a:ext>
+              </a:extLst>
+            </p:spPr>
+          </p:pic>
+        </p:grpSp>
+        <p:sp>
+          <p:nvSpPr>
+            <p:cNvPr id="37" name="Rounded Rectangle 36">
+              <a:extLst>
+                <a:ext uri="{FF2B5EF4-FFF2-40B4-BE49-F238E27FC236}">
+                  <a16:creationId xmlns:a16="http://schemas.microsoft.com/office/drawing/2014/main" id="{8AA22B40-1C01-AE46-8D26-8181ECE01DB4}"/>
+                </a:ext>
+              </a:extLst>
+            </p:cNvPr>
+            <p:cNvSpPr/>
+            <p:nvPr/>
+          </p:nvSpPr>
+          <p:spPr>
+            <a:xfrm>
+              <a:off x="2393494" y="2948152"/>
+              <a:ext cx="3008243" cy="825575"/>
+            </a:xfrm>
+            <a:prstGeom prst="roundRect">
+              <a:avLst/>
+            </a:prstGeom>
+            <a:noFill/>
+            <a:ln>
+              <a:solidFill>
+                <a:srgbClr val="FFC000"/>
+              </a:solidFill>
+            </a:ln>
+          </p:spPr>
+          <p:style>
+            <a:lnRef idx="2">
+              <a:schemeClr val="accent1">
+                <a:shade val="50000"/>
+              </a:schemeClr>
+            </a:lnRef>
+            <a:fillRef idx="1">
+              <a:schemeClr val="accent1"/>
+            </a:fillRef>
+            <a:effectRef idx="0">
+              <a:schemeClr val="accent1"/>
+            </a:effectRef>
+            <a:fontRef idx="minor">
+              <a:schemeClr val="lt1"/>
+            </a:fontRef>
+          </p:style>
+          <p:txBody>
+            <a:bodyPr rtlCol="0" anchor="ctr"/>
+            <a:lstStyle/>
+            <a:p>
+              <a:pPr algn="ctr"/>
+              <a:endParaRPr lang="en-US"/>
+            </a:p>
+          </p:txBody>
+        </p:sp>
+      </p:grpSp>
+    </p:spTree>
+    <p:extLst>
+      <p:ext uri="{BB962C8B-B14F-4D97-AF65-F5344CB8AC3E}">
+        <p14:creationId xmlns:p14="http://schemas.microsoft.com/office/powerpoint/2010/main" val="852066157"/>
+      </p:ext>
+    </p:extLst>
+  </p:cSld>
+  <p:clrMapOvr>
+    <a:masterClrMapping/>
+  </p:clrMapOvr>
+</p:sld>
+</file>
+
+<file path=ppt/slides/slide19.xml><?xml version="1.0" encoding="utf-8"?>
+<p:sld xmlns:a="http://schemas.openxmlformats.org/drawingml/2006/main" xmlns:r="http://schemas.openxmlformats.org/officeDocument/2006/relationships" xmlns:p="http://schemas.openxmlformats.org/presentationml/2006/main">
+  <p:cSld>
+    <p:spTree>
+      <p:nvGrpSpPr>
+        <p:cNvPr id="1" name=""/>
+        <p:cNvGrpSpPr/>
+        <p:nvPr/>
+      </p:nvGrpSpPr>
+      <p:grpSpPr>
+        <a:xfrm>
+          <a:off x="0" y="0"/>
+          <a:ext cx="0" cy="0"/>
+          <a:chOff x="0" y="0"/>
+          <a:chExt cx="0" cy="0"/>
+        </a:xfrm>
+      </p:grpSpPr>
+      <p:sp>
+        <p:nvSpPr>
+          <p:cNvPr id="2" name="Date Placeholder 1">
+            <a:extLst>
+              <a:ext uri="{FF2B5EF4-FFF2-40B4-BE49-F238E27FC236}">
+                <a16:creationId xmlns:a16="http://schemas.microsoft.com/office/drawing/2014/main" id="{51E1C17F-350C-F84E-8042-EC7EE0C015F8}"/>
+              </a:ext>
+            </a:extLst>
+          </p:cNvPr>
+          <p:cNvSpPr>
+            <a:spLocks noGrp="1"/>
+          </p:cNvSpPr>
+          <p:nvPr>
+            <p:ph type="dt" sz="half" idx="10"/>
+          </p:nvPr>
+        </p:nvSpPr>
+        <p:spPr/>
+        <p:txBody>
+          <a:bodyPr/>
+          <a:lstStyle/>
+          <a:p>
+            <a:fld id="{6700A58B-DD98-43D0-B791-721480A02982}" type="datetime1">
+              <a:rPr lang="en-US" smtClean="0"/>
+              <a:t>1/13/21</a:t>
+            </a:fld>
+            <a:endParaRPr lang="en-US"/>
+          </a:p>
+        </p:txBody>
+      </p:sp>
+      <p:sp>
+        <p:nvSpPr>
+          <p:cNvPr id="3" name="Title 2">
+            <a:extLst>
+              <a:ext uri="{FF2B5EF4-FFF2-40B4-BE49-F238E27FC236}">
+                <a16:creationId xmlns:a16="http://schemas.microsoft.com/office/drawing/2014/main" id="{67B23D8A-24A2-7F41-8009-A3EE670C787D}"/>
+              </a:ext>
+            </a:extLst>
+          </p:cNvPr>
+          <p:cNvSpPr>
+            <a:spLocks noGrp="1"/>
+          </p:cNvSpPr>
+          <p:nvPr>
+            <p:ph type="title"/>
+          </p:nvPr>
+        </p:nvSpPr>
+        <p:spPr>
+          <a:xfrm>
+            <a:off x="0" y="365126"/>
+            <a:ext cx="9144000" cy="591477"/>
+          </a:xfrm>
+        </p:spPr>
+        <p:txBody>
+          <a:bodyPr/>
+          <a:lstStyle/>
+          <a:p>
+            <a:r>
+              <a:rPr lang="en-US" dirty="0"/>
+              <a:t> Multiple Document Collections as a single list object</a:t>
+            </a:r>
+          </a:p>
+        </p:txBody>
+      </p:sp>
+      <p:sp>
+        <p:nvSpPr>
+          <p:cNvPr id="4" name="Footer Placeholder 3">
+            <a:extLst>
+              <a:ext uri="{FF2B5EF4-FFF2-40B4-BE49-F238E27FC236}">
+                <a16:creationId xmlns:a16="http://schemas.microsoft.com/office/drawing/2014/main" id="{AF654C98-0717-D044-8CFC-1D1A72380139}"/>
+              </a:ext>
+            </a:extLst>
+          </p:cNvPr>
+          <p:cNvSpPr>
+            <a:spLocks noGrp="1"/>
+          </p:cNvSpPr>
+          <p:nvPr>
+            <p:ph type="ftr" sz="quarter" idx="3"/>
+          </p:nvPr>
+        </p:nvSpPr>
+        <p:spPr/>
+        <p:txBody>
+          <a:bodyPr/>
+          <a:lstStyle/>
+          <a:p>
+            <a:r>
+              <a:rPr lang="en-US"/>
+              <a:t>Kwartler</a:t>
+            </a:r>
+            <a:endParaRPr lang="en-US" dirty="0"/>
+          </a:p>
+        </p:txBody>
+      </p:sp>
+      <p:sp>
+        <p:nvSpPr>
+          <p:cNvPr id="5" name="Slide Number Placeholder 4">
+            <a:extLst>
+              <a:ext uri="{FF2B5EF4-FFF2-40B4-BE49-F238E27FC236}">
+                <a16:creationId xmlns:a16="http://schemas.microsoft.com/office/drawing/2014/main" id="{B84750F5-283F-DB46-A09D-30BA6F173324}"/>
+              </a:ext>
+            </a:extLst>
+          </p:cNvPr>
+          <p:cNvSpPr>
+            <a:spLocks noGrp="1"/>
+          </p:cNvSpPr>
+          <p:nvPr>
+            <p:ph type="sldNum" sz="quarter" idx="4"/>
+          </p:nvPr>
+        </p:nvSpPr>
+        <p:spPr/>
+        <p:txBody>
+          <a:bodyPr/>
+          <a:lstStyle/>
+          <a:p>
+            <a:fld id="{37290FF7-652B-4475-AEAB-8B1A5D23AE09}" type="slidenum">
+              <a:rPr lang="en-US" smtClean="0"/>
+              <a:pPr/>
+              <a:t>19</a:t>
+            </a:fld>
+            <a:endParaRPr lang="en-US" dirty="0"/>
+          </a:p>
+        </p:txBody>
+      </p:sp>
+      <p:sp>
+        <p:nvSpPr>
+          <p:cNvPr id="7" name="Rectangle 6">
+            <a:extLst>
+              <a:ext uri="{FF2B5EF4-FFF2-40B4-BE49-F238E27FC236}">
+                <a16:creationId xmlns:a16="http://schemas.microsoft.com/office/drawing/2014/main" id="{EE809235-CABF-1849-B63C-0B8953EFBBB3}"/>
+              </a:ext>
+            </a:extLst>
+          </p:cNvPr>
+          <p:cNvSpPr/>
+          <p:nvPr/>
+        </p:nvSpPr>
+        <p:spPr>
+          <a:xfrm>
+            <a:off x="1267097" y="1237846"/>
+            <a:ext cx="6609806" cy="369332"/>
+          </a:xfrm>
+          <a:prstGeom prst="rect">
+            <a:avLst/>
+          </a:prstGeom>
+        </p:spPr>
+        <p:txBody>
+          <a:bodyPr wrap="square">
+            <a:spAutoFit/>
+          </a:bodyPr>
+          <a:lstStyle/>
+          <a:p>
+            <a:pPr defTabSz="457200"/>
+            <a:r>
+              <a:rPr lang="en-US" dirty="0" err="1">
+                <a:solidFill>
+                  <a:prstClr val="black"/>
+                </a:solidFill>
+                <a:highlight>
+                  <a:srgbClr val="C0C0C0"/>
+                </a:highlight>
+                <a:latin typeface="Consolas" panose="020B0609020204030204" pitchFamily="49" charset="0"/>
+                <a:ea typeface="Arial Unicode MS" panose="020B0604020202020204" pitchFamily="34" charset="-128"/>
+                <a:cs typeface="Consolas" panose="020B0609020204030204" pitchFamily="49" charset="0"/>
+              </a:rPr>
+              <a:t>allDocs</a:t>
+            </a:r>
+            <a:r>
+              <a:rPr lang="en-US" dirty="0">
+                <a:solidFill>
+                  <a:prstClr val="black"/>
+                </a:solidFill>
+                <a:highlight>
+                  <a:srgbClr val="C0C0C0"/>
+                </a:highlight>
+                <a:latin typeface="Consolas" panose="020B0609020204030204" pitchFamily="49" charset="0"/>
+                <a:ea typeface="Arial Unicode MS" panose="020B0604020202020204" pitchFamily="34" charset="-128"/>
+                <a:cs typeface="Consolas" panose="020B0609020204030204" pitchFamily="49" charset="0"/>
+              </a:rPr>
+              <a:t> &lt;- </a:t>
+            </a:r>
+            <a:r>
+              <a:rPr lang="en-US" dirty="0" err="1">
+                <a:solidFill>
+                  <a:prstClr val="black"/>
+                </a:solidFill>
+                <a:highlight>
+                  <a:srgbClr val="C0C0C0"/>
+                </a:highlight>
+                <a:latin typeface="Consolas" panose="020B0609020204030204" pitchFamily="49" charset="0"/>
+                <a:ea typeface="Arial Unicode MS" panose="020B0604020202020204" pitchFamily="34" charset="-128"/>
+                <a:cs typeface="Consolas" panose="020B0609020204030204" pitchFamily="49" charset="0"/>
+              </a:rPr>
+              <a:t>pblapply</a:t>
+            </a:r>
+            <a:r>
+              <a:rPr lang="en-US" dirty="0">
+                <a:solidFill>
+                  <a:prstClr val="black"/>
+                </a:solidFill>
+                <a:highlight>
+                  <a:srgbClr val="C0C0C0"/>
+                </a:highlight>
+                <a:latin typeface="Consolas" panose="020B0609020204030204" pitchFamily="49" charset="0"/>
+                <a:ea typeface="Arial Unicode MS" panose="020B0604020202020204" pitchFamily="34" charset="-128"/>
+                <a:cs typeface="Consolas" panose="020B0609020204030204" pitchFamily="49" charset="0"/>
+              </a:rPr>
+              <a:t>(</a:t>
+            </a:r>
+            <a:r>
+              <a:rPr lang="en-US" dirty="0" err="1">
+                <a:solidFill>
+                  <a:prstClr val="black"/>
+                </a:solidFill>
+                <a:highlight>
+                  <a:srgbClr val="C0C0C0"/>
+                </a:highlight>
+                <a:latin typeface="Consolas" panose="020B0609020204030204" pitchFamily="49" charset="0"/>
+                <a:ea typeface="Arial Unicode MS" panose="020B0604020202020204" pitchFamily="34" charset="-128"/>
+                <a:cs typeface="Consolas" panose="020B0609020204030204" pitchFamily="49" charset="0"/>
+              </a:rPr>
+              <a:t>txtFiles,read.csv</a:t>
+            </a:r>
+            <a:r>
+              <a:rPr lang="en-US" dirty="0">
+                <a:solidFill>
+                  <a:prstClr val="black"/>
+                </a:solidFill>
+                <a:highlight>
+                  <a:srgbClr val="C0C0C0"/>
+                </a:highlight>
+                <a:latin typeface="Consolas" panose="020B0609020204030204" pitchFamily="49" charset="0"/>
+                <a:ea typeface="Arial Unicode MS" panose="020B0604020202020204" pitchFamily="34" charset="-128"/>
+                <a:cs typeface="Consolas" panose="020B0609020204030204" pitchFamily="49" charset="0"/>
+              </a:rPr>
+              <a:t>)</a:t>
+            </a:r>
+          </a:p>
+        </p:txBody>
+      </p:sp>
+      <p:sp>
+        <p:nvSpPr>
+          <p:cNvPr id="8" name="Rectangle 7">
+            <a:extLst>
+              <a:ext uri="{FF2B5EF4-FFF2-40B4-BE49-F238E27FC236}">
+                <a16:creationId xmlns:a16="http://schemas.microsoft.com/office/drawing/2014/main" id="{1E8CE02C-9EF2-7A41-91F6-ECB96C932A69}"/>
+              </a:ext>
+            </a:extLst>
+          </p:cNvPr>
+          <p:cNvSpPr/>
+          <p:nvPr/>
+        </p:nvSpPr>
+        <p:spPr>
+          <a:xfrm>
+            <a:off x="1657350" y="2168434"/>
+            <a:ext cx="1301387" cy="457200"/>
+          </a:xfrm>
+          <a:prstGeom prst="rect">
+            <a:avLst/>
+          </a:prstGeom>
+        </p:spPr>
+        <p:style>
+          <a:lnRef idx="2">
+            <a:schemeClr val="accent1">
+              <a:shade val="50000"/>
+            </a:schemeClr>
+          </a:lnRef>
+          <a:fillRef idx="1">
+            <a:schemeClr val="accent1"/>
+          </a:fillRef>
+          <a:effectRef idx="0">
+            <a:schemeClr val="accent1"/>
+          </a:effectRef>
+          <a:fontRef idx="minor">
+            <a:schemeClr val="lt1"/>
+          </a:fontRef>
+        </p:style>
+        <p:txBody>
+          <a:bodyPr rtlCol="0" anchor="ctr"/>
+          <a:lstStyle/>
+          <a:p>
+            <a:pPr algn="ctr"/>
+            <a:r>
+              <a:rPr lang="en-US" dirty="0" err="1">
+                <a:latin typeface="Consolas" panose="020B0609020204030204" pitchFamily="49" charset="0"/>
+                <a:cs typeface="Consolas" panose="020B0609020204030204" pitchFamily="49" charset="0"/>
+              </a:rPr>
+              <a:t>allDocs</a:t>
+            </a:r>
+            <a:endParaRPr lang="en-US" dirty="0">
+              <a:latin typeface="Consolas" panose="020B0609020204030204" pitchFamily="49" charset="0"/>
+              <a:cs typeface="Consolas" panose="020B0609020204030204" pitchFamily="49" charset="0"/>
+            </a:endParaRPr>
+          </a:p>
+        </p:txBody>
+      </p:sp>
+      <p:sp>
+        <p:nvSpPr>
+          <p:cNvPr id="9" name="Rectangle 8">
+            <a:extLst>
+              <a:ext uri="{FF2B5EF4-FFF2-40B4-BE49-F238E27FC236}">
+                <a16:creationId xmlns:a16="http://schemas.microsoft.com/office/drawing/2014/main" id="{CCF91108-5F35-6149-B199-41DDFFCF47B5}"/>
+              </a:ext>
+            </a:extLst>
+          </p:cNvPr>
+          <p:cNvSpPr/>
+          <p:nvPr/>
+        </p:nvSpPr>
+        <p:spPr>
+          <a:xfrm>
+            <a:off x="2958737" y="3015336"/>
+            <a:ext cx="2266406" cy="457200"/>
+          </a:xfrm>
+          <a:prstGeom prst="rect">
+            <a:avLst/>
+          </a:prstGeom>
+        </p:spPr>
+        <p:style>
+          <a:lnRef idx="2">
+            <a:schemeClr val="accent1">
+              <a:shade val="50000"/>
+            </a:schemeClr>
+          </a:lnRef>
+          <a:fillRef idx="1">
+            <a:schemeClr val="accent1"/>
+          </a:fillRef>
+          <a:effectRef idx="0">
+            <a:schemeClr val="accent1"/>
+          </a:effectRef>
+          <a:fontRef idx="minor">
+            <a:schemeClr val="lt1"/>
+          </a:fontRef>
+        </p:style>
+        <p:txBody>
+          <a:bodyPr rtlCol="0" anchor="ctr"/>
+          <a:lstStyle/>
+          <a:p>
+            <a:pPr algn="ctr"/>
+            <a:r>
+              <a:rPr lang="en-US" dirty="0" err="1">
+                <a:latin typeface="Consolas" panose="020B0609020204030204" pitchFamily="49" charset="0"/>
+                <a:cs typeface="Consolas" panose="020B0609020204030204" pitchFamily="49" charset="0"/>
+              </a:rPr>
+              <a:t>chardonnay.csv</a:t>
+            </a:r>
+            <a:endParaRPr lang="en-US" dirty="0">
+              <a:latin typeface="Consolas" panose="020B0609020204030204" pitchFamily="49" charset="0"/>
+              <a:cs typeface="Consolas" panose="020B0609020204030204" pitchFamily="49" charset="0"/>
+            </a:endParaRPr>
+          </a:p>
+        </p:txBody>
+      </p:sp>
+      <p:sp>
+        <p:nvSpPr>
+          <p:cNvPr id="10" name="Rectangle 9">
+            <a:extLst>
+              <a:ext uri="{FF2B5EF4-FFF2-40B4-BE49-F238E27FC236}">
+                <a16:creationId xmlns:a16="http://schemas.microsoft.com/office/drawing/2014/main" id="{338F636B-5BD3-CE41-BEB4-F10FC5907974}"/>
+              </a:ext>
+            </a:extLst>
+          </p:cNvPr>
+          <p:cNvSpPr/>
+          <p:nvPr/>
+        </p:nvSpPr>
+        <p:spPr>
+          <a:xfrm>
+            <a:off x="2958736" y="4373430"/>
+            <a:ext cx="2266406" cy="457200"/>
+          </a:xfrm>
+          <a:prstGeom prst="rect">
+            <a:avLst/>
+          </a:prstGeom>
+        </p:spPr>
+        <p:style>
+          <a:lnRef idx="2">
+            <a:schemeClr val="accent1">
+              <a:shade val="50000"/>
+            </a:schemeClr>
+          </a:lnRef>
+          <a:fillRef idx="1">
+            <a:schemeClr val="accent1"/>
+          </a:fillRef>
+          <a:effectRef idx="0">
+            <a:schemeClr val="accent1"/>
+          </a:effectRef>
+          <a:fontRef idx="minor">
+            <a:schemeClr val="lt1"/>
+          </a:fontRef>
+        </p:style>
+        <p:txBody>
+          <a:bodyPr rtlCol="0" anchor="ctr"/>
+          <a:lstStyle/>
+          <a:p>
+            <a:pPr algn="ctr"/>
+            <a:r>
+              <a:rPr lang="en-US" dirty="0" err="1">
+                <a:latin typeface="Consolas" panose="020B0609020204030204" pitchFamily="49" charset="0"/>
+                <a:cs typeface="Consolas" panose="020B0609020204030204" pitchFamily="49" charset="0"/>
+              </a:rPr>
+              <a:t>coffee.csv</a:t>
+            </a:r>
+            <a:endParaRPr lang="en-US" dirty="0">
+              <a:latin typeface="Consolas" panose="020B0609020204030204" pitchFamily="49" charset="0"/>
+              <a:cs typeface="Consolas" panose="020B0609020204030204" pitchFamily="49" charset="0"/>
+            </a:endParaRPr>
+          </a:p>
+        </p:txBody>
+      </p:sp>
+      <p:sp>
+        <p:nvSpPr>
+          <p:cNvPr id="11" name="Rectangle 10">
+            <a:extLst>
+              <a:ext uri="{FF2B5EF4-FFF2-40B4-BE49-F238E27FC236}">
+                <a16:creationId xmlns:a16="http://schemas.microsoft.com/office/drawing/2014/main" id="{458B3860-AB70-094D-BE66-583D750EE2E1}"/>
+              </a:ext>
+            </a:extLst>
+          </p:cNvPr>
+          <p:cNvSpPr/>
+          <p:nvPr/>
+        </p:nvSpPr>
+        <p:spPr>
+          <a:xfrm>
+            <a:off x="2958736" y="5528178"/>
+            <a:ext cx="2266406" cy="457200"/>
+          </a:xfrm>
+          <a:prstGeom prst="rect">
+            <a:avLst/>
+          </a:prstGeom>
+        </p:spPr>
+        <p:style>
+          <a:lnRef idx="2">
+            <a:schemeClr val="accent1">
+              <a:shade val="50000"/>
+            </a:schemeClr>
+          </a:lnRef>
+          <a:fillRef idx="1">
+            <a:schemeClr val="accent1"/>
+          </a:fillRef>
+          <a:effectRef idx="0">
+            <a:schemeClr val="accent1"/>
+          </a:effectRef>
+          <a:fontRef idx="minor">
+            <a:schemeClr val="lt1"/>
+          </a:fontRef>
+        </p:style>
+        <p:txBody>
+          <a:bodyPr rtlCol="0" anchor="ctr"/>
+          <a:lstStyle/>
+          <a:p>
+            <a:pPr algn="ctr"/>
+            <a:r>
+              <a:rPr lang="en-US" dirty="0" err="1">
+                <a:latin typeface="Consolas" panose="020B0609020204030204" pitchFamily="49" charset="0"/>
+                <a:cs typeface="Consolas" panose="020B0609020204030204" pitchFamily="49" charset="0"/>
+              </a:rPr>
+              <a:t>beer.csv</a:t>
+            </a:r>
+            <a:endParaRPr lang="en-US" dirty="0">
+              <a:latin typeface="Consolas" panose="020B0609020204030204" pitchFamily="49" charset="0"/>
+              <a:cs typeface="Consolas" panose="020B0609020204030204" pitchFamily="49" charset="0"/>
+            </a:endParaRPr>
+          </a:p>
+        </p:txBody>
+      </p:sp>
+      <p:cxnSp>
+        <p:nvCxnSpPr>
+          <p:cNvPr id="13" name="Elbow Connector 12">
+            <a:extLst>
+              <a:ext uri="{FF2B5EF4-FFF2-40B4-BE49-F238E27FC236}">
+                <a16:creationId xmlns:a16="http://schemas.microsoft.com/office/drawing/2014/main" id="{1F63A65B-ED2E-8F4E-AC5D-852FF21F2EF4}"/>
+              </a:ext>
+            </a:extLst>
+          </p:cNvPr>
+          <p:cNvCxnSpPr>
+            <a:stCxn id="8" idx="2"/>
+            <a:endCxn id="9" idx="1"/>
+          </p:cNvCxnSpPr>
+          <p:nvPr/>
+        </p:nvCxnSpPr>
+        <p:spPr>
+          <a:xfrm rot="16200000" flipH="1">
+            <a:off x="2324239" y="2609438"/>
+            <a:ext cx="618302" cy="650693"/>
+          </a:xfrm>
+          <a:prstGeom prst="bentConnector2">
+            <a:avLst/>
+          </a:prstGeom>
+          <a:ln>
+            <a:tailEnd type="triangle"/>
+          </a:ln>
+        </p:spPr>
+        <p:style>
+          <a:lnRef idx="1">
+            <a:schemeClr val="accent1"/>
+          </a:lnRef>
+          <a:fillRef idx="0">
+            <a:schemeClr val="accent1"/>
+          </a:fillRef>
+          <a:effectRef idx="0">
+            <a:schemeClr val="accent1"/>
+          </a:effectRef>
+          <a:fontRef idx="minor">
+            <a:schemeClr val="tx1"/>
+          </a:fontRef>
+        </p:style>
+      </p:cxnSp>
+      <p:cxnSp>
+        <p:nvCxnSpPr>
+          <p:cNvPr id="14" name="Elbow Connector 13">
+            <a:extLst>
+              <a:ext uri="{FF2B5EF4-FFF2-40B4-BE49-F238E27FC236}">
+                <a16:creationId xmlns:a16="http://schemas.microsoft.com/office/drawing/2014/main" id="{F1344C7D-C6C9-5248-9745-631A6B23598C}"/>
+              </a:ext>
+            </a:extLst>
+          </p:cNvPr>
+          <p:cNvCxnSpPr>
+            <a:cxnSpLocks/>
+            <a:stCxn id="8" idx="2"/>
+            <a:endCxn id="10" idx="1"/>
+          </p:cNvCxnSpPr>
+          <p:nvPr/>
+        </p:nvCxnSpPr>
+        <p:spPr>
+          <a:xfrm rot="16200000" flipH="1">
+            <a:off x="1645192" y="3288486"/>
+            <a:ext cx="1976396" cy="650692"/>
+          </a:xfrm>
+          <a:prstGeom prst="bentConnector2">
+            <a:avLst/>
+          </a:prstGeom>
+          <a:ln>
+            <a:tailEnd type="triangle"/>
+          </a:ln>
+        </p:spPr>
+        <p:style>
+          <a:lnRef idx="1">
+            <a:schemeClr val="accent1"/>
+          </a:lnRef>
+          <a:fillRef idx="0">
+            <a:schemeClr val="accent1"/>
+          </a:fillRef>
+          <a:effectRef idx="0">
+            <a:schemeClr val="accent1"/>
+          </a:effectRef>
+          <a:fontRef idx="minor">
+            <a:schemeClr val="tx1"/>
+          </a:fontRef>
+        </p:style>
+      </p:cxnSp>
+      <p:cxnSp>
+        <p:nvCxnSpPr>
+          <p:cNvPr id="17" name="Elbow Connector 16">
+            <a:extLst>
+              <a:ext uri="{FF2B5EF4-FFF2-40B4-BE49-F238E27FC236}">
+                <a16:creationId xmlns:a16="http://schemas.microsoft.com/office/drawing/2014/main" id="{A31675D0-B4B8-0747-93C3-2ACB1F94114A}"/>
+              </a:ext>
+            </a:extLst>
+          </p:cNvPr>
+          <p:cNvCxnSpPr>
+            <a:cxnSpLocks/>
+            <a:stCxn id="8" idx="2"/>
+            <a:endCxn id="11" idx="1"/>
+          </p:cNvCxnSpPr>
+          <p:nvPr/>
+        </p:nvCxnSpPr>
+        <p:spPr>
+          <a:xfrm rot="16200000" flipH="1">
+            <a:off x="1067818" y="3865860"/>
+            <a:ext cx="3131144" cy="650692"/>
+          </a:xfrm>
+          <a:prstGeom prst="bentConnector2">
+            <a:avLst/>
+          </a:prstGeom>
+          <a:ln>
+            <a:tailEnd type="triangle"/>
+          </a:ln>
+        </p:spPr>
+        <p:style>
+          <a:lnRef idx="1">
+            <a:schemeClr val="accent1"/>
+          </a:lnRef>
+          <a:fillRef idx="0">
+            <a:schemeClr val="accent1"/>
+          </a:fillRef>
+          <a:effectRef idx="0">
+            <a:schemeClr val="accent1"/>
+          </a:effectRef>
+          <a:fontRef idx="minor">
+            <a:schemeClr val="tx1"/>
+          </a:fontRef>
+        </p:style>
+      </p:cxnSp>
+      <p:sp>
+        <p:nvSpPr>
+          <p:cNvPr id="6" name="TextBox 5">
+            <a:extLst>
+              <a:ext uri="{FF2B5EF4-FFF2-40B4-BE49-F238E27FC236}">
+                <a16:creationId xmlns:a16="http://schemas.microsoft.com/office/drawing/2014/main" id="{C77D46BD-4023-8944-AA32-D5BF024FD7A6}"/>
+              </a:ext>
+            </a:extLst>
+          </p:cNvPr>
+          <p:cNvSpPr txBox="1"/>
+          <p:nvPr/>
+        </p:nvSpPr>
+        <p:spPr>
+          <a:xfrm>
+            <a:off x="550273" y="3044421"/>
+            <a:ext cx="1704313" cy="369332"/>
+          </a:xfrm>
+          <a:prstGeom prst="rect">
+            <a:avLst/>
+          </a:prstGeom>
+          <a:noFill/>
+        </p:spPr>
+        <p:txBody>
+          <a:bodyPr wrap="none" rtlCol="0">
+            <a:spAutoFit/>
+          </a:bodyPr>
+          <a:lstStyle/>
+          <a:p>
+            <a:r>
+              <a:rPr lang="en-US" dirty="0" err="1">
+                <a:latin typeface="Consolas" panose="020B0609020204030204" pitchFamily="49" charset="0"/>
+                <a:cs typeface="Consolas" panose="020B0609020204030204" pitchFamily="49" charset="0"/>
+              </a:rPr>
+              <a:t>allDocs</a:t>
+            </a:r>
+            <a:r>
+              <a:rPr lang="en-US" dirty="0">
+                <a:latin typeface="Consolas" panose="020B0609020204030204" pitchFamily="49" charset="0"/>
+                <a:cs typeface="Consolas" panose="020B0609020204030204" pitchFamily="49" charset="0"/>
+              </a:rPr>
+              <a:t>[[1]]</a:t>
+            </a:r>
+          </a:p>
+        </p:txBody>
+      </p:sp>
+      <p:sp>
+        <p:nvSpPr>
+          <p:cNvPr id="15" name="TextBox 14">
+            <a:extLst>
+              <a:ext uri="{FF2B5EF4-FFF2-40B4-BE49-F238E27FC236}">
+                <a16:creationId xmlns:a16="http://schemas.microsoft.com/office/drawing/2014/main" id="{9596800C-750D-8F4D-B27B-AE5E3BAA8600}"/>
+              </a:ext>
+            </a:extLst>
+          </p:cNvPr>
+          <p:cNvSpPr txBox="1"/>
+          <p:nvPr/>
+        </p:nvSpPr>
+        <p:spPr>
+          <a:xfrm>
+            <a:off x="577002" y="4387339"/>
+            <a:ext cx="1704313" cy="369332"/>
+          </a:xfrm>
+          <a:prstGeom prst="rect">
+            <a:avLst/>
+          </a:prstGeom>
+          <a:noFill/>
+        </p:spPr>
+        <p:txBody>
+          <a:bodyPr wrap="none" rtlCol="0">
+            <a:spAutoFit/>
+          </a:bodyPr>
+          <a:lstStyle/>
+          <a:p>
+            <a:r>
+              <a:rPr lang="en-US" dirty="0" err="1">
+                <a:latin typeface="Consolas" panose="020B0609020204030204" pitchFamily="49" charset="0"/>
+                <a:cs typeface="Consolas" panose="020B0609020204030204" pitchFamily="49" charset="0"/>
+              </a:rPr>
+              <a:t>allDocs</a:t>
+            </a:r>
+            <a:r>
+              <a:rPr lang="en-US" dirty="0">
+                <a:latin typeface="Consolas" panose="020B0609020204030204" pitchFamily="49" charset="0"/>
+                <a:cs typeface="Consolas" panose="020B0609020204030204" pitchFamily="49" charset="0"/>
+              </a:rPr>
+              <a:t>[[2]]</a:t>
+            </a:r>
+          </a:p>
+        </p:txBody>
+      </p:sp>
+      <p:sp>
+        <p:nvSpPr>
+          <p:cNvPr id="16" name="TextBox 15">
+            <a:extLst>
+              <a:ext uri="{FF2B5EF4-FFF2-40B4-BE49-F238E27FC236}">
+                <a16:creationId xmlns:a16="http://schemas.microsoft.com/office/drawing/2014/main" id="{604FF152-40C4-2346-9C0E-082D185B34CF}"/>
+              </a:ext>
+            </a:extLst>
+          </p:cNvPr>
+          <p:cNvSpPr txBox="1"/>
+          <p:nvPr/>
+        </p:nvSpPr>
+        <p:spPr>
+          <a:xfrm>
+            <a:off x="550272" y="5572112"/>
+            <a:ext cx="1704313" cy="369332"/>
+          </a:xfrm>
+          <a:prstGeom prst="rect">
+            <a:avLst/>
+          </a:prstGeom>
+          <a:noFill/>
+        </p:spPr>
+        <p:txBody>
+          <a:bodyPr wrap="none" rtlCol="0">
+            <a:spAutoFit/>
+          </a:bodyPr>
+          <a:lstStyle/>
+          <a:p>
+            <a:r>
+              <a:rPr lang="en-US" dirty="0" err="1">
+                <a:latin typeface="Consolas" panose="020B0609020204030204" pitchFamily="49" charset="0"/>
+                <a:cs typeface="Consolas" panose="020B0609020204030204" pitchFamily="49" charset="0"/>
+              </a:rPr>
+              <a:t>allDocs</a:t>
+            </a:r>
+            <a:r>
+              <a:rPr lang="en-US" dirty="0">
+                <a:latin typeface="Consolas" panose="020B0609020204030204" pitchFamily="49" charset="0"/>
+                <a:cs typeface="Consolas" panose="020B0609020204030204" pitchFamily="49" charset="0"/>
+              </a:rPr>
+              <a:t>[[3]]</a:t>
+            </a:r>
+          </a:p>
+        </p:txBody>
+      </p:sp>
+    </p:spTree>
+    <p:extLst>
+      <p:ext uri="{BB962C8B-B14F-4D97-AF65-F5344CB8AC3E}">
+        <p14:creationId xmlns:p14="http://schemas.microsoft.com/office/powerpoint/2010/main" val="430306129"/>
+      </p:ext>
+    </p:extLst>
+  </p:cSld>
+  <p:clrMapOvr>
+    <a:masterClrMapping/>
+  </p:clrMapOvr>
+</p:sld>
+</file>
+
+<file path=ppt/slides/slide2.xml><?xml version="1.0" encoding="utf-8"?>
+<p:sld xmlns:a="http://schemas.openxmlformats.org/drawingml/2006/main" xmlns:r="http://schemas.openxmlformats.org/officeDocument/2006/relationships" xmlns:p="http://schemas.openxmlformats.org/presentationml/2006/main">
+  <p:cSld>
+    <p:spTree>
+      <p:nvGrpSpPr>
+        <p:cNvPr id="1" name=""/>
+        <p:cNvGrpSpPr/>
+        <p:nvPr/>
+      </p:nvGrpSpPr>
+      <p:grpSpPr>
+        <a:xfrm>
+          <a:off x="0" y="0"/>
+          <a:ext cx="0" cy="0"/>
+          <a:chOff x="0" y="0"/>
+          <a:chExt cx="0" cy="0"/>
+        </a:xfrm>
+      </p:grpSpPr>
+      <p:sp>
+        <p:nvSpPr>
+          <p:cNvPr id="11" name="Rectangle 10">
+            <a:extLst>
+              <a:ext uri="{FF2B5EF4-FFF2-40B4-BE49-F238E27FC236}">
+                <a16:creationId xmlns:a16="http://schemas.microsoft.com/office/drawing/2014/main" id="{C246B7D1-453D-487B-B491-889C15C460F6}"/>
+              </a:ext>
+            </a:extLst>
+          </p:cNvPr>
+          <p:cNvSpPr/>
+          <p:nvPr/>
+        </p:nvSpPr>
+        <p:spPr>
+          <a:xfrm>
+            <a:off x="512916" y="2025076"/>
+            <a:ext cx="8118168" cy="3176852"/>
+          </a:xfrm>
+          <a:prstGeom prst="rect">
+            <a:avLst/>
+          </a:prstGeom>
+          <a:solidFill>
+            <a:schemeClr val="bg1"/>
+          </a:solidFill>
+          <a:ln w="9525">
+            <a:solidFill>
+              <a:schemeClr val="bg2"/>
+            </a:solidFill>
+          </a:ln>
+        </p:spPr>
+        <p:style>
+          <a:lnRef idx="2">
+            <a:schemeClr val="accent1">
+              <a:shade val="50000"/>
+            </a:schemeClr>
+          </a:lnRef>
+          <a:fillRef idx="1">
+            <a:schemeClr val="accent1"/>
+          </a:fillRef>
+          <a:effectRef idx="0">
+            <a:schemeClr val="accent1"/>
+          </a:effectRef>
+          <a:fontRef idx="minor">
+            <a:schemeClr val="lt1"/>
+          </a:fontRef>
+        </p:style>
+        <p:txBody>
+          <a:bodyPr lIns="88900" tIns="88900" rIns="88900" bIns="88900" rtlCol="0" anchor="t" anchorCtr="0"/>
+          <a:lstStyle/>
+          <a:p>
+            <a:pPr defTabSz="457200"/>
+            <a:endParaRPr lang="en-US" sz="1000" dirty="0">
+              <a:solidFill>
+                <a:schemeClr val="tx2"/>
+              </a:solidFill>
+            </a:endParaRPr>
+          </a:p>
+        </p:txBody>
+      </p:sp>
+      <p:sp>
+        <p:nvSpPr>
+          <p:cNvPr id="12" name="Rectangle 11">
+            <a:extLst>
+              <a:ext uri="{FF2B5EF4-FFF2-40B4-BE49-F238E27FC236}">
+                <a16:creationId xmlns:a16="http://schemas.microsoft.com/office/drawing/2014/main" id="{2C95F845-8979-407C-9F4E-6FBCB9476B2D}"/>
+              </a:ext>
+            </a:extLst>
+          </p:cNvPr>
+          <p:cNvSpPr/>
+          <p:nvPr/>
+        </p:nvSpPr>
+        <p:spPr>
+          <a:xfrm>
+            <a:off x="512916" y="1656073"/>
+            <a:ext cx="8118168" cy="365760"/>
+          </a:xfrm>
+          <a:prstGeom prst="rect">
+            <a:avLst/>
+          </a:prstGeom>
+          <a:solidFill>
+            <a:schemeClr val="accent3"/>
+          </a:solidFill>
+          <a:ln w="9525">
+            <a:solidFill>
+              <a:schemeClr val="accent3"/>
+            </a:solidFill>
+          </a:ln>
+        </p:spPr>
+        <p:style>
+          <a:lnRef idx="2">
+            <a:schemeClr val="accent1">
+              <a:shade val="50000"/>
+            </a:schemeClr>
+          </a:lnRef>
+          <a:fillRef idx="1">
+            <a:schemeClr val="accent1"/>
+          </a:fillRef>
+          <a:effectRef idx="0">
+            <a:schemeClr val="accent1"/>
+          </a:effectRef>
+          <a:fontRef idx="minor">
+            <a:schemeClr val="lt1"/>
+          </a:fontRef>
+        </p:style>
+        <p:txBody>
+          <a:bodyPr lIns="88900" tIns="88900" rIns="88900" bIns="88900" rtlCol="0" anchor="ctr"/>
+          <a:lstStyle/>
+          <a:p>
+            <a:r>
+              <a:rPr lang="en-US" sz="1200" b="1" dirty="0">
+                <a:solidFill>
+                  <a:schemeClr val="bg1"/>
+                </a:solidFill>
+              </a:rPr>
+              <a:t>“Text mining is so fun.  So do text mining!</a:t>
+            </a:r>
+          </a:p>
+        </p:txBody>
+      </p:sp>
+      <p:sp>
+        <p:nvSpPr>
           <p:cNvPr id="2" name="Date Placeholder 1"/>
           <p:cNvSpPr>
             <a:spLocks noGrp="1"/>
@@ -8511,7 +11673,7 @@
             <a:fld id="{6700A58B-DD98-43D0-B791-721480A02982}" type="datetime1">
               <a:rPr lang="en-US" smtClean="0"/>
               <a:pPr/>
-              <a:t>12/30/20</a:t>
+              <a:t>1/13/21</a:t>
             </a:fld>
             <a:endParaRPr lang="en-US"/>
           </a:p>
@@ -8534,7 +11696,7 @@
           <a:p>
             <a:r>
               <a:rPr lang="en-US"/>
-              <a:t>Manipulating multiple corpora</a:t>
+              <a:t>Unigram Tokenization</a:t>
             </a:r>
             <a:endParaRPr lang="en-US" dirty="0"/>
           </a:p>
@@ -8581,7 +11743,1298 @@
             <a:fld id="{37290FF7-652B-4475-AEAB-8B1A5D23AE09}" type="slidenum">
               <a:rPr lang="en-US" smtClean="0"/>
               <a:pPr/>
-              <a:t>17</a:t>
+              <a:t>2</a:t>
+            </a:fld>
+            <a:endParaRPr lang="en-US"/>
+          </a:p>
+        </p:txBody>
+      </p:sp>
+      <p:sp>
+        <p:nvSpPr>
+          <p:cNvPr id="7" name="TextBox 6">
+            <a:extLst>
+              <a:ext uri="{FF2B5EF4-FFF2-40B4-BE49-F238E27FC236}">
+                <a16:creationId xmlns:a16="http://schemas.microsoft.com/office/drawing/2014/main" id="{B99349F3-A8F2-4D17-B849-7F8115A13DC7}"/>
+              </a:ext>
+            </a:extLst>
+          </p:cNvPr>
+          <p:cNvSpPr txBox="1"/>
+          <p:nvPr/>
+        </p:nvSpPr>
+        <p:spPr>
+          <a:xfrm>
+            <a:off x="440250" y="5196043"/>
+            <a:ext cx="1890261" cy="276999"/>
+          </a:xfrm>
+          <a:prstGeom prst="rect">
+            <a:avLst/>
+          </a:prstGeom>
+          <a:noFill/>
+        </p:spPr>
+        <p:txBody>
+          <a:bodyPr wrap="none" rtlCol="0">
+            <a:spAutoFit/>
+          </a:bodyPr>
+          <a:lstStyle/>
+          <a:p>
+            <a:pPr defTabSz="457200"/>
+            <a:r>
+              <a:rPr lang="en-US" sz="1200" i="1" kern="1200" dirty="0">
+                <a:solidFill>
+                  <a:prstClr val="black"/>
+                </a:solidFill>
+                <a:latin typeface="Arial Unicode MS" panose="020B0604020202020204" pitchFamily="34" charset="-128"/>
+                <a:ea typeface="Arial Unicode MS" panose="020B0604020202020204" pitchFamily="34" charset="-128"/>
+                <a:cs typeface="Arial Unicode MS" panose="020B0604020202020204" pitchFamily="34" charset="-128"/>
+              </a:rPr>
+              <a:t>*with common </a:t>
+            </a:r>
+            <a:r>
+              <a:rPr lang="en-US" sz="1200" i="1" kern="1200" dirty="0" err="1">
+                <a:solidFill>
+                  <a:prstClr val="black"/>
+                </a:solidFill>
+                <a:latin typeface="Arial Unicode MS" panose="020B0604020202020204" pitchFamily="34" charset="-128"/>
+                <a:ea typeface="Arial Unicode MS" panose="020B0604020202020204" pitchFamily="34" charset="-128"/>
+                <a:cs typeface="Arial Unicode MS" panose="020B0604020202020204" pitchFamily="34" charset="-128"/>
+              </a:rPr>
+              <a:t>stopwords</a:t>
+            </a:r>
+            <a:endParaRPr lang="en-US" sz="1200" i="1" kern="1200" dirty="0">
+              <a:solidFill>
+                <a:prstClr val="black"/>
+              </a:solidFill>
+              <a:latin typeface="Arial Unicode MS" panose="020B0604020202020204" pitchFamily="34" charset="-128"/>
+              <a:ea typeface="Arial Unicode MS" panose="020B0604020202020204" pitchFamily="34" charset="-128"/>
+              <a:cs typeface="Arial Unicode MS" panose="020B0604020202020204" pitchFamily="34" charset="-128"/>
+            </a:endParaRPr>
+          </a:p>
+        </p:txBody>
+      </p:sp>
+      <p:pic>
+        <p:nvPicPr>
+          <p:cNvPr id="10" name="Picture 9">
+            <a:extLst>
+              <a:ext uri="{FF2B5EF4-FFF2-40B4-BE49-F238E27FC236}">
+                <a16:creationId xmlns:a16="http://schemas.microsoft.com/office/drawing/2014/main" id="{352C3F10-AE75-4FEA-BD93-24F01EF1F0F8}"/>
+              </a:ext>
+            </a:extLst>
+          </p:cNvPr>
+          <p:cNvPicPr>
+            <a:picLocks noChangeAspect="1"/>
+          </p:cNvPicPr>
+          <p:nvPr/>
+        </p:nvPicPr>
+        <p:blipFill>
+          <a:blip r:embed="rId2"/>
+          <a:stretch>
+            <a:fillRect/>
+          </a:stretch>
+        </p:blipFill>
+        <p:spPr>
+          <a:xfrm>
+            <a:off x="3249722" y="2513577"/>
+            <a:ext cx="2644556" cy="1830846"/>
+          </a:xfrm>
+          <a:prstGeom prst="rect">
+            <a:avLst/>
+          </a:prstGeom>
+        </p:spPr>
+      </p:pic>
+      <p:sp>
+        <p:nvSpPr>
+          <p:cNvPr id="13" name="TextBox 12">
+            <a:extLst>
+              <a:ext uri="{FF2B5EF4-FFF2-40B4-BE49-F238E27FC236}">
+                <a16:creationId xmlns:a16="http://schemas.microsoft.com/office/drawing/2014/main" id="{A5A3EE36-0573-4214-8E8B-E9BD628BC999}"/>
+              </a:ext>
+            </a:extLst>
+          </p:cNvPr>
+          <p:cNvSpPr txBox="1"/>
+          <p:nvPr/>
+        </p:nvSpPr>
+        <p:spPr>
+          <a:xfrm>
+            <a:off x="512380" y="1198603"/>
+            <a:ext cx="8119241" cy="338554"/>
+          </a:xfrm>
+          <a:prstGeom prst="rect">
+            <a:avLst/>
+          </a:prstGeom>
+          <a:solidFill>
+            <a:schemeClr val="accent6">
+              <a:lumMod val="60000"/>
+              <a:lumOff val="40000"/>
+            </a:schemeClr>
+          </a:solidFill>
+        </p:spPr>
+        <p:txBody>
+          <a:bodyPr wrap="square" rtlCol="0">
+            <a:spAutoFit/>
+          </a:bodyPr>
+          <a:lstStyle/>
+          <a:p>
+            <a:pPr algn="ctr" defTabSz="457200"/>
+            <a:r>
+              <a:rPr lang="en-US" sz="1600" dirty="0">
+                <a:solidFill>
+                  <a:prstClr val="white"/>
+                </a:solidFill>
+                <a:latin typeface="+mj-lt"/>
+                <a:ea typeface="Arial Unicode MS" panose="020B0604020202020204" pitchFamily="34" charset="-128"/>
+                <a:cs typeface="Arial Unicode MS" panose="020B0604020202020204" pitchFamily="34" charset="-128"/>
+              </a:rPr>
+              <a:t>Thus far, we have performed unigram tokenization of terms.</a:t>
+            </a:r>
+            <a:endParaRPr lang="en-US" sz="1600" kern="1200" dirty="0">
+              <a:solidFill>
+                <a:prstClr val="white"/>
+              </a:solidFill>
+              <a:latin typeface="+mj-lt"/>
+              <a:ea typeface="Arial Unicode MS" panose="020B0604020202020204" pitchFamily="34" charset="-128"/>
+              <a:cs typeface="Arial Unicode MS" panose="020B0604020202020204" pitchFamily="34" charset="-128"/>
+            </a:endParaRPr>
+          </a:p>
+        </p:txBody>
+      </p:sp>
+      <p:cxnSp>
+        <p:nvCxnSpPr>
+          <p:cNvPr id="14" name="Straight Connector 13">
+            <a:extLst>
+              <a:ext uri="{FF2B5EF4-FFF2-40B4-BE49-F238E27FC236}">
+                <a16:creationId xmlns:a16="http://schemas.microsoft.com/office/drawing/2014/main" id="{D5EE2E8A-5825-E94E-BAF3-6B45FE58D5A2}"/>
+              </a:ext>
+            </a:extLst>
+          </p:cNvPr>
+          <p:cNvCxnSpPr/>
+          <p:nvPr/>
+        </p:nvCxnSpPr>
+        <p:spPr>
+          <a:xfrm>
+            <a:off x="6798363" y="6549885"/>
+            <a:ext cx="0" cy="182880"/>
+          </a:xfrm>
+          <a:prstGeom prst="line">
+            <a:avLst/>
+          </a:prstGeom>
+          <a:ln>
+            <a:solidFill>
+              <a:schemeClr val="bg1">
+                <a:lumMod val="85000"/>
+              </a:schemeClr>
+            </a:solidFill>
+          </a:ln>
+        </p:spPr>
+        <p:style>
+          <a:lnRef idx="1">
+            <a:schemeClr val="accent1"/>
+          </a:lnRef>
+          <a:fillRef idx="0">
+            <a:schemeClr val="accent1"/>
+          </a:fillRef>
+          <a:effectRef idx="0">
+            <a:schemeClr val="accent1"/>
+          </a:effectRef>
+          <a:fontRef idx="minor">
+            <a:schemeClr val="tx1"/>
+          </a:fontRef>
+        </p:style>
+      </p:cxnSp>
+      <p:cxnSp>
+        <p:nvCxnSpPr>
+          <p:cNvPr id="15" name="Straight Connector 14">
+            <a:extLst>
+              <a:ext uri="{FF2B5EF4-FFF2-40B4-BE49-F238E27FC236}">
+                <a16:creationId xmlns:a16="http://schemas.microsoft.com/office/drawing/2014/main" id="{A9E0A8EA-FC60-D047-B731-CA4FB9098607}"/>
+              </a:ext>
+            </a:extLst>
+          </p:cNvPr>
+          <p:cNvCxnSpPr/>
+          <p:nvPr/>
+        </p:nvCxnSpPr>
+        <p:spPr>
+          <a:xfrm>
+            <a:off x="7076661" y="4664763"/>
+            <a:ext cx="182880" cy="0"/>
+          </a:xfrm>
+          <a:prstGeom prst="line">
+            <a:avLst/>
+          </a:prstGeom>
+          <a:ln>
+            <a:solidFill>
+              <a:schemeClr val="bg1">
+                <a:lumMod val="85000"/>
+              </a:schemeClr>
+            </a:solidFill>
+          </a:ln>
+        </p:spPr>
+        <p:style>
+          <a:lnRef idx="1">
+            <a:schemeClr val="accent1"/>
+          </a:lnRef>
+          <a:fillRef idx="0">
+            <a:schemeClr val="accent1"/>
+          </a:fillRef>
+          <a:effectRef idx="0">
+            <a:schemeClr val="accent1"/>
+          </a:effectRef>
+          <a:fontRef idx="minor">
+            <a:schemeClr val="tx1"/>
+          </a:fontRef>
+        </p:style>
+      </p:cxnSp>
+    </p:spTree>
+    <p:extLst>
+      <p:ext uri="{BB962C8B-B14F-4D97-AF65-F5344CB8AC3E}">
+        <p14:creationId xmlns:p14="http://schemas.microsoft.com/office/powerpoint/2010/main" val="2545044768"/>
+      </p:ext>
+    </p:extLst>
+  </p:cSld>
+  <p:clrMapOvr>
+    <a:masterClrMapping/>
+  </p:clrMapOvr>
+</p:sld>
+</file>
+
+<file path=ppt/slides/slide20.xml><?xml version="1.0" encoding="utf-8"?>
+<p:sld xmlns:a="http://schemas.openxmlformats.org/drawingml/2006/main" xmlns:r="http://schemas.openxmlformats.org/officeDocument/2006/relationships" xmlns:p="http://schemas.openxmlformats.org/presentationml/2006/main">
+  <p:cSld>
+    <p:spTree>
+      <p:nvGrpSpPr>
+        <p:cNvPr id="1" name=""/>
+        <p:cNvGrpSpPr/>
+        <p:nvPr/>
+      </p:nvGrpSpPr>
+      <p:grpSpPr>
+        <a:xfrm>
+          <a:off x="0" y="0"/>
+          <a:ext cx="0" cy="0"/>
+          <a:chOff x="0" y="0"/>
+          <a:chExt cx="0" cy="0"/>
+        </a:xfrm>
+      </p:grpSpPr>
+      <p:sp>
+        <p:nvSpPr>
+          <p:cNvPr id="2" name="Date Placeholder 1">
+            <a:extLst>
+              <a:ext uri="{FF2B5EF4-FFF2-40B4-BE49-F238E27FC236}">
+                <a16:creationId xmlns:a16="http://schemas.microsoft.com/office/drawing/2014/main" id="{51E1C17F-350C-F84E-8042-EC7EE0C015F8}"/>
+              </a:ext>
+            </a:extLst>
+          </p:cNvPr>
+          <p:cNvSpPr>
+            <a:spLocks noGrp="1"/>
+          </p:cNvSpPr>
+          <p:nvPr>
+            <p:ph type="dt" sz="half" idx="10"/>
+          </p:nvPr>
+        </p:nvSpPr>
+        <p:spPr/>
+        <p:txBody>
+          <a:bodyPr/>
+          <a:lstStyle/>
+          <a:p>
+            <a:fld id="{6700A58B-DD98-43D0-B791-721480A02982}" type="datetime1">
+              <a:rPr lang="en-US" smtClean="0"/>
+              <a:t>1/13/21</a:t>
+            </a:fld>
+            <a:endParaRPr lang="en-US"/>
+          </a:p>
+        </p:txBody>
+      </p:sp>
+      <p:sp>
+        <p:nvSpPr>
+          <p:cNvPr id="3" name="Title 2">
+            <a:extLst>
+              <a:ext uri="{FF2B5EF4-FFF2-40B4-BE49-F238E27FC236}">
+                <a16:creationId xmlns:a16="http://schemas.microsoft.com/office/drawing/2014/main" id="{67B23D8A-24A2-7F41-8009-A3EE670C787D}"/>
+              </a:ext>
+            </a:extLst>
+          </p:cNvPr>
+          <p:cNvSpPr>
+            <a:spLocks noGrp="1"/>
+          </p:cNvSpPr>
+          <p:nvPr>
+            <p:ph type="title"/>
+          </p:nvPr>
+        </p:nvSpPr>
+        <p:spPr>
+          <a:xfrm>
+            <a:off x="0" y="365126"/>
+            <a:ext cx="9144000" cy="591477"/>
+          </a:xfrm>
+        </p:spPr>
+        <p:txBody>
+          <a:bodyPr/>
+          <a:lstStyle/>
+          <a:p>
+            <a:r>
+              <a:rPr lang="en-US" dirty="0"/>
+              <a:t>Each list “element” is a data frame</a:t>
+            </a:r>
+          </a:p>
+        </p:txBody>
+      </p:sp>
+      <p:sp>
+        <p:nvSpPr>
+          <p:cNvPr id="4" name="Footer Placeholder 3">
+            <a:extLst>
+              <a:ext uri="{FF2B5EF4-FFF2-40B4-BE49-F238E27FC236}">
+                <a16:creationId xmlns:a16="http://schemas.microsoft.com/office/drawing/2014/main" id="{AF654C98-0717-D044-8CFC-1D1A72380139}"/>
+              </a:ext>
+            </a:extLst>
+          </p:cNvPr>
+          <p:cNvSpPr>
+            <a:spLocks noGrp="1"/>
+          </p:cNvSpPr>
+          <p:nvPr>
+            <p:ph type="ftr" sz="quarter" idx="3"/>
+          </p:nvPr>
+        </p:nvSpPr>
+        <p:spPr/>
+        <p:txBody>
+          <a:bodyPr/>
+          <a:lstStyle/>
+          <a:p>
+            <a:r>
+              <a:rPr lang="en-US"/>
+              <a:t>Kwartler</a:t>
+            </a:r>
+            <a:endParaRPr lang="en-US" dirty="0"/>
+          </a:p>
+        </p:txBody>
+      </p:sp>
+      <p:sp>
+        <p:nvSpPr>
+          <p:cNvPr id="5" name="Slide Number Placeholder 4">
+            <a:extLst>
+              <a:ext uri="{FF2B5EF4-FFF2-40B4-BE49-F238E27FC236}">
+                <a16:creationId xmlns:a16="http://schemas.microsoft.com/office/drawing/2014/main" id="{B84750F5-283F-DB46-A09D-30BA6F173324}"/>
+              </a:ext>
+            </a:extLst>
+          </p:cNvPr>
+          <p:cNvSpPr>
+            <a:spLocks noGrp="1"/>
+          </p:cNvSpPr>
+          <p:nvPr>
+            <p:ph type="sldNum" sz="quarter" idx="4"/>
+          </p:nvPr>
+        </p:nvSpPr>
+        <p:spPr/>
+        <p:txBody>
+          <a:bodyPr/>
+          <a:lstStyle/>
+          <a:p>
+            <a:fld id="{37290FF7-652B-4475-AEAB-8B1A5D23AE09}" type="slidenum">
+              <a:rPr lang="en-US" smtClean="0"/>
+              <a:pPr/>
+              <a:t>20</a:t>
+            </a:fld>
+            <a:endParaRPr lang="en-US" dirty="0"/>
+          </a:p>
+        </p:txBody>
+      </p:sp>
+      <p:sp>
+        <p:nvSpPr>
+          <p:cNvPr id="7" name="Rectangle 6">
+            <a:extLst>
+              <a:ext uri="{FF2B5EF4-FFF2-40B4-BE49-F238E27FC236}">
+                <a16:creationId xmlns:a16="http://schemas.microsoft.com/office/drawing/2014/main" id="{EE809235-CABF-1849-B63C-0B8953EFBBB3}"/>
+              </a:ext>
+            </a:extLst>
+          </p:cNvPr>
+          <p:cNvSpPr/>
+          <p:nvPr/>
+        </p:nvSpPr>
+        <p:spPr>
+          <a:xfrm>
+            <a:off x="1267097" y="1237846"/>
+            <a:ext cx="6609806" cy="369332"/>
+          </a:xfrm>
+          <a:prstGeom prst="rect">
+            <a:avLst/>
+          </a:prstGeom>
+        </p:spPr>
+        <p:txBody>
+          <a:bodyPr wrap="square">
+            <a:spAutoFit/>
+          </a:bodyPr>
+          <a:lstStyle/>
+          <a:p>
+            <a:pPr defTabSz="457200"/>
+            <a:r>
+              <a:rPr lang="en-US" dirty="0" err="1">
+                <a:solidFill>
+                  <a:prstClr val="black"/>
+                </a:solidFill>
+                <a:highlight>
+                  <a:srgbClr val="C0C0C0"/>
+                </a:highlight>
+                <a:latin typeface="Consolas" panose="020B0609020204030204" pitchFamily="49" charset="0"/>
+                <a:ea typeface="Arial Unicode MS" panose="020B0604020202020204" pitchFamily="34" charset="-128"/>
+                <a:cs typeface="Consolas" panose="020B0609020204030204" pitchFamily="49" charset="0"/>
+              </a:rPr>
+              <a:t>allDocs</a:t>
+            </a:r>
+            <a:r>
+              <a:rPr lang="en-US" dirty="0">
+                <a:solidFill>
+                  <a:prstClr val="black"/>
+                </a:solidFill>
+                <a:highlight>
+                  <a:srgbClr val="C0C0C0"/>
+                </a:highlight>
+                <a:latin typeface="Consolas" panose="020B0609020204030204" pitchFamily="49" charset="0"/>
+                <a:ea typeface="Arial Unicode MS" panose="020B0604020202020204" pitchFamily="34" charset="-128"/>
+                <a:cs typeface="Consolas" panose="020B0609020204030204" pitchFamily="49" charset="0"/>
+              </a:rPr>
+              <a:t> &lt;- </a:t>
+            </a:r>
+            <a:r>
+              <a:rPr lang="en-US" dirty="0" err="1">
+                <a:solidFill>
+                  <a:prstClr val="black"/>
+                </a:solidFill>
+                <a:highlight>
+                  <a:srgbClr val="C0C0C0"/>
+                </a:highlight>
+                <a:latin typeface="Consolas" panose="020B0609020204030204" pitchFamily="49" charset="0"/>
+                <a:ea typeface="Arial Unicode MS" panose="020B0604020202020204" pitchFamily="34" charset="-128"/>
+                <a:cs typeface="Consolas" panose="020B0609020204030204" pitchFamily="49" charset="0"/>
+              </a:rPr>
+              <a:t>pblapply</a:t>
+            </a:r>
+            <a:r>
+              <a:rPr lang="en-US" dirty="0">
+                <a:solidFill>
+                  <a:prstClr val="black"/>
+                </a:solidFill>
+                <a:highlight>
+                  <a:srgbClr val="C0C0C0"/>
+                </a:highlight>
+                <a:latin typeface="Consolas" panose="020B0609020204030204" pitchFamily="49" charset="0"/>
+                <a:ea typeface="Arial Unicode MS" panose="020B0604020202020204" pitchFamily="34" charset="-128"/>
+                <a:cs typeface="Consolas" panose="020B0609020204030204" pitchFamily="49" charset="0"/>
+              </a:rPr>
+              <a:t>(</a:t>
+            </a:r>
+            <a:r>
+              <a:rPr lang="en-US" dirty="0" err="1">
+                <a:solidFill>
+                  <a:prstClr val="black"/>
+                </a:solidFill>
+                <a:highlight>
+                  <a:srgbClr val="C0C0C0"/>
+                </a:highlight>
+                <a:latin typeface="Consolas" panose="020B0609020204030204" pitchFamily="49" charset="0"/>
+                <a:ea typeface="Arial Unicode MS" panose="020B0604020202020204" pitchFamily="34" charset="-128"/>
+                <a:cs typeface="Consolas" panose="020B0609020204030204" pitchFamily="49" charset="0"/>
+              </a:rPr>
+              <a:t>txtFiles,read.csv</a:t>
+            </a:r>
+            <a:r>
+              <a:rPr lang="en-US" dirty="0">
+                <a:solidFill>
+                  <a:prstClr val="black"/>
+                </a:solidFill>
+                <a:highlight>
+                  <a:srgbClr val="C0C0C0"/>
+                </a:highlight>
+                <a:latin typeface="Consolas" panose="020B0609020204030204" pitchFamily="49" charset="0"/>
+                <a:ea typeface="Arial Unicode MS" panose="020B0604020202020204" pitchFamily="34" charset="-128"/>
+                <a:cs typeface="Consolas" panose="020B0609020204030204" pitchFamily="49" charset="0"/>
+              </a:rPr>
+              <a:t>)</a:t>
+            </a:r>
+          </a:p>
+        </p:txBody>
+      </p:sp>
+      <p:sp>
+        <p:nvSpPr>
+          <p:cNvPr id="8" name="Rectangle 7">
+            <a:extLst>
+              <a:ext uri="{FF2B5EF4-FFF2-40B4-BE49-F238E27FC236}">
+                <a16:creationId xmlns:a16="http://schemas.microsoft.com/office/drawing/2014/main" id="{1E8CE02C-9EF2-7A41-91F6-ECB96C932A69}"/>
+              </a:ext>
+            </a:extLst>
+          </p:cNvPr>
+          <p:cNvSpPr/>
+          <p:nvPr/>
+        </p:nvSpPr>
+        <p:spPr>
+          <a:xfrm>
+            <a:off x="1657350" y="2168434"/>
+            <a:ext cx="1301387" cy="457200"/>
+          </a:xfrm>
+          <a:prstGeom prst="rect">
+            <a:avLst/>
+          </a:prstGeom>
+        </p:spPr>
+        <p:style>
+          <a:lnRef idx="2">
+            <a:schemeClr val="accent1">
+              <a:shade val="50000"/>
+            </a:schemeClr>
+          </a:lnRef>
+          <a:fillRef idx="1">
+            <a:schemeClr val="accent1"/>
+          </a:fillRef>
+          <a:effectRef idx="0">
+            <a:schemeClr val="accent1"/>
+          </a:effectRef>
+          <a:fontRef idx="minor">
+            <a:schemeClr val="lt1"/>
+          </a:fontRef>
+        </p:style>
+        <p:txBody>
+          <a:bodyPr rtlCol="0" anchor="ctr"/>
+          <a:lstStyle/>
+          <a:p>
+            <a:pPr algn="ctr"/>
+            <a:r>
+              <a:rPr lang="en-US" dirty="0" err="1">
+                <a:latin typeface="Consolas" panose="020B0609020204030204" pitchFamily="49" charset="0"/>
+                <a:cs typeface="Consolas" panose="020B0609020204030204" pitchFamily="49" charset="0"/>
+              </a:rPr>
+              <a:t>allDocs</a:t>
+            </a:r>
+            <a:endParaRPr lang="en-US" dirty="0">
+              <a:latin typeface="Consolas" panose="020B0609020204030204" pitchFamily="49" charset="0"/>
+              <a:cs typeface="Consolas" panose="020B0609020204030204" pitchFamily="49" charset="0"/>
+            </a:endParaRPr>
+          </a:p>
+        </p:txBody>
+      </p:sp>
+      <p:sp>
+        <p:nvSpPr>
+          <p:cNvPr id="9" name="Rectangle 8">
+            <a:extLst>
+              <a:ext uri="{FF2B5EF4-FFF2-40B4-BE49-F238E27FC236}">
+                <a16:creationId xmlns:a16="http://schemas.microsoft.com/office/drawing/2014/main" id="{CCF91108-5F35-6149-B199-41DDFFCF47B5}"/>
+              </a:ext>
+            </a:extLst>
+          </p:cNvPr>
+          <p:cNvSpPr/>
+          <p:nvPr/>
+        </p:nvSpPr>
+        <p:spPr>
+          <a:xfrm>
+            <a:off x="2958737" y="3015336"/>
+            <a:ext cx="2266406" cy="457200"/>
+          </a:xfrm>
+          <a:prstGeom prst="rect">
+            <a:avLst/>
+          </a:prstGeom>
+        </p:spPr>
+        <p:style>
+          <a:lnRef idx="2">
+            <a:schemeClr val="accent1">
+              <a:shade val="50000"/>
+            </a:schemeClr>
+          </a:lnRef>
+          <a:fillRef idx="1">
+            <a:schemeClr val="accent1"/>
+          </a:fillRef>
+          <a:effectRef idx="0">
+            <a:schemeClr val="accent1"/>
+          </a:effectRef>
+          <a:fontRef idx="minor">
+            <a:schemeClr val="lt1"/>
+          </a:fontRef>
+        </p:style>
+        <p:txBody>
+          <a:bodyPr rtlCol="0" anchor="ctr"/>
+          <a:lstStyle/>
+          <a:p>
+            <a:pPr algn="ctr"/>
+            <a:r>
+              <a:rPr lang="en-US" dirty="0" err="1">
+                <a:latin typeface="Consolas" panose="020B0609020204030204" pitchFamily="49" charset="0"/>
+                <a:cs typeface="Consolas" panose="020B0609020204030204" pitchFamily="49" charset="0"/>
+              </a:rPr>
+              <a:t>chardonnay.csv</a:t>
+            </a:r>
+            <a:endParaRPr lang="en-US" dirty="0">
+              <a:latin typeface="Consolas" panose="020B0609020204030204" pitchFamily="49" charset="0"/>
+              <a:cs typeface="Consolas" panose="020B0609020204030204" pitchFamily="49" charset="0"/>
+            </a:endParaRPr>
+          </a:p>
+        </p:txBody>
+      </p:sp>
+      <p:sp>
+        <p:nvSpPr>
+          <p:cNvPr id="10" name="Rectangle 9">
+            <a:extLst>
+              <a:ext uri="{FF2B5EF4-FFF2-40B4-BE49-F238E27FC236}">
+                <a16:creationId xmlns:a16="http://schemas.microsoft.com/office/drawing/2014/main" id="{338F636B-5BD3-CE41-BEB4-F10FC5907974}"/>
+              </a:ext>
+            </a:extLst>
+          </p:cNvPr>
+          <p:cNvSpPr/>
+          <p:nvPr/>
+        </p:nvSpPr>
+        <p:spPr>
+          <a:xfrm>
+            <a:off x="2958736" y="4373430"/>
+            <a:ext cx="2266406" cy="457200"/>
+          </a:xfrm>
+          <a:prstGeom prst="rect">
+            <a:avLst/>
+          </a:prstGeom>
+          <a:solidFill>
+            <a:schemeClr val="accent2"/>
+          </a:solidFill>
+        </p:spPr>
+        <p:style>
+          <a:lnRef idx="2">
+            <a:schemeClr val="accent1">
+              <a:shade val="50000"/>
+            </a:schemeClr>
+          </a:lnRef>
+          <a:fillRef idx="1">
+            <a:schemeClr val="accent1"/>
+          </a:fillRef>
+          <a:effectRef idx="0">
+            <a:schemeClr val="accent1"/>
+          </a:effectRef>
+          <a:fontRef idx="minor">
+            <a:schemeClr val="lt1"/>
+          </a:fontRef>
+        </p:style>
+        <p:txBody>
+          <a:bodyPr rtlCol="0" anchor="ctr"/>
+          <a:lstStyle/>
+          <a:p>
+            <a:pPr algn="ctr"/>
+            <a:r>
+              <a:rPr lang="en-US" dirty="0" err="1">
+                <a:solidFill>
+                  <a:schemeClr val="bg2"/>
+                </a:solidFill>
+                <a:latin typeface="Consolas" panose="020B0609020204030204" pitchFamily="49" charset="0"/>
+                <a:cs typeface="Consolas" panose="020B0609020204030204" pitchFamily="49" charset="0"/>
+              </a:rPr>
+              <a:t>coffee.csv</a:t>
+            </a:r>
+            <a:endParaRPr lang="en-US" dirty="0">
+              <a:solidFill>
+                <a:schemeClr val="bg2"/>
+              </a:solidFill>
+              <a:latin typeface="Consolas" panose="020B0609020204030204" pitchFamily="49" charset="0"/>
+              <a:cs typeface="Consolas" panose="020B0609020204030204" pitchFamily="49" charset="0"/>
+            </a:endParaRPr>
+          </a:p>
+        </p:txBody>
+      </p:sp>
+      <p:sp>
+        <p:nvSpPr>
+          <p:cNvPr id="11" name="Rectangle 10">
+            <a:extLst>
+              <a:ext uri="{FF2B5EF4-FFF2-40B4-BE49-F238E27FC236}">
+                <a16:creationId xmlns:a16="http://schemas.microsoft.com/office/drawing/2014/main" id="{458B3860-AB70-094D-BE66-583D750EE2E1}"/>
+              </a:ext>
+            </a:extLst>
+          </p:cNvPr>
+          <p:cNvSpPr/>
+          <p:nvPr/>
+        </p:nvSpPr>
+        <p:spPr>
+          <a:xfrm>
+            <a:off x="2958736" y="5528178"/>
+            <a:ext cx="2266406" cy="457200"/>
+          </a:xfrm>
+          <a:prstGeom prst="rect">
+            <a:avLst/>
+          </a:prstGeom>
+          <a:solidFill>
+            <a:schemeClr val="accent2"/>
+          </a:solidFill>
+        </p:spPr>
+        <p:style>
+          <a:lnRef idx="2">
+            <a:schemeClr val="accent1">
+              <a:shade val="50000"/>
+            </a:schemeClr>
+          </a:lnRef>
+          <a:fillRef idx="1">
+            <a:schemeClr val="accent1"/>
+          </a:fillRef>
+          <a:effectRef idx="0">
+            <a:schemeClr val="accent1"/>
+          </a:effectRef>
+          <a:fontRef idx="minor">
+            <a:schemeClr val="lt1"/>
+          </a:fontRef>
+        </p:style>
+        <p:txBody>
+          <a:bodyPr rtlCol="0" anchor="ctr"/>
+          <a:lstStyle/>
+          <a:p>
+            <a:pPr algn="ctr"/>
+            <a:r>
+              <a:rPr lang="en-US" dirty="0" err="1">
+                <a:solidFill>
+                  <a:schemeClr val="bg2"/>
+                </a:solidFill>
+                <a:latin typeface="Consolas" panose="020B0609020204030204" pitchFamily="49" charset="0"/>
+                <a:cs typeface="Consolas" panose="020B0609020204030204" pitchFamily="49" charset="0"/>
+              </a:rPr>
+              <a:t>beer.csv</a:t>
+            </a:r>
+            <a:endParaRPr lang="en-US" dirty="0">
+              <a:solidFill>
+                <a:schemeClr val="bg2"/>
+              </a:solidFill>
+              <a:latin typeface="Consolas" panose="020B0609020204030204" pitchFamily="49" charset="0"/>
+              <a:cs typeface="Consolas" panose="020B0609020204030204" pitchFamily="49" charset="0"/>
+            </a:endParaRPr>
+          </a:p>
+        </p:txBody>
+      </p:sp>
+      <p:cxnSp>
+        <p:nvCxnSpPr>
+          <p:cNvPr id="13" name="Elbow Connector 12">
+            <a:extLst>
+              <a:ext uri="{FF2B5EF4-FFF2-40B4-BE49-F238E27FC236}">
+                <a16:creationId xmlns:a16="http://schemas.microsoft.com/office/drawing/2014/main" id="{1F63A65B-ED2E-8F4E-AC5D-852FF21F2EF4}"/>
+              </a:ext>
+            </a:extLst>
+          </p:cNvPr>
+          <p:cNvCxnSpPr>
+            <a:stCxn id="8" idx="2"/>
+            <a:endCxn id="9" idx="1"/>
+          </p:cNvCxnSpPr>
+          <p:nvPr/>
+        </p:nvCxnSpPr>
+        <p:spPr>
+          <a:xfrm rot="16200000" flipH="1">
+            <a:off x="2324239" y="2609438"/>
+            <a:ext cx="618302" cy="650693"/>
+          </a:xfrm>
+          <a:prstGeom prst="bentConnector2">
+            <a:avLst/>
+          </a:prstGeom>
+          <a:ln>
+            <a:tailEnd type="triangle"/>
+          </a:ln>
+        </p:spPr>
+        <p:style>
+          <a:lnRef idx="1">
+            <a:schemeClr val="accent1"/>
+          </a:lnRef>
+          <a:fillRef idx="0">
+            <a:schemeClr val="accent1"/>
+          </a:fillRef>
+          <a:effectRef idx="0">
+            <a:schemeClr val="accent1"/>
+          </a:effectRef>
+          <a:fontRef idx="minor">
+            <a:schemeClr val="tx1"/>
+          </a:fontRef>
+        </p:style>
+      </p:cxnSp>
+      <p:cxnSp>
+        <p:nvCxnSpPr>
+          <p:cNvPr id="14" name="Elbow Connector 13">
+            <a:extLst>
+              <a:ext uri="{FF2B5EF4-FFF2-40B4-BE49-F238E27FC236}">
+                <a16:creationId xmlns:a16="http://schemas.microsoft.com/office/drawing/2014/main" id="{F1344C7D-C6C9-5248-9745-631A6B23598C}"/>
+              </a:ext>
+            </a:extLst>
+          </p:cNvPr>
+          <p:cNvCxnSpPr>
+            <a:cxnSpLocks/>
+            <a:stCxn id="8" idx="2"/>
+            <a:endCxn id="10" idx="1"/>
+          </p:cNvCxnSpPr>
+          <p:nvPr/>
+        </p:nvCxnSpPr>
+        <p:spPr>
+          <a:xfrm rot="16200000" flipH="1">
+            <a:off x="1645192" y="3288486"/>
+            <a:ext cx="1976396" cy="650692"/>
+          </a:xfrm>
+          <a:prstGeom prst="bentConnector2">
+            <a:avLst/>
+          </a:prstGeom>
+          <a:ln>
+            <a:tailEnd type="triangle"/>
+          </a:ln>
+        </p:spPr>
+        <p:style>
+          <a:lnRef idx="1">
+            <a:schemeClr val="accent1"/>
+          </a:lnRef>
+          <a:fillRef idx="0">
+            <a:schemeClr val="accent1"/>
+          </a:fillRef>
+          <a:effectRef idx="0">
+            <a:schemeClr val="accent1"/>
+          </a:effectRef>
+          <a:fontRef idx="minor">
+            <a:schemeClr val="tx1"/>
+          </a:fontRef>
+        </p:style>
+      </p:cxnSp>
+      <p:cxnSp>
+        <p:nvCxnSpPr>
+          <p:cNvPr id="17" name="Elbow Connector 16">
+            <a:extLst>
+              <a:ext uri="{FF2B5EF4-FFF2-40B4-BE49-F238E27FC236}">
+                <a16:creationId xmlns:a16="http://schemas.microsoft.com/office/drawing/2014/main" id="{A31675D0-B4B8-0747-93C3-2ACB1F94114A}"/>
+              </a:ext>
+            </a:extLst>
+          </p:cNvPr>
+          <p:cNvCxnSpPr>
+            <a:cxnSpLocks/>
+            <a:stCxn id="8" idx="2"/>
+            <a:endCxn id="11" idx="1"/>
+          </p:cNvCxnSpPr>
+          <p:nvPr/>
+        </p:nvCxnSpPr>
+        <p:spPr>
+          <a:xfrm rot="16200000" flipH="1">
+            <a:off x="1067818" y="3865860"/>
+            <a:ext cx="3131144" cy="650692"/>
+          </a:xfrm>
+          <a:prstGeom prst="bentConnector2">
+            <a:avLst/>
+          </a:prstGeom>
+          <a:ln>
+            <a:tailEnd type="triangle"/>
+          </a:ln>
+        </p:spPr>
+        <p:style>
+          <a:lnRef idx="1">
+            <a:schemeClr val="accent1"/>
+          </a:lnRef>
+          <a:fillRef idx="0">
+            <a:schemeClr val="accent1"/>
+          </a:fillRef>
+          <a:effectRef idx="0">
+            <a:schemeClr val="accent1"/>
+          </a:effectRef>
+          <a:fontRef idx="minor">
+            <a:schemeClr val="tx1"/>
+          </a:fontRef>
+        </p:style>
+      </p:cxnSp>
+      <p:sp>
+        <p:nvSpPr>
+          <p:cNvPr id="6" name="TextBox 5">
+            <a:extLst>
+              <a:ext uri="{FF2B5EF4-FFF2-40B4-BE49-F238E27FC236}">
+                <a16:creationId xmlns:a16="http://schemas.microsoft.com/office/drawing/2014/main" id="{C77D46BD-4023-8944-AA32-D5BF024FD7A6}"/>
+              </a:ext>
+            </a:extLst>
+          </p:cNvPr>
+          <p:cNvSpPr txBox="1"/>
+          <p:nvPr/>
+        </p:nvSpPr>
+        <p:spPr>
+          <a:xfrm>
+            <a:off x="550273" y="3044421"/>
+            <a:ext cx="1704313" cy="369332"/>
+          </a:xfrm>
+          <a:prstGeom prst="rect">
+            <a:avLst/>
+          </a:prstGeom>
+          <a:noFill/>
+        </p:spPr>
+        <p:txBody>
+          <a:bodyPr wrap="none" rtlCol="0">
+            <a:spAutoFit/>
+          </a:bodyPr>
+          <a:lstStyle/>
+          <a:p>
+            <a:r>
+              <a:rPr lang="en-US" dirty="0" err="1">
+                <a:latin typeface="Consolas" panose="020B0609020204030204" pitchFamily="49" charset="0"/>
+                <a:cs typeface="Consolas" panose="020B0609020204030204" pitchFamily="49" charset="0"/>
+              </a:rPr>
+              <a:t>allDocs</a:t>
+            </a:r>
+            <a:r>
+              <a:rPr lang="en-US" dirty="0">
+                <a:latin typeface="Consolas" panose="020B0609020204030204" pitchFamily="49" charset="0"/>
+                <a:cs typeface="Consolas" panose="020B0609020204030204" pitchFamily="49" charset="0"/>
+              </a:rPr>
+              <a:t>[[1]]</a:t>
+            </a:r>
+          </a:p>
+        </p:txBody>
+      </p:sp>
+      <p:sp>
+        <p:nvSpPr>
+          <p:cNvPr id="15" name="TextBox 14">
+            <a:extLst>
+              <a:ext uri="{FF2B5EF4-FFF2-40B4-BE49-F238E27FC236}">
+                <a16:creationId xmlns:a16="http://schemas.microsoft.com/office/drawing/2014/main" id="{9596800C-750D-8F4D-B27B-AE5E3BAA8600}"/>
+              </a:ext>
+            </a:extLst>
+          </p:cNvPr>
+          <p:cNvSpPr txBox="1"/>
+          <p:nvPr/>
+        </p:nvSpPr>
+        <p:spPr>
+          <a:xfrm>
+            <a:off x="577002" y="4387339"/>
+            <a:ext cx="1704313" cy="369332"/>
+          </a:xfrm>
+          <a:prstGeom prst="rect">
+            <a:avLst/>
+          </a:prstGeom>
+          <a:solidFill>
+            <a:schemeClr val="accent2"/>
+          </a:solidFill>
+        </p:spPr>
+        <p:txBody>
+          <a:bodyPr wrap="none" rtlCol="0">
+            <a:spAutoFit/>
+          </a:bodyPr>
+          <a:lstStyle/>
+          <a:p>
+            <a:r>
+              <a:rPr lang="en-US" dirty="0" err="1">
+                <a:solidFill>
+                  <a:schemeClr val="bg2"/>
+                </a:solidFill>
+                <a:latin typeface="Consolas" panose="020B0609020204030204" pitchFamily="49" charset="0"/>
+                <a:cs typeface="Consolas" panose="020B0609020204030204" pitchFamily="49" charset="0"/>
+              </a:rPr>
+              <a:t>allDocs</a:t>
+            </a:r>
+            <a:r>
+              <a:rPr lang="en-US" dirty="0">
+                <a:solidFill>
+                  <a:schemeClr val="bg2"/>
+                </a:solidFill>
+                <a:latin typeface="Consolas" panose="020B0609020204030204" pitchFamily="49" charset="0"/>
+                <a:cs typeface="Consolas" panose="020B0609020204030204" pitchFamily="49" charset="0"/>
+              </a:rPr>
+              <a:t>[[2]]</a:t>
+            </a:r>
+          </a:p>
+        </p:txBody>
+      </p:sp>
+      <p:sp>
+        <p:nvSpPr>
+          <p:cNvPr id="16" name="TextBox 15">
+            <a:extLst>
+              <a:ext uri="{FF2B5EF4-FFF2-40B4-BE49-F238E27FC236}">
+                <a16:creationId xmlns:a16="http://schemas.microsoft.com/office/drawing/2014/main" id="{604FF152-40C4-2346-9C0E-082D185B34CF}"/>
+              </a:ext>
+            </a:extLst>
+          </p:cNvPr>
+          <p:cNvSpPr txBox="1"/>
+          <p:nvPr/>
+        </p:nvSpPr>
+        <p:spPr>
+          <a:xfrm>
+            <a:off x="550272" y="5572112"/>
+            <a:ext cx="1704313" cy="369332"/>
+          </a:xfrm>
+          <a:prstGeom prst="rect">
+            <a:avLst/>
+          </a:prstGeom>
+          <a:solidFill>
+            <a:schemeClr val="accent2"/>
+          </a:solidFill>
+        </p:spPr>
+        <p:txBody>
+          <a:bodyPr wrap="none" rtlCol="0">
+            <a:spAutoFit/>
+          </a:bodyPr>
+          <a:lstStyle/>
+          <a:p>
+            <a:r>
+              <a:rPr lang="en-US" dirty="0" err="1">
+                <a:solidFill>
+                  <a:schemeClr val="bg2"/>
+                </a:solidFill>
+                <a:latin typeface="Consolas" panose="020B0609020204030204" pitchFamily="49" charset="0"/>
+                <a:cs typeface="Consolas" panose="020B0609020204030204" pitchFamily="49" charset="0"/>
+              </a:rPr>
+              <a:t>allDocs</a:t>
+            </a:r>
+            <a:r>
+              <a:rPr lang="en-US" dirty="0">
+                <a:solidFill>
+                  <a:schemeClr val="bg2"/>
+                </a:solidFill>
+                <a:latin typeface="Consolas" panose="020B0609020204030204" pitchFamily="49" charset="0"/>
+                <a:cs typeface="Consolas" panose="020B0609020204030204" pitchFamily="49" charset="0"/>
+              </a:rPr>
+              <a:t>[[3]]</a:t>
+            </a:r>
+          </a:p>
+        </p:txBody>
+      </p:sp>
+      <p:sp>
+        <p:nvSpPr>
+          <p:cNvPr id="18" name="TextBox 17">
+            <a:extLst>
+              <a:ext uri="{FF2B5EF4-FFF2-40B4-BE49-F238E27FC236}">
+                <a16:creationId xmlns:a16="http://schemas.microsoft.com/office/drawing/2014/main" id="{608F3254-A28B-224A-9750-6A490F7F3318}"/>
+              </a:ext>
+            </a:extLst>
+          </p:cNvPr>
+          <p:cNvSpPr txBox="1"/>
+          <p:nvPr/>
+        </p:nvSpPr>
+        <p:spPr>
+          <a:xfrm>
+            <a:off x="5333108" y="3013680"/>
+            <a:ext cx="2337499" cy="369332"/>
+          </a:xfrm>
+          <a:prstGeom prst="rect">
+            <a:avLst/>
+          </a:prstGeom>
+          <a:noFill/>
+        </p:spPr>
+        <p:txBody>
+          <a:bodyPr wrap="none" rtlCol="0">
+            <a:spAutoFit/>
+          </a:bodyPr>
+          <a:lstStyle/>
+          <a:p>
+            <a:r>
+              <a:rPr lang="en-US" dirty="0" err="1">
+                <a:latin typeface="Consolas" panose="020B0609020204030204" pitchFamily="49" charset="0"/>
+                <a:cs typeface="Consolas" panose="020B0609020204030204" pitchFamily="49" charset="0"/>
+              </a:rPr>
+              <a:t>allDocs</a:t>
+            </a:r>
+            <a:r>
+              <a:rPr lang="en-US" dirty="0">
+                <a:latin typeface="Consolas" panose="020B0609020204030204" pitchFamily="49" charset="0"/>
+                <a:cs typeface="Consolas" panose="020B0609020204030204" pitchFamily="49" charset="0"/>
+              </a:rPr>
+              <a:t>[[1]]$text</a:t>
+            </a:r>
+          </a:p>
+        </p:txBody>
+      </p:sp>
+      <p:sp>
+        <p:nvSpPr>
+          <p:cNvPr id="19" name="TextBox 18">
+            <a:extLst>
+              <a:ext uri="{FF2B5EF4-FFF2-40B4-BE49-F238E27FC236}">
+                <a16:creationId xmlns:a16="http://schemas.microsoft.com/office/drawing/2014/main" id="{02E76BB5-CCCF-0947-9B56-1017B4C7C5BA}"/>
+              </a:ext>
+            </a:extLst>
+          </p:cNvPr>
+          <p:cNvSpPr txBox="1"/>
+          <p:nvPr/>
+        </p:nvSpPr>
+        <p:spPr>
+          <a:xfrm>
+            <a:off x="5333108" y="3345530"/>
+            <a:ext cx="2590774" cy="369332"/>
+          </a:xfrm>
+          <a:prstGeom prst="rect">
+            <a:avLst/>
+          </a:prstGeom>
+          <a:noFill/>
+        </p:spPr>
+        <p:txBody>
+          <a:bodyPr wrap="none" rtlCol="0">
+            <a:spAutoFit/>
+          </a:bodyPr>
+          <a:lstStyle/>
+          <a:p>
+            <a:r>
+              <a:rPr lang="en-US" dirty="0" err="1">
+                <a:latin typeface="Consolas" panose="020B0609020204030204" pitchFamily="49" charset="0"/>
+                <a:cs typeface="Consolas" panose="020B0609020204030204" pitchFamily="49" charset="0"/>
+              </a:rPr>
+              <a:t>allDocs</a:t>
+            </a:r>
+            <a:r>
+              <a:rPr lang="en-US" dirty="0">
+                <a:latin typeface="Consolas" panose="020B0609020204030204" pitchFamily="49" charset="0"/>
+                <a:cs typeface="Consolas" panose="020B0609020204030204" pitchFamily="49" charset="0"/>
+              </a:rPr>
+              <a:t>[[1]]$</a:t>
+            </a:r>
+            <a:r>
+              <a:rPr lang="en-US" dirty="0" err="1">
+                <a:latin typeface="Consolas" panose="020B0609020204030204" pitchFamily="49" charset="0"/>
+                <a:cs typeface="Consolas" panose="020B0609020204030204" pitchFamily="49" charset="0"/>
+              </a:rPr>
+              <a:t>doc_id</a:t>
+            </a:r>
+            <a:endParaRPr lang="en-US" dirty="0">
+              <a:latin typeface="Consolas" panose="020B0609020204030204" pitchFamily="49" charset="0"/>
+              <a:cs typeface="Consolas" panose="020B0609020204030204" pitchFamily="49" charset="0"/>
+            </a:endParaRPr>
+          </a:p>
+        </p:txBody>
+      </p:sp>
+      <p:sp>
+        <p:nvSpPr>
+          <p:cNvPr id="20" name="TextBox 19">
+            <a:extLst>
+              <a:ext uri="{FF2B5EF4-FFF2-40B4-BE49-F238E27FC236}">
+                <a16:creationId xmlns:a16="http://schemas.microsoft.com/office/drawing/2014/main" id="{5376E67F-B346-A447-9F7E-A0728BA2B05C}"/>
+              </a:ext>
+            </a:extLst>
+          </p:cNvPr>
+          <p:cNvSpPr txBox="1"/>
+          <p:nvPr/>
+        </p:nvSpPr>
+        <p:spPr>
+          <a:xfrm>
+            <a:off x="5333108" y="3716503"/>
+            <a:ext cx="2210862" cy="369332"/>
+          </a:xfrm>
+          <a:prstGeom prst="rect">
+            <a:avLst/>
+          </a:prstGeom>
+          <a:noFill/>
+        </p:spPr>
+        <p:txBody>
+          <a:bodyPr wrap="none" rtlCol="0">
+            <a:spAutoFit/>
+          </a:bodyPr>
+          <a:lstStyle/>
+          <a:p>
+            <a:r>
+              <a:rPr lang="en-US" dirty="0" err="1">
+                <a:latin typeface="Consolas" panose="020B0609020204030204" pitchFamily="49" charset="0"/>
+                <a:cs typeface="Consolas" panose="020B0609020204030204" pitchFamily="49" charset="0"/>
+              </a:rPr>
+              <a:t>allDocs</a:t>
+            </a:r>
+            <a:r>
+              <a:rPr lang="en-US" dirty="0">
+                <a:latin typeface="Consolas" panose="020B0609020204030204" pitchFamily="49" charset="0"/>
+                <a:cs typeface="Consolas" panose="020B0609020204030204" pitchFamily="49" charset="0"/>
+              </a:rPr>
+              <a:t>[[1]][,2]</a:t>
+            </a:r>
+          </a:p>
+        </p:txBody>
+      </p:sp>
+    </p:spTree>
+    <p:extLst>
+      <p:ext uri="{BB962C8B-B14F-4D97-AF65-F5344CB8AC3E}">
+        <p14:creationId xmlns:p14="http://schemas.microsoft.com/office/powerpoint/2010/main" val="4052378079"/>
+      </p:ext>
+    </p:extLst>
+  </p:cSld>
+  <p:clrMapOvr>
+    <a:masterClrMapping/>
+  </p:clrMapOvr>
+</p:sld>
+</file>
+
+<file path=ppt/slides/slide21.xml><?xml version="1.0" encoding="utf-8"?>
+<p:sld xmlns:a="http://schemas.openxmlformats.org/drawingml/2006/main" xmlns:r="http://schemas.openxmlformats.org/officeDocument/2006/relationships" xmlns:p="http://schemas.openxmlformats.org/presentationml/2006/main">
+  <p:cSld>
+    <p:spTree>
+      <p:nvGrpSpPr>
+        <p:cNvPr id="1" name=""/>
+        <p:cNvGrpSpPr/>
+        <p:nvPr/>
+      </p:nvGrpSpPr>
+      <p:grpSpPr>
+        <a:xfrm>
+          <a:off x="0" y="0"/>
+          <a:ext cx="0" cy="0"/>
+          <a:chOff x="0" y="0"/>
+          <a:chExt cx="0" cy="0"/>
+        </a:xfrm>
+      </p:grpSpPr>
+      <p:sp>
+        <p:nvSpPr>
+          <p:cNvPr id="2" name="Date Placeholder 1"/>
+          <p:cNvSpPr>
+            <a:spLocks noGrp="1"/>
+          </p:cNvSpPr>
+          <p:nvPr>
+            <p:ph type="dt" sz="half" idx="10"/>
+          </p:nvPr>
+        </p:nvSpPr>
+        <p:spPr/>
+        <p:txBody>
+          <a:bodyPr/>
+          <a:lstStyle/>
+          <a:p>
+            <a:fld id="{6700A58B-DD98-43D0-B791-721480A02982}" type="datetime1">
+              <a:rPr lang="en-US" smtClean="0"/>
+              <a:pPr/>
+              <a:t>1/13/21</a:t>
+            </a:fld>
+            <a:endParaRPr lang="en-US"/>
+          </a:p>
+        </p:txBody>
+      </p:sp>
+      <p:sp>
+        <p:nvSpPr>
+          <p:cNvPr id="3" name="Title 2"/>
+          <p:cNvSpPr>
+            <a:spLocks noGrp="1"/>
+          </p:cNvSpPr>
+          <p:nvPr>
+            <p:ph type="title"/>
+          </p:nvPr>
+        </p:nvSpPr>
+        <p:spPr/>
+        <p:txBody>
+          <a:bodyPr/>
+          <a:lstStyle/>
+          <a:p>
+            <a:r>
+              <a:rPr lang="en-US"/>
+              <a:t>Manipulating multiple corpora</a:t>
+            </a:r>
+            <a:endParaRPr lang="en-US" dirty="0"/>
+          </a:p>
+        </p:txBody>
+      </p:sp>
+      <p:sp>
+        <p:nvSpPr>
+          <p:cNvPr id="5" name="Footer Placeholder 4"/>
+          <p:cNvSpPr>
+            <a:spLocks noGrp="1"/>
+          </p:cNvSpPr>
+          <p:nvPr>
+            <p:ph type="ftr" sz="quarter" idx="3"/>
+          </p:nvPr>
+        </p:nvSpPr>
+        <p:spPr/>
+        <p:txBody>
+          <a:bodyPr/>
+          <a:lstStyle/>
+          <a:p>
+            <a:r>
+              <a:rPr lang="en-US"/>
+              <a:t>Kwartler</a:t>
+            </a:r>
+            <a:endParaRPr lang="en-US" dirty="0"/>
+          </a:p>
+        </p:txBody>
+      </p:sp>
+      <p:sp>
+        <p:nvSpPr>
+          <p:cNvPr id="4" name="Slide Number Placeholder 3"/>
+          <p:cNvSpPr>
+            <a:spLocks noGrp="1"/>
+          </p:cNvSpPr>
+          <p:nvPr>
+            <p:ph type="sldNum" sz="quarter" idx="4"/>
+          </p:nvPr>
+        </p:nvSpPr>
+        <p:spPr/>
+        <p:txBody>
+          <a:bodyPr/>
+          <a:lstStyle/>
+          <a:p>
+            <a:fld id="{37290FF7-652B-4475-AEAB-8B1A5D23AE09}" type="slidenum">
+              <a:rPr lang="en-US" smtClean="0"/>
+              <a:pPr/>
+              <a:t>21</a:t>
             </a:fld>
             <a:endParaRPr lang="en-US"/>
           </a:p>
@@ -9618,6 +14071,55 @@
           </p:txBody>
         </p:sp>
       </p:grpSp>
+      <p:sp>
+        <p:nvSpPr>
+          <p:cNvPr id="18" name="Rectangle 17">
+            <a:extLst>
+              <a:ext uri="{FF2B5EF4-FFF2-40B4-BE49-F238E27FC236}">
+                <a16:creationId xmlns:a16="http://schemas.microsoft.com/office/drawing/2014/main" id="{A8CE1D7E-F7B7-1346-856F-966F0B0F0274}"/>
+              </a:ext>
+            </a:extLst>
+          </p:cNvPr>
+          <p:cNvSpPr/>
+          <p:nvPr/>
+        </p:nvSpPr>
+        <p:spPr>
+          <a:xfrm>
+            <a:off x="288146" y="5493211"/>
+            <a:ext cx="8398654" cy="646332"/>
+          </a:xfrm>
+          <a:prstGeom prst="rect">
+            <a:avLst/>
+          </a:prstGeom>
+        </p:spPr>
+        <p:style>
+          <a:lnRef idx="2">
+            <a:schemeClr val="accent1">
+              <a:shade val="50000"/>
+            </a:schemeClr>
+          </a:lnRef>
+          <a:fillRef idx="1">
+            <a:schemeClr val="accent1"/>
+          </a:fillRef>
+          <a:effectRef idx="0">
+            <a:schemeClr val="accent1"/>
+          </a:effectRef>
+          <a:fontRef idx="minor">
+            <a:schemeClr val="lt1"/>
+          </a:fontRef>
+        </p:style>
+        <p:txBody>
+          <a:bodyPr rtlCol="0" anchor="ctr"/>
+          <a:lstStyle/>
+          <a:p>
+            <a:pPr algn="ctr"/>
+            <a:r>
+              <a:rPr lang="en-US" dirty="0"/>
+              <a:t>When you collapse, all the information for a subject is considered one document.</a:t>
+            </a:r>
+          </a:p>
+        </p:txBody>
+      </p:sp>
     </p:spTree>
     <p:extLst>
       <p:ext uri="{BB962C8B-B14F-4D97-AF65-F5344CB8AC3E}">
@@ -9631,7 +14133,7 @@
 </p:sld>
 </file>
 
-<file path=ppt/slides/slide18.xml><?xml version="1.0" encoding="utf-8"?>
+<file path=ppt/slides/slide22.xml><?xml version="1.0" encoding="utf-8"?>
 <p:sld xmlns:a="http://schemas.openxmlformats.org/drawingml/2006/main" xmlns:r="http://schemas.openxmlformats.org/officeDocument/2006/relationships" xmlns:p="http://schemas.openxmlformats.org/presentationml/2006/main">
   <p:cSld>
     <p:spTree>
@@ -9666,7 +14168,7 @@
             <a:fld id="{6700A58B-DD98-43D0-B791-721480A02982}" type="datetime1">
               <a:rPr lang="en-US" smtClean="0"/>
               <a:pPr/>
-              <a:t>12/30/20</a:t>
+              <a:t>1/13/21</a:t>
             </a:fld>
             <a:endParaRPr lang="en-US"/>
           </a:p>
@@ -9689,7 +14191,7 @@
           <a:p>
             <a:r>
               <a:rPr lang="en-US"/>
-              <a:t>The new WC will examine inner and disjoins</a:t>
+              <a:t>Manipulating multiple corpora</a:t>
             </a:r>
             <a:endParaRPr lang="en-US" dirty="0"/>
           </a:p>
@@ -9736,7 +14238,1203 @@
             <a:fld id="{37290FF7-652B-4475-AEAB-8B1A5D23AE09}" type="slidenum">
               <a:rPr lang="en-US" smtClean="0"/>
               <a:pPr/>
-              <a:t>18</a:t>
+              <a:t>22</a:t>
+            </a:fld>
+            <a:endParaRPr lang="en-US"/>
+          </a:p>
+        </p:txBody>
+      </p:sp>
+      <p:pic>
+        <p:nvPicPr>
+          <p:cNvPr id="6" name="Picture 2" descr="Image result for document icon"/>
+          <p:cNvPicPr>
+            <a:picLocks noChangeAspect="1" noChangeArrowheads="1"/>
+          </p:cNvPicPr>
+          <p:nvPr/>
+        </p:nvPicPr>
+        <p:blipFill>
+          <a:blip r:embed="rId2" cstate="print">
+            <a:extLst>
+              <a:ext uri="{28A0092B-C50C-407E-A947-70E740481C1C}">
+                <a14:useLocalDpi xmlns:a14="http://schemas.microsoft.com/office/drawing/2010/main" val="0"/>
+              </a:ext>
+            </a:extLst>
+          </a:blip>
+          <a:srcRect/>
+          <a:stretch>
+            <a:fillRect/>
+          </a:stretch>
+        </p:blipFill>
+        <p:spPr bwMode="auto">
+          <a:xfrm>
+            <a:off x="7140761" y="1682660"/>
+            <a:ext cx="946096" cy="946096"/>
+          </a:xfrm>
+          <a:prstGeom prst="rect">
+            <a:avLst/>
+          </a:prstGeom>
+          <a:noFill/>
+          <a:extLst>
+            <a:ext uri="{909E8E84-426E-40DD-AFC4-6F175D3DCCD1}">
+              <a14:hiddenFill xmlns:a14="http://schemas.microsoft.com/office/drawing/2010/main">
+                <a:solidFill>
+                  <a:srgbClr val="FFFFFF"/>
+                </a:solidFill>
+              </a14:hiddenFill>
+            </a:ext>
+          </a:extLst>
+        </p:spPr>
+      </p:pic>
+      <p:sp>
+        <p:nvSpPr>
+          <p:cNvPr id="7" name="TextBox 6"/>
+          <p:cNvSpPr txBox="1"/>
+          <p:nvPr/>
+        </p:nvSpPr>
+        <p:spPr>
+          <a:xfrm>
+            <a:off x="6306208" y="961242"/>
+            <a:ext cx="2615203" cy="646331"/>
+          </a:xfrm>
+          <a:prstGeom prst="rect">
+            <a:avLst/>
+          </a:prstGeom>
+          <a:noFill/>
+        </p:spPr>
+        <p:txBody>
+          <a:bodyPr wrap="none" rtlCol="0">
+            <a:spAutoFit/>
+          </a:bodyPr>
+          <a:lstStyle/>
+          <a:p>
+            <a:pPr algn="ctr"/>
+            <a:r>
+              <a:rPr lang="en-US" b="1" u="sng" dirty="0"/>
+              <a:t>Combined/Collapsed </a:t>
+            </a:r>
+          </a:p>
+          <a:p>
+            <a:pPr algn="ctr"/>
+            <a:r>
+              <a:rPr lang="en-US" b="1" u="sng" dirty="0"/>
+              <a:t>into a 2 document corpus</a:t>
+            </a:r>
+          </a:p>
+        </p:txBody>
+      </p:sp>
+      <p:sp>
+        <p:nvSpPr>
+          <p:cNvPr id="8" name="TextBox 7"/>
+          <p:cNvSpPr txBox="1"/>
+          <p:nvPr/>
+        </p:nvSpPr>
+        <p:spPr>
+          <a:xfrm>
+            <a:off x="288146" y="1245022"/>
+            <a:ext cx="2729145" cy="369332"/>
+          </a:xfrm>
+          <a:prstGeom prst="rect">
+            <a:avLst/>
+          </a:prstGeom>
+          <a:noFill/>
+        </p:spPr>
+        <p:txBody>
+          <a:bodyPr wrap="none" rtlCol="0">
+            <a:spAutoFit/>
+          </a:bodyPr>
+          <a:lstStyle/>
+          <a:p>
+            <a:r>
+              <a:rPr lang="en-US" b="1" u="sng" dirty="0"/>
+              <a:t>chardonnay – 1000 Tweets</a:t>
+            </a:r>
+          </a:p>
+        </p:txBody>
+      </p:sp>
+      <p:grpSp>
+        <p:nvGrpSpPr>
+          <p:cNvPr id="9" name="Group 8"/>
+          <p:cNvGrpSpPr/>
+          <p:nvPr/>
+        </p:nvGrpSpPr>
+        <p:grpSpPr>
+          <a:xfrm>
+            <a:off x="-1" y="1599580"/>
+            <a:ext cx="3008243" cy="825575"/>
+            <a:chOff x="2393494" y="2948152"/>
+            <a:chExt cx="3008243" cy="825575"/>
+          </a:xfrm>
+        </p:grpSpPr>
+        <p:grpSp>
+          <p:nvGrpSpPr>
+            <p:cNvPr id="10" name="Group 9"/>
+            <p:cNvGrpSpPr/>
+            <p:nvPr/>
+          </p:nvGrpSpPr>
+          <p:grpSpPr>
+            <a:xfrm>
+              <a:off x="2511573" y="3074532"/>
+              <a:ext cx="2736003" cy="572814"/>
+              <a:chOff x="2538396" y="3039060"/>
+              <a:chExt cx="2736003" cy="572814"/>
+            </a:xfrm>
+          </p:grpSpPr>
+          <p:pic>
+            <p:nvPicPr>
+              <p:cNvPr id="12" name="Picture 2" descr="Image result for document icon"/>
+              <p:cNvPicPr>
+                <a:picLocks noChangeAspect="1" noChangeArrowheads="1"/>
+              </p:cNvPicPr>
+              <p:nvPr/>
+            </p:nvPicPr>
+            <p:blipFill>
+              <a:blip r:embed="rId2" cstate="print">
+                <a:extLst>
+                  <a:ext uri="{28A0092B-C50C-407E-A947-70E740481C1C}">
+                    <a14:useLocalDpi xmlns:a14="http://schemas.microsoft.com/office/drawing/2010/main" val="0"/>
+                  </a:ext>
+                </a:extLst>
+              </a:blip>
+              <a:srcRect/>
+              <a:stretch>
+                <a:fillRect/>
+              </a:stretch>
+            </p:blipFill>
+            <p:spPr bwMode="auto">
+              <a:xfrm>
+                <a:off x="3066941" y="3039060"/>
+                <a:ext cx="572814" cy="572814"/>
+              </a:xfrm>
+              <a:prstGeom prst="rect">
+                <a:avLst/>
+              </a:prstGeom>
+              <a:noFill/>
+              <a:extLst>
+                <a:ext uri="{909E8E84-426E-40DD-AFC4-6F175D3DCCD1}">
+                  <a14:hiddenFill xmlns:a14="http://schemas.microsoft.com/office/drawing/2010/main">
+                    <a:solidFill>
+                      <a:srgbClr val="FFFFFF"/>
+                    </a:solidFill>
+                  </a14:hiddenFill>
+                </a:ext>
+              </a:extLst>
+            </p:spPr>
+          </p:pic>
+          <p:pic>
+            <p:nvPicPr>
+              <p:cNvPr id="13" name="Picture 2" descr="Image result for document icon"/>
+              <p:cNvPicPr>
+                <a:picLocks noChangeAspect="1" noChangeArrowheads="1"/>
+              </p:cNvPicPr>
+              <p:nvPr/>
+            </p:nvPicPr>
+            <p:blipFill>
+              <a:blip r:embed="rId2" cstate="print">
+                <a:extLst>
+                  <a:ext uri="{28A0092B-C50C-407E-A947-70E740481C1C}">
+                    <a14:useLocalDpi xmlns:a14="http://schemas.microsoft.com/office/drawing/2010/main" val="0"/>
+                  </a:ext>
+                </a:extLst>
+              </a:blip>
+              <a:srcRect/>
+              <a:stretch>
+                <a:fillRect/>
+              </a:stretch>
+            </p:blipFill>
+            <p:spPr bwMode="auto">
+              <a:xfrm>
+                <a:off x="2538396" y="3039060"/>
+                <a:ext cx="572814" cy="572814"/>
+              </a:xfrm>
+              <a:prstGeom prst="rect">
+                <a:avLst/>
+              </a:prstGeom>
+              <a:noFill/>
+              <a:extLst>
+                <a:ext uri="{909E8E84-426E-40DD-AFC4-6F175D3DCCD1}">
+                  <a14:hiddenFill xmlns:a14="http://schemas.microsoft.com/office/drawing/2010/main">
+                    <a:solidFill>
+                      <a:srgbClr val="FFFFFF"/>
+                    </a:solidFill>
+                  </a14:hiddenFill>
+                </a:ext>
+              </a:extLst>
+            </p:spPr>
+          </p:pic>
+          <p:pic>
+            <p:nvPicPr>
+              <p:cNvPr id="14" name="Picture 2" descr="Image result for document icon"/>
+              <p:cNvPicPr>
+                <a:picLocks noChangeAspect="1" noChangeArrowheads="1"/>
+              </p:cNvPicPr>
+              <p:nvPr/>
+            </p:nvPicPr>
+            <p:blipFill>
+              <a:blip r:embed="rId2" cstate="print">
+                <a:extLst>
+                  <a:ext uri="{28A0092B-C50C-407E-A947-70E740481C1C}">
+                    <a14:useLocalDpi xmlns:a14="http://schemas.microsoft.com/office/drawing/2010/main" val="0"/>
+                  </a:ext>
+                </a:extLst>
+              </a:blip>
+              <a:srcRect/>
+              <a:stretch>
+                <a:fillRect/>
+              </a:stretch>
+            </p:blipFill>
+            <p:spPr bwMode="auto">
+              <a:xfrm>
+                <a:off x="4701585" y="3039060"/>
+                <a:ext cx="572814" cy="572814"/>
+              </a:xfrm>
+              <a:prstGeom prst="rect">
+                <a:avLst/>
+              </a:prstGeom>
+              <a:noFill/>
+              <a:extLst>
+                <a:ext uri="{909E8E84-426E-40DD-AFC4-6F175D3DCCD1}">
+                  <a14:hiddenFill xmlns:a14="http://schemas.microsoft.com/office/drawing/2010/main">
+                    <a:solidFill>
+                      <a:srgbClr val="FFFFFF"/>
+                    </a:solidFill>
+                  </a14:hiddenFill>
+                </a:ext>
+              </a:extLst>
+            </p:spPr>
+          </p:pic>
+          <p:pic>
+            <p:nvPicPr>
+              <p:cNvPr id="15" name="Picture 2" descr="Image result for document icon"/>
+              <p:cNvPicPr>
+                <a:picLocks noChangeAspect="1" noChangeArrowheads="1"/>
+              </p:cNvPicPr>
+              <p:nvPr/>
+            </p:nvPicPr>
+            <p:blipFill>
+              <a:blip r:embed="rId2" cstate="print">
+                <a:extLst>
+                  <a:ext uri="{28A0092B-C50C-407E-A947-70E740481C1C}">
+                    <a14:useLocalDpi xmlns:a14="http://schemas.microsoft.com/office/drawing/2010/main" val="0"/>
+                  </a:ext>
+                </a:extLst>
+              </a:blip>
+              <a:srcRect/>
+              <a:stretch>
+                <a:fillRect/>
+              </a:stretch>
+            </p:blipFill>
+            <p:spPr bwMode="auto">
+              <a:xfrm>
+                <a:off x="4186293" y="3039060"/>
+                <a:ext cx="572814" cy="572814"/>
+              </a:xfrm>
+              <a:prstGeom prst="rect">
+                <a:avLst/>
+              </a:prstGeom>
+              <a:noFill/>
+              <a:extLst>
+                <a:ext uri="{909E8E84-426E-40DD-AFC4-6F175D3DCCD1}">
+                  <a14:hiddenFill xmlns:a14="http://schemas.microsoft.com/office/drawing/2010/main">
+                    <a:solidFill>
+                      <a:srgbClr val="FFFFFF"/>
+                    </a:solidFill>
+                  </a14:hiddenFill>
+                </a:ext>
+              </a:extLst>
+            </p:spPr>
+          </p:pic>
+          <p:pic>
+            <p:nvPicPr>
+              <p:cNvPr id="16" name="Picture 2" descr="Image result for document icon"/>
+              <p:cNvPicPr>
+                <a:picLocks noChangeAspect="1" noChangeArrowheads="1"/>
+              </p:cNvPicPr>
+              <p:nvPr/>
+            </p:nvPicPr>
+            <p:blipFill>
+              <a:blip r:embed="rId2" cstate="print">
+                <a:extLst>
+                  <a:ext uri="{28A0092B-C50C-407E-A947-70E740481C1C}">
+                    <a14:useLocalDpi xmlns:a14="http://schemas.microsoft.com/office/drawing/2010/main" val="0"/>
+                  </a:ext>
+                </a:extLst>
+              </a:blip>
+              <a:srcRect/>
+              <a:stretch>
+                <a:fillRect/>
+              </a:stretch>
+            </p:blipFill>
+            <p:spPr bwMode="auto">
+              <a:xfrm>
+                <a:off x="3626617" y="3039060"/>
+                <a:ext cx="572814" cy="572814"/>
+              </a:xfrm>
+              <a:prstGeom prst="rect">
+                <a:avLst/>
+              </a:prstGeom>
+              <a:noFill/>
+              <a:extLst>
+                <a:ext uri="{909E8E84-426E-40DD-AFC4-6F175D3DCCD1}">
+                  <a14:hiddenFill xmlns:a14="http://schemas.microsoft.com/office/drawing/2010/main">
+                    <a:solidFill>
+                      <a:srgbClr val="FFFFFF"/>
+                    </a:solidFill>
+                  </a14:hiddenFill>
+                </a:ext>
+              </a:extLst>
+            </p:spPr>
+          </p:pic>
+        </p:grpSp>
+        <p:sp>
+          <p:nvSpPr>
+            <p:cNvPr id="11" name="Rounded Rectangle 10"/>
+            <p:cNvSpPr/>
+            <p:nvPr/>
+          </p:nvSpPr>
+          <p:spPr>
+            <a:xfrm>
+              <a:off x="2393494" y="2948152"/>
+              <a:ext cx="3008243" cy="825575"/>
+            </a:xfrm>
+            <a:prstGeom prst="roundRect">
+              <a:avLst/>
+            </a:prstGeom>
+            <a:noFill/>
+            <a:ln>
+              <a:solidFill>
+                <a:srgbClr val="FFC000"/>
+              </a:solidFill>
+            </a:ln>
+          </p:spPr>
+          <p:style>
+            <a:lnRef idx="2">
+              <a:schemeClr val="accent1">
+                <a:shade val="50000"/>
+              </a:schemeClr>
+            </a:lnRef>
+            <a:fillRef idx="1">
+              <a:schemeClr val="accent1"/>
+            </a:fillRef>
+            <a:effectRef idx="0">
+              <a:schemeClr val="accent1"/>
+            </a:effectRef>
+            <a:fontRef idx="minor">
+              <a:schemeClr val="lt1"/>
+            </a:fontRef>
+          </p:style>
+          <p:txBody>
+            <a:bodyPr rtlCol="0" anchor="ctr"/>
+            <a:lstStyle/>
+            <a:p>
+              <a:pPr algn="ctr"/>
+              <a:endParaRPr lang="en-US"/>
+            </a:p>
+          </p:txBody>
+        </p:sp>
+      </p:grpSp>
+      <p:sp>
+        <p:nvSpPr>
+          <p:cNvPr id="17" name="TextBox 16"/>
+          <p:cNvSpPr txBox="1"/>
+          <p:nvPr/>
+        </p:nvSpPr>
+        <p:spPr>
+          <a:xfrm>
+            <a:off x="292955" y="3187610"/>
+            <a:ext cx="2040430" cy="369332"/>
+          </a:xfrm>
+          <a:prstGeom prst="rect">
+            <a:avLst/>
+          </a:prstGeom>
+          <a:noFill/>
+        </p:spPr>
+        <p:txBody>
+          <a:bodyPr wrap="none" rtlCol="0">
+            <a:spAutoFit/>
+          </a:bodyPr>
+          <a:lstStyle/>
+          <a:p>
+            <a:r>
+              <a:rPr lang="en-US" b="1" u="sng" dirty="0"/>
+              <a:t>beer – 1000 Tweets</a:t>
+            </a:r>
+          </a:p>
+        </p:txBody>
+      </p:sp>
+      <p:sp>
+        <p:nvSpPr>
+          <p:cNvPr id="27" name="Right Arrow 26"/>
+          <p:cNvSpPr/>
+          <p:nvPr/>
+        </p:nvSpPr>
+        <p:spPr>
+          <a:xfrm>
+            <a:off x="3151392" y="1647844"/>
+            <a:ext cx="3058511" cy="693683"/>
+          </a:xfrm>
+          <a:prstGeom prst="rightArrow">
+            <a:avLst/>
+          </a:prstGeom>
+          <a:solidFill>
+            <a:schemeClr val="accent6">
+              <a:lumMod val="60000"/>
+              <a:lumOff val="40000"/>
+            </a:schemeClr>
+          </a:solidFill>
+          <a:ln>
+            <a:noFill/>
+          </a:ln>
+        </p:spPr>
+        <p:style>
+          <a:lnRef idx="2">
+            <a:schemeClr val="accent1">
+              <a:shade val="50000"/>
+            </a:schemeClr>
+          </a:lnRef>
+          <a:fillRef idx="1">
+            <a:schemeClr val="accent1"/>
+          </a:fillRef>
+          <a:effectRef idx="0">
+            <a:schemeClr val="accent1"/>
+          </a:effectRef>
+          <a:fontRef idx="minor">
+            <a:schemeClr val="lt1"/>
+          </a:fontRef>
+        </p:style>
+        <p:txBody>
+          <a:bodyPr rtlCol="0" anchor="ctr"/>
+          <a:lstStyle/>
+          <a:p>
+            <a:pPr algn="ctr"/>
+            <a:r>
+              <a:rPr lang="en-US" dirty="0"/>
+              <a:t>Clean &amp; Collapse</a:t>
+            </a:r>
+          </a:p>
+        </p:txBody>
+      </p:sp>
+      <p:sp>
+        <p:nvSpPr>
+          <p:cNvPr id="28" name="Right Arrow 27"/>
+          <p:cNvSpPr/>
+          <p:nvPr/>
+        </p:nvSpPr>
+        <p:spPr>
+          <a:xfrm>
+            <a:off x="3124888" y="3567127"/>
+            <a:ext cx="3058511" cy="693683"/>
+          </a:xfrm>
+          <a:prstGeom prst="rightArrow">
+            <a:avLst/>
+          </a:prstGeom>
+          <a:solidFill>
+            <a:schemeClr val="accent6">
+              <a:lumMod val="60000"/>
+              <a:lumOff val="40000"/>
+            </a:schemeClr>
+          </a:solidFill>
+          <a:ln>
+            <a:noFill/>
+          </a:ln>
+        </p:spPr>
+        <p:style>
+          <a:lnRef idx="2">
+            <a:schemeClr val="accent1">
+              <a:shade val="50000"/>
+            </a:schemeClr>
+          </a:lnRef>
+          <a:fillRef idx="1">
+            <a:schemeClr val="accent1"/>
+          </a:fillRef>
+          <a:effectRef idx="0">
+            <a:schemeClr val="accent1"/>
+          </a:effectRef>
+          <a:fontRef idx="minor">
+            <a:schemeClr val="lt1"/>
+          </a:fontRef>
+        </p:style>
+        <p:txBody>
+          <a:bodyPr rtlCol="0" anchor="ctr"/>
+          <a:lstStyle/>
+          <a:p>
+            <a:pPr algn="ctr"/>
+            <a:r>
+              <a:rPr lang="en-US" dirty="0"/>
+              <a:t>Clean &amp; Collapse</a:t>
+            </a:r>
+          </a:p>
+        </p:txBody>
+      </p:sp>
+      <p:sp>
+        <p:nvSpPr>
+          <p:cNvPr id="29" name="Rounded Rectangle 28"/>
+          <p:cNvSpPr/>
+          <p:nvPr/>
+        </p:nvSpPr>
+        <p:spPr>
+          <a:xfrm>
+            <a:off x="6738823" y="1612599"/>
+            <a:ext cx="1749972" cy="3038914"/>
+          </a:xfrm>
+          <a:prstGeom prst="roundRect">
+            <a:avLst/>
+          </a:prstGeom>
+          <a:noFill/>
+          <a:ln>
+            <a:solidFill>
+              <a:srgbClr val="FFC000"/>
+            </a:solidFill>
+          </a:ln>
+        </p:spPr>
+        <p:style>
+          <a:lnRef idx="2">
+            <a:schemeClr val="accent1">
+              <a:shade val="50000"/>
+            </a:schemeClr>
+          </a:lnRef>
+          <a:fillRef idx="1">
+            <a:schemeClr val="accent1"/>
+          </a:fillRef>
+          <a:effectRef idx="0">
+            <a:schemeClr val="accent1"/>
+          </a:effectRef>
+          <a:fontRef idx="minor">
+            <a:schemeClr val="lt1"/>
+          </a:fontRef>
+        </p:style>
+        <p:txBody>
+          <a:bodyPr rtlCol="0" anchor="ctr"/>
+          <a:lstStyle/>
+          <a:p>
+            <a:pPr algn="ctr"/>
+            <a:endParaRPr lang="en-US"/>
+          </a:p>
+        </p:txBody>
+      </p:sp>
+      <p:pic>
+        <p:nvPicPr>
+          <p:cNvPr id="30" name="Picture 2" descr="Image result for document icon"/>
+          <p:cNvPicPr>
+            <a:picLocks noChangeAspect="1" noChangeArrowheads="1"/>
+          </p:cNvPicPr>
+          <p:nvPr/>
+        </p:nvPicPr>
+        <p:blipFill>
+          <a:blip r:embed="rId2" cstate="print">
+            <a:extLst>
+              <a:ext uri="{28A0092B-C50C-407E-A947-70E740481C1C}">
+                <a14:useLocalDpi xmlns:a14="http://schemas.microsoft.com/office/drawing/2010/main" val="0"/>
+              </a:ext>
+            </a:extLst>
+          </a:blip>
+          <a:srcRect/>
+          <a:stretch>
+            <a:fillRect/>
+          </a:stretch>
+        </p:blipFill>
+        <p:spPr bwMode="auto">
+          <a:xfrm>
+            <a:off x="7140761" y="3466909"/>
+            <a:ext cx="946096" cy="946096"/>
+          </a:xfrm>
+          <a:prstGeom prst="rect">
+            <a:avLst/>
+          </a:prstGeom>
+          <a:noFill/>
+          <a:extLst>
+            <a:ext uri="{909E8E84-426E-40DD-AFC4-6F175D3DCCD1}">
+              <a14:hiddenFill xmlns:a14="http://schemas.microsoft.com/office/drawing/2010/main">
+                <a:solidFill>
+                  <a:srgbClr val="FFFFFF"/>
+                </a:solidFill>
+              </a14:hiddenFill>
+            </a:ext>
+          </a:extLst>
+        </p:spPr>
+      </p:pic>
+      <p:cxnSp>
+        <p:nvCxnSpPr>
+          <p:cNvPr id="31" name="Straight Connector 30">
+            <a:extLst>
+              <a:ext uri="{FF2B5EF4-FFF2-40B4-BE49-F238E27FC236}">
+                <a16:creationId xmlns:a16="http://schemas.microsoft.com/office/drawing/2014/main" id="{2EC3254C-1925-7F41-8A43-DBAC6D44A709}"/>
+              </a:ext>
+            </a:extLst>
+          </p:cNvPr>
+          <p:cNvCxnSpPr/>
+          <p:nvPr/>
+        </p:nvCxnSpPr>
+        <p:spPr>
+          <a:xfrm>
+            <a:off x="6798363" y="6549885"/>
+            <a:ext cx="0" cy="182880"/>
+          </a:xfrm>
+          <a:prstGeom prst="line">
+            <a:avLst/>
+          </a:prstGeom>
+          <a:ln>
+            <a:solidFill>
+              <a:schemeClr val="bg1">
+                <a:lumMod val="85000"/>
+              </a:schemeClr>
+            </a:solidFill>
+          </a:ln>
+        </p:spPr>
+        <p:style>
+          <a:lnRef idx="1">
+            <a:schemeClr val="accent1"/>
+          </a:lnRef>
+          <a:fillRef idx="0">
+            <a:schemeClr val="accent1"/>
+          </a:fillRef>
+          <a:effectRef idx="0">
+            <a:schemeClr val="accent1"/>
+          </a:effectRef>
+          <a:fontRef idx="minor">
+            <a:schemeClr val="tx1"/>
+          </a:fontRef>
+        </p:style>
+      </p:cxnSp>
+      <p:cxnSp>
+        <p:nvCxnSpPr>
+          <p:cNvPr id="32" name="Straight Connector 31">
+            <a:extLst>
+              <a:ext uri="{FF2B5EF4-FFF2-40B4-BE49-F238E27FC236}">
+                <a16:creationId xmlns:a16="http://schemas.microsoft.com/office/drawing/2014/main" id="{CD7B3A5F-49B5-1648-A77E-C5C4D988FD47}"/>
+              </a:ext>
+            </a:extLst>
+          </p:cNvPr>
+          <p:cNvCxnSpPr/>
+          <p:nvPr/>
+        </p:nvCxnSpPr>
+        <p:spPr>
+          <a:xfrm>
+            <a:off x="7076661" y="4664763"/>
+            <a:ext cx="182880" cy="0"/>
+          </a:xfrm>
+          <a:prstGeom prst="line">
+            <a:avLst/>
+          </a:prstGeom>
+          <a:ln>
+            <a:solidFill>
+              <a:schemeClr val="bg1">
+                <a:lumMod val="85000"/>
+              </a:schemeClr>
+            </a:solidFill>
+          </a:ln>
+        </p:spPr>
+        <p:style>
+          <a:lnRef idx="1">
+            <a:schemeClr val="accent1"/>
+          </a:lnRef>
+          <a:fillRef idx="0">
+            <a:schemeClr val="accent1"/>
+          </a:fillRef>
+          <a:effectRef idx="0">
+            <a:schemeClr val="accent1"/>
+          </a:effectRef>
+          <a:fontRef idx="minor">
+            <a:schemeClr val="tx1"/>
+          </a:fontRef>
+        </p:style>
+      </p:cxnSp>
+      <p:grpSp>
+        <p:nvGrpSpPr>
+          <p:cNvPr id="39" name="Group 38">
+            <a:extLst>
+              <a:ext uri="{FF2B5EF4-FFF2-40B4-BE49-F238E27FC236}">
+                <a16:creationId xmlns:a16="http://schemas.microsoft.com/office/drawing/2014/main" id="{D73FE44A-9F88-734F-8D23-FFB10CFA7D60}"/>
+              </a:ext>
+            </a:extLst>
+          </p:cNvPr>
+          <p:cNvGrpSpPr/>
+          <p:nvPr/>
+        </p:nvGrpSpPr>
+        <p:grpSpPr>
+          <a:xfrm>
+            <a:off x="0" y="3527766"/>
+            <a:ext cx="3008243" cy="825575"/>
+            <a:chOff x="2393494" y="2948152"/>
+            <a:chExt cx="3008243" cy="825575"/>
+          </a:xfrm>
+        </p:grpSpPr>
+        <p:grpSp>
+          <p:nvGrpSpPr>
+            <p:cNvPr id="40" name="Group 39">
+              <a:extLst>
+                <a:ext uri="{FF2B5EF4-FFF2-40B4-BE49-F238E27FC236}">
+                  <a16:creationId xmlns:a16="http://schemas.microsoft.com/office/drawing/2014/main" id="{67D4849A-1539-984E-9B85-8F70502119D9}"/>
+                </a:ext>
+              </a:extLst>
+            </p:cNvPr>
+            <p:cNvGrpSpPr/>
+            <p:nvPr/>
+          </p:nvGrpSpPr>
+          <p:grpSpPr>
+            <a:xfrm>
+              <a:off x="2511573" y="3074532"/>
+              <a:ext cx="2736003" cy="572814"/>
+              <a:chOff x="2538396" y="3039060"/>
+              <a:chExt cx="2736003" cy="572814"/>
+            </a:xfrm>
+          </p:grpSpPr>
+          <p:pic>
+            <p:nvPicPr>
+              <p:cNvPr id="42" name="Picture 2" descr="Image result for document icon">
+                <a:extLst>
+                  <a:ext uri="{FF2B5EF4-FFF2-40B4-BE49-F238E27FC236}">
+                    <a16:creationId xmlns:a16="http://schemas.microsoft.com/office/drawing/2014/main" id="{E8F73898-D105-984F-A07C-C1875831E915}"/>
+                  </a:ext>
+                </a:extLst>
+              </p:cNvPr>
+              <p:cNvPicPr>
+                <a:picLocks noChangeAspect="1" noChangeArrowheads="1"/>
+              </p:cNvPicPr>
+              <p:nvPr/>
+            </p:nvPicPr>
+            <p:blipFill>
+              <a:blip r:embed="rId2" cstate="print">
+                <a:extLst>
+                  <a:ext uri="{28A0092B-C50C-407E-A947-70E740481C1C}">
+                    <a14:useLocalDpi xmlns:a14="http://schemas.microsoft.com/office/drawing/2010/main" val="0"/>
+                  </a:ext>
+                </a:extLst>
+              </a:blip>
+              <a:srcRect/>
+              <a:stretch>
+                <a:fillRect/>
+              </a:stretch>
+            </p:blipFill>
+            <p:spPr bwMode="auto">
+              <a:xfrm>
+                <a:off x="3066941" y="3039060"/>
+                <a:ext cx="572814" cy="572814"/>
+              </a:xfrm>
+              <a:prstGeom prst="rect">
+                <a:avLst/>
+              </a:prstGeom>
+              <a:noFill/>
+              <a:extLst>
+                <a:ext uri="{909E8E84-426E-40DD-AFC4-6F175D3DCCD1}">
+                  <a14:hiddenFill xmlns:a14="http://schemas.microsoft.com/office/drawing/2010/main">
+                    <a:solidFill>
+                      <a:srgbClr val="FFFFFF"/>
+                    </a:solidFill>
+                  </a14:hiddenFill>
+                </a:ext>
+              </a:extLst>
+            </p:spPr>
+          </p:pic>
+          <p:pic>
+            <p:nvPicPr>
+              <p:cNvPr id="43" name="Picture 2" descr="Image result for document icon">
+                <a:extLst>
+                  <a:ext uri="{FF2B5EF4-FFF2-40B4-BE49-F238E27FC236}">
+                    <a16:creationId xmlns:a16="http://schemas.microsoft.com/office/drawing/2014/main" id="{EFB51C31-6582-6C48-ADE8-54D7BE0C1CE1}"/>
+                  </a:ext>
+                </a:extLst>
+              </p:cNvPr>
+              <p:cNvPicPr>
+                <a:picLocks noChangeAspect="1" noChangeArrowheads="1"/>
+              </p:cNvPicPr>
+              <p:nvPr/>
+            </p:nvPicPr>
+            <p:blipFill>
+              <a:blip r:embed="rId2" cstate="print">
+                <a:extLst>
+                  <a:ext uri="{28A0092B-C50C-407E-A947-70E740481C1C}">
+                    <a14:useLocalDpi xmlns:a14="http://schemas.microsoft.com/office/drawing/2010/main" val="0"/>
+                  </a:ext>
+                </a:extLst>
+              </a:blip>
+              <a:srcRect/>
+              <a:stretch>
+                <a:fillRect/>
+              </a:stretch>
+            </p:blipFill>
+            <p:spPr bwMode="auto">
+              <a:xfrm>
+                <a:off x="2538396" y="3039060"/>
+                <a:ext cx="572814" cy="572814"/>
+              </a:xfrm>
+              <a:prstGeom prst="rect">
+                <a:avLst/>
+              </a:prstGeom>
+              <a:noFill/>
+              <a:extLst>
+                <a:ext uri="{909E8E84-426E-40DD-AFC4-6F175D3DCCD1}">
+                  <a14:hiddenFill xmlns:a14="http://schemas.microsoft.com/office/drawing/2010/main">
+                    <a:solidFill>
+                      <a:srgbClr val="FFFFFF"/>
+                    </a:solidFill>
+                  </a14:hiddenFill>
+                </a:ext>
+              </a:extLst>
+            </p:spPr>
+          </p:pic>
+          <p:pic>
+            <p:nvPicPr>
+              <p:cNvPr id="44" name="Picture 2" descr="Image result for document icon">
+                <a:extLst>
+                  <a:ext uri="{FF2B5EF4-FFF2-40B4-BE49-F238E27FC236}">
+                    <a16:creationId xmlns:a16="http://schemas.microsoft.com/office/drawing/2014/main" id="{0C71A069-BF77-AC46-ACFD-392DA1ED3715}"/>
+                  </a:ext>
+                </a:extLst>
+              </p:cNvPr>
+              <p:cNvPicPr>
+                <a:picLocks noChangeAspect="1" noChangeArrowheads="1"/>
+              </p:cNvPicPr>
+              <p:nvPr/>
+            </p:nvPicPr>
+            <p:blipFill>
+              <a:blip r:embed="rId2" cstate="print">
+                <a:extLst>
+                  <a:ext uri="{28A0092B-C50C-407E-A947-70E740481C1C}">
+                    <a14:useLocalDpi xmlns:a14="http://schemas.microsoft.com/office/drawing/2010/main" val="0"/>
+                  </a:ext>
+                </a:extLst>
+              </a:blip>
+              <a:srcRect/>
+              <a:stretch>
+                <a:fillRect/>
+              </a:stretch>
+            </p:blipFill>
+            <p:spPr bwMode="auto">
+              <a:xfrm>
+                <a:off x="4701585" y="3039060"/>
+                <a:ext cx="572814" cy="572814"/>
+              </a:xfrm>
+              <a:prstGeom prst="rect">
+                <a:avLst/>
+              </a:prstGeom>
+              <a:noFill/>
+              <a:extLst>
+                <a:ext uri="{909E8E84-426E-40DD-AFC4-6F175D3DCCD1}">
+                  <a14:hiddenFill xmlns:a14="http://schemas.microsoft.com/office/drawing/2010/main">
+                    <a:solidFill>
+                      <a:srgbClr val="FFFFFF"/>
+                    </a:solidFill>
+                  </a14:hiddenFill>
+                </a:ext>
+              </a:extLst>
+            </p:spPr>
+          </p:pic>
+          <p:pic>
+            <p:nvPicPr>
+              <p:cNvPr id="45" name="Picture 2" descr="Image result for document icon">
+                <a:extLst>
+                  <a:ext uri="{FF2B5EF4-FFF2-40B4-BE49-F238E27FC236}">
+                    <a16:creationId xmlns:a16="http://schemas.microsoft.com/office/drawing/2014/main" id="{13C7D2AF-2006-AC47-87B0-02A4E90D693B}"/>
+                  </a:ext>
+                </a:extLst>
+              </p:cNvPr>
+              <p:cNvPicPr>
+                <a:picLocks noChangeAspect="1" noChangeArrowheads="1"/>
+              </p:cNvPicPr>
+              <p:nvPr/>
+            </p:nvPicPr>
+            <p:blipFill>
+              <a:blip r:embed="rId2" cstate="print">
+                <a:extLst>
+                  <a:ext uri="{28A0092B-C50C-407E-A947-70E740481C1C}">
+                    <a14:useLocalDpi xmlns:a14="http://schemas.microsoft.com/office/drawing/2010/main" val="0"/>
+                  </a:ext>
+                </a:extLst>
+              </a:blip>
+              <a:srcRect/>
+              <a:stretch>
+                <a:fillRect/>
+              </a:stretch>
+            </p:blipFill>
+            <p:spPr bwMode="auto">
+              <a:xfrm>
+                <a:off x="4186293" y="3039060"/>
+                <a:ext cx="572814" cy="572814"/>
+              </a:xfrm>
+              <a:prstGeom prst="rect">
+                <a:avLst/>
+              </a:prstGeom>
+              <a:noFill/>
+              <a:extLst>
+                <a:ext uri="{909E8E84-426E-40DD-AFC4-6F175D3DCCD1}">
+                  <a14:hiddenFill xmlns:a14="http://schemas.microsoft.com/office/drawing/2010/main">
+                    <a:solidFill>
+                      <a:srgbClr val="FFFFFF"/>
+                    </a:solidFill>
+                  </a14:hiddenFill>
+                </a:ext>
+              </a:extLst>
+            </p:spPr>
+          </p:pic>
+          <p:pic>
+            <p:nvPicPr>
+              <p:cNvPr id="46" name="Picture 2" descr="Image result for document icon">
+                <a:extLst>
+                  <a:ext uri="{FF2B5EF4-FFF2-40B4-BE49-F238E27FC236}">
+                    <a16:creationId xmlns:a16="http://schemas.microsoft.com/office/drawing/2014/main" id="{C95E6A5F-5399-AA49-B02B-E59FEA5E1A29}"/>
+                  </a:ext>
+                </a:extLst>
+              </p:cNvPr>
+              <p:cNvPicPr>
+                <a:picLocks noChangeAspect="1" noChangeArrowheads="1"/>
+              </p:cNvPicPr>
+              <p:nvPr/>
+            </p:nvPicPr>
+            <p:blipFill>
+              <a:blip r:embed="rId2" cstate="print">
+                <a:extLst>
+                  <a:ext uri="{28A0092B-C50C-407E-A947-70E740481C1C}">
+                    <a14:useLocalDpi xmlns:a14="http://schemas.microsoft.com/office/drawing/2010/main" val="0"/>
+                  </a:ext>
+                </a:extLst>
+              </a:blip>
+              <a:srcRect/>
+              <a:stretch>
+                <a:fillRect/>
+              </a:stretch>
+            </p:blipFill>
+            <p:spPr bwMode="auto">
+              <a:xfrm>
+                <a:off x="3626617" y="3039060"/>
+                <a:ext cx="572814" cy="572814"/>
+              </a:xfrm>
+              <a:prstGeom prst="rect">
+                <a:avLst/>
+              </a:prstGeom>
+              <a:noFill/>
+              <a:extLst>
+                <a:ext uri="{909E8E84-426E-40DD-AFC4-6F175D3DCCD1}">
+                  <a14:hiddenFill xmlns:a14="http://schemas.microsoft.com/office/drawing/2010/main">
+                    <a:solidFill>
+                      <a:srgbClr val="FFFFFF"/>
+                    </a:solidFill>
+                  </a14:hiddenFill>
+                </a:ext>
+              </a:extLst>
+            </p:spPr>
+          </p:pic>
+        </p:grpSp>
+        <p:sp>
+          <p:nvSpPr>
+            <p:cNvPr id="41" name="Rounded Rectangle 40">
+              <a:extLst>
+                <a:ext uri="{FF2B5EF4-FFF2-40B4-BE49-F238E27FC236}">
+                  <a16:creationId xmlns:a16="http://schemas.microsoft.com/office/drawing/2014/main" id="{71EDE7D1-6797-9149-A68F-D69F9135976A}"/>
+                </a:ext>
+              </a:extLst>
+            </p:cNvPr>
+            <p:cNvSpPr/>
+            <p:nvPr/>
+          </p:nvSpPr>
+          <p:spPr>
+            <a:xfrm>
+              <a:off x="2393494" y="2948152"/>
+              <a:ext cx="3008243" cy="825575"/>
+            </a:xfrm>
+            <a:prstGeom prst="roundRect">
+              <a:avLst/>
+            </a:prstGeom>
+            <a:noFill/>
+            <a:ln>
+              <a:solidFill>
+                <a:srgbClr val="FFC000"/>
+              </a:solidFill>
+            </a:ln>
+          </p:spPr>
+          <p:style>
+            <a:lnRef idx="2">
+              <a:schemeClr val="accent1">
+                <a:shade val="50000"/>
+              </a:schemeClr>
+            </a:lnRef>
+            <a:fillRef idx="1">
+              <a:schemeClr val="accent1"/>
+            </a:fillRef>
+            <a:effectRef idx="0">
+              <a:schemeClr val="accent1"/>
+            </a:effectRef>
+            <a:fontRef idx="minor">
+              <a:schemeClr val="lt1"/>
+            </a:fontRef>
+          </p:style>
+          <p:txBody>
+            <a:bodyPr rtlCol="0" anchor="ctr"/>
+            <a:lstStyle/>
+            <a:p>
+              <a:pPr algn="ctr"/>
+              <a:endParaRPr lang="en-US"/>
+            </a:p>
+          </p:txBody>
+        </p:sp>
+      </p:grpSp>
+      <p:sp>
+        <p:nvSpPr>
+          <p:cNvPr id="18" name="Rectangle 17">
+            <a:extLst>
+              <a:ext uri="{FF2B5EF4-FFF2-40B4-BE49-F238E27FC236}">
+                <a16:creationId xmlns:a16="http://schemas.microsoft.com/office/drawing/2014/main" id="{A8CE1D7E-F7B7-1346-856F-966F0B0F0274}"/>
+              </a:ext>
+            </a:extLst>
+          </p:cNvPr>
+          <p:cNvSpPr/>
+          <p:nvPr/>
+        </p:nvSpPr>
+        <p:spPr>
+          <a:xfrm>
+            <a:off x="288146" y="5493211"/>
+            <a:ext cx="8398654" cy="646332"/>
+          </a:xfrm>
+          <a:prstGeom prst="rect">
+            <a:avLst/>
+          </a:prstGeom>
+        </p:spPr>
+        <p:style>
+          <a:lnRef idx="2">
+            <a:schemeClr val="accent1">
+              <a:shade val="50000"/>
+            </a:schemeClr>
+          </a:lnRef>
+          <a:fillRef idx="1">
+            <a:schemeClr val="accent1"/>
+          </a:fillRef>
+          <a:effectRef idx="0">
+            <a:schemeClr val="accent1"/>
+          </a:effectRef>
+          <a:fontRef idx="minor">
+            <a:schemeClr val="lt1"/>
+          </a:fontRef>
+        </p:style>
+        <p:txBody>
+          <a:bodyPr rtlCol="0" anchor="ctr"/>
+          <a:lstStyle/>
+          <a:p>
+            <a:pPr algn="ctr"/>
+            <a:r>
+              <a:rPr lang="en-US" dirty="0"/>
+              <a:t>We now have 2 documents, not 2000.  Document 1 is everything we know about chardonnay and document 2 is everything we know about beer.</a:t>
+            </a:r>
+          </a:p>
+        </p:txBody>
+      </p:sp>
+    </p:spTree>
+    <p:extLst>
+      <p:ext uri="{BB962C8B-B14F-4D97-AF65-F5344CB8AC3E}">
+        <p14:creationId xmlns:p14="http://schemas.microsoft.com/office/powerpoint/2010/main" val="3856199520"/>
+      </p:ext>
+    </p:extLst>
+  </p:cSld>
+  <p:clrMapOvr>
+    <a:masterClrMapping/>
+  </p:clrMapOvr>
+</p:sld>
+</file>
+
+<file path=ppt/slides/slide23.xml><?xml version="1.0" encoding="utf-8"?>
+<p:sld xmlns:a="http://schemas.openxmlformats.org/drawingml/2006/main" xmlns:r="http://schemas.openxmlformats.org/officeDocument/2006/relationships" xmlns:p="http://schemas.openxmlformats.org/presentationml/2006/main">
+  <p:cSld>
+    <p:spTree>
+      <p:nvGrpSpPr>
+        <p:cNvPr id="1" name=""/>
+        <p:cNvGrpSpPr/>
+        <p:nvPr/>
+      </p:nvGrpSpPr>
+      <p:grpSpPr>
+        <a:xfrm>
+          <a:off x="0" y="0"/>
+          <a:ext cx="0" cy="0"/>
+          <a:chOff x="0" y="0"/>
+          <a:chExt cx="0" cy="0"/>
+        </a:xfrm>
+      </p:grpSpPr>
+      <p:sp>
+        <p:nvSpPr>
+          <p:cNvPr id="2" name="Date Placeholder 1"/>
+          <p:cNvSpPr>
+            <a:spLocks noGrp="1"/>
+          </p:cNvSpPr>
+          <p:nvPr>
+            <p:ph type="dt" sz="half" idx="10"/>
+          </p:nvPr>
+        </p:nvSpPr>
+        <p:spPr/>
+        <p:txBody>
+          <a:bodyPr/>
+          <a:lstStyle/>
+          <a:p>
+            <a:fld id="{6700A58B-DD98-43D0-B791-721480A02982}" type="datetime1">
+              <a:rPr lang="en-US" smtClean="0"/>
+              <a:pPr/>
+              <a:t>1/13/21</a:t>
+            </a:fld>
+            <a:endParaRPr lang="en-US"/>
+          </a:p>
+        </p:txBody>
+      </p:sp>
+      <p:sp>
+        <p:nvSpPr>
+          <p:cNvPr id="3" name="Title 2"/>
+          <p:cNvSpPr>
+            <a:spLocks noGrp="1"/>
+          </p:cNvSpPr>
+          <p:nvPr>
+            <p:ph type="title"/>
+          </p:nvPr>
+        </p:nvSpPr>
+        <p:spPr/>
+        <p:txBody>
+          <a:bodyPr/>
+          <a:lstStyle/>
+          <a:p>
+            <a:r>
+              <a:rPr lang="en-US"/>
+              <a:t>The new WC will examine inner and disjoins</a:t>
+            </a:r>
+            <a:endParaRPr lang="en-US" dirty="0"/>
+          </a:p>
+        </p:txBody>
+      </p:sp>
+      <p:sp>
+        <p:nvSpPr>
+          <p:cNvPr id="5" name="Footer Placeholder 4"/>
+          <p:cNvSpPr>
+            <a:spLocks noGrp="1"/>
+          </p:cNvSpPr>
+          <p:nvPr>
+            <p:ph type="ftr" sz="quarter" idx="3"/>
+          </p:nvPr>
+        </p:nvSpPr>
+        <p:spPr/>
+        <p:txBody>
+          <a:bodyPr/>
+          <a:lstStyle/>
+          <a:p>
+            <a:r>
+              <a:rPr lang="en-US"/>
+              <a:t>Kwartler</a:t>
+            </a:r>
+            <a:endParaRPr lang="en-US" dirty="0"/>
+          </a:p>
+        </p:txBody>
+      </p:sp>
+      <p:sp>
+        <p:nvSpPr>
+          <p:cNvPr id="4" name="Slide Number Placeholder 3"/>
+          <p:cNvSpPr>
+            <a:spLocks noGrp="1"/>
+          </p:cNvSpPr>
+          <p:nvPr>
+            <p:ph type="sldNum" sz="quarter" idx="4"/>
+          </p:nvPr>
+        </p:nvSpPr>
+        <p:spPr/>
+        <p:txBody>
+          <a:bodyPr/>
+          <a:lstStyle/>
+          <a:p>
+            <a:fld id="{37290FF7-652B-4475-AEAB-8B1A5D23AE09}" type="slidenum">
+              <a:rPr lang="en-US" smtClean="0"/>
+              <a:pPr/>
+              <a:t>23</a:t>
             </a:fld>
             <a:endParaRPr lang="en-US"/>
           </a:p>
@@ -10025,6 +15723,55 @@
           </a:fontRef>
         </p:style>
       </p:cxnSp>
+      <p:sp>
+        <p:nvSpPr>
+          <p:cNvPr id="16" name="Rectangle 15">
+            <a:extLst>
+              <a:ext uri="{FF2B5EF4-FFF2-40B4-BE49-F238E27FC236}">
+                <a16:creationId xmlns:a16="http://schemas.microsoft.com/office/drawing/2014/main" id="{2637ECE0-3FA6-4C46-8696-995FF35B0E7C}"/>
+              </a:ext>
+            </a:extLst>
+          </p:cNvPr>
+          <p:cNvSpPr/>
+          <p:nvPr/>
+        </p:nvSpPr>
+        <p:spPr>
+          <a:xfrm>
+            <a:off x="288146" y="5493211"/>
+            <a:ext cx="8398654" cy="646332"/>
+          </a:xfrm>
+          <a:prstGeom prst="rect">
+            <a:avLst/>
+          </a:prstGeom>
+        </p:spPr>
+        <p:style>
+          <a:lnRef idx="2">
+            <a:schemeClr val="accent1">
+              <a:shade val="50000"/>
+            </a:schemeClr>
+          </a:lnRef>
+          <a:fillRef idx="1">
+            <a:schemeClr val="accent1"/>
+          </a:fillRef>
+          <a:effectRef idx="0">
+            <a:schemeClr val="accent1"/>
+          </a:effectRef>
+          <a:fontRef idx="minor">
+            <a:schemeClr val="lt1"/>
+          </a:fontRef>
+        </p:style>
+        <p:txBody>
+          <a:bodyPr rtlCol="0" anchor="ctr"/>
+          <a:lstStyle/>
+          <a:p>
+            <a:pPr algn="ctr"/>
+            <a:r>
+              <a:rPr lang="en-US" dirty="0"/>
+              <a:t>The collapses documents can be examined using set theory.  “inner join”, “outer join”</a:t>
+            </a:r>
+          </a:p>
+        </p:txBody>
+      </p:sp>
     </p:spTree>
     <p:extLst>
       <p:ext uri="{BB962C8B-B14F-4D97-AF65-F5344CB8AC3E}">
@@ -10038,7 +15785,7 @@
 </p:sld>
 </file>
 
-<file path=ppt/slides/slide19.xml><?xml version="1.0" encoding="utf-8"?>
+<file path=ppt/slides/slide24.xml><?xml version="1.0" encoding="utf-8"?>
 <p:sld xmlns:a="http://schemas.openxmlformats.org/drawingml/2006/main" xmlns:r="http://schemas.openxmlformats.org/officeDocument/2006/relationships" xmlns:p="http://schemas.openxmlformats.org/presentationml/2006/main">
   <p:cSld>
     <p:spTree>
@@ -10079,7 +15826,7 @@
             <a:fld id="{6700A58B-DD98-43D0-B791-721480A02982}" type="datetime1">
               <a:rPr lang="en-US" smtClean="0"/>
               <a:pPr/>
-              <a:t>12/30/20</a:t>
+              <a:t>1/13/21</a:t>
             </a:fld>
             <a:endParaRPr lang="en-US"/>
           </a:p>
@@ -10167,7 +15914,7 @@
             <a:fld id="{37290FF7-652B-4475-AEAB-8B1A5D23AE09}" type="slidenum">
               <a:rPr lang="en-US" smtClean="0"/>
               <a:pPr/>
-              <a:t>19</a:t>
+              <a:t>24</a:t>
             </a:fld>
             <a:endParaRPr lang="en-US"/>
           </a:p>
@@ -10355,7 +16102,7 @@
 </p:sld>
 </file>
 
-<file path=ppt/slides/slide2.xml><?xml version="1.0" encoding="utf-8"?>
+<file path=ppt/slides/slide25.xml><?xml version="1.0" encoding="utf-8"?>
 <p:sld xmlns:a="http://schemas.openxmlformats.org/drawingml/2006/main" xmlns:r="http://schemas.openxmlformats.org/officeDocument/2006/relationships" xmlns:p="http://schemas.openxmlformats.org/presentationml/2006/main">
   <p:cSld>
     <p:spTree>
@@ -10374,124 +16121,6 @@
       </p:grpSpPr>
       <p:sp>
         <p:nvSpPr>
-          <p:cNvPr id="11" name="Rectangle 10">
-            <a:extLst>
-              <a:ext uri="{FF2B5EF4-FFF2-40B4-BE49-F238E27FC236}">
-                <a16:creationId xmlns:a16="http://schemas.microsoft.com/office/drawing/2014/main" id="{C246B7D1-453D-487B-B491-889C15C460F6}"/>
-              </a:ext>
-            </a:extLst>
-          </p:cNvPr>
-          <p:cNvSpPr/>
-          <p:nvPr/>
-        </p:nvSpPr>
-        <p:spPr>
-          <a:xfrm>
-            <a:off x="512916" y="2025076"/>
-            <a:ext cx="8118168" cy="3176852"/>
-          </a:xfrm>
-          <a:prstGeom prst="rect">
-            <a:avLst/>
-          </a:prstGeom>
-          <a:solidFill>
-            <a:schemeClr val="bg1"/>
-          </a:solidFill>
-          <a:ln w="9525">
-            <a:solidFill>
-              <a:schemeClr val="bg2"/>
-            </a:solidFill>
-          </a:ln>
-        </p:spPr>
-        <p:style>
-          <a:lnRef idx="2">
-            <a:schemeClr val="accent1">
-              <a:shade val="50000"/>
-            </a:schemeClr>
-          </a:lnRef>
-          <a:fillRef idx="1">
-            <a:schemeClr val="accent1"/>
-          </a:fillRef>
-          <a:effectRef idx="0">
-            <a:schemeClr val="accent1"/>
-          </a:effectRef>
-          <a:fontRef idx="minor">
-            <a:schemeClr val="lt1"/>
-          </a:fontRef>
-        </p:style>
-        <p:txBody>
-          <a:bodyPr lIns="88900" tIns="88900" rIns="88900" bIns="88900" rtlCol="0" anchor="t" anchorCtr="0"/>
-          <a:lstStyle/>
-          <a:p>
-            <a:pPr defTabSz="457200"/>
-            <a:endParaRPr lang="en-US" sz="1000" dirty="0">
-              <a:solidFill>
-                <a:schemeClr val="tx2"/>
-              </a:solidFill>
-            </a:endParaRPr>
-          </a:p>
-        </p:txBody>
-      </p:sp>
-      <p:sp>
-        <p:nvSpPr>
-          <p:cNvPr id="12" name="Rectangle 11">
-            <a:extLst>
-              <a:ext uri="{FF2B5EF4-FFF2-40B4-BE49-F238E27FC236}">
-                <a16:creationId xmlns:a16="http://schemas.microsoft.com/office/drawing/2014/main" id="{2C95F845-8979-407C-9F4E-6FBCB9476B2D}"/>
-              </a:ext>
-            </a:extLst>
-          </p:cNvPr>
-          <p:cNvSpPr/>
-          <p:nvPr/>
-        </p:nvSpPr>
-        <p:spPr>
-          <a:xfrm>
-            <a:off x="512916" y="1656073"/>
-            <a:ext cx="8118168" cy="365760"/>
-          </a:xfrm>
-          <a:prstGeom prst="rect">
-            <a:avLst/>
-          </a:prstGeom>
-          <a:solidFill>
-            <a:schemeClr val="accent3"/>
-          </a:solidFill>
-          <a:ln w="9525">
-            <a:solidFill>
-              <a:schemeClr val="accent3"/>
-            </a:solidFill>
-          </a:ln>
-        </p:spPr>
-        <p:style>
-          <a:lnRef idx="2">
-            <a:schemeClr val="accent1">
-              <a:shade val="50000"/>
-            </a:schemeClr>
-          </a:lnRef>
-          <a:fillRef idx="1">
-            <a:schemeClr val="accent1"/>
-          </a:fillRef>
-          <a:effectRef idx="0">
-            <a:schemeClr val="accent1"/>
-          </a:effectRef>
-          <a:fontRef idx="minor">
-            <a:schemeClr val="lt1"/>
-          </a:fontRef>
-        </p:style>
-        <p:txBody>
-          <a:bodyPr lIns="88900" tIns="88900" rIns="88900" bIns="88900" rtlCol="0" anchor="ctr"/>
-          <a:lstStyle/>
-          <a:p>
-            <a:r>
-              <a:rPr lang="en-US" sz="1200" b="1" dirty="0">
-                <a:solidFill>
-                  <a:schemeClr val="bg1"/>
-                </a:solidFill>
-              </a:rPr>
-              <a:t>“Text mining is so fun.  So do text mining!</a:t>
-            </a:r>
-          </a:p>
-        </p:txBody>
-      </p:sp>
-      <p:sp>
-        <p:nvSpPr>
           <p:cNvPr id="2" name="Date Placeholder 1"/>
           <p:cNvSpPr>
             <a:spLocks noGrp="1"/>
@@ -10508,7 +16137,7 @@
             <a:fld id="{6700A58B-DD98-43D0-B791-721480A02982}" type="datetime1">
               <a:rPr lang="en-US" smtClean="0"/>
               <a:pPr/>
-              <a:t>12/30/20</a:t>
+              <a:t>1/13/21</a:t>
             </a:fld>
             <a:endParaRPr lang="en-US"/>
           </a:p>
@@ -10531,7 +16160,7 @@
           <a:p>
             <a:r>
               <a:rPr lang="en-US"/>
-              <a:t>Unigram Tokenization</a:t>
+              <a:t>What tokens are in common?</a:t>
             </a:r>
             <a:endParaRPr lang="en-US" dirty="0"/>
           </a:p>
@@ -10578,365 +16207,7 @@
             <a:fld id="{37290FF7-652B-4475-AEAB-8B1A5D23AE09}" type="slidenum">
               <a:rPr lang="en-US" smtClean="0"/>
               <a:pPr/>
-              <a:t>2</a:t>
-            </a:fld>
-            <a:endParaRPr lang="en-US"/>
-          </a:p>
-        </p:txBody>
-      </p:sp>
-      <p:sp>
-        <p:nvSpPr>
-          <p:cNvPr id="7" name="TextBox 6">
-            <a:extLst>
-              <a:ext uri="{FF2B5EF4-FFF2-40B4-BE49-F238E27FC236}">
-                <a16:creationId xmlns:a16="http://schemas.microsoft.com/office/drawing/2014/main" id="{B99349F3-A8F2-4D17-B849-7F8115A13DC7}"/>
-              </a:ext>
-            </a:extLst>
-          </p:cNvPr>
-          <p:cNvSpPr txBox="1"/>
-          <p:nvPr/>
-        </p:nvSpPr>
-        <p:spPr>
-          <a:xfrm>
-            <a:off x="440250" y="5196043"/>
-            <a:ext cx="1890261" cy="276999"/>
-          </a:xfrm>
-          <a:prstGeom prst="rect">
-            <a:avLst/>
-          </a:prstGeom>
-          <a:noFill/>
-        </p:spPr>
-        <p:txBody>
-          <a:bodyPr wrap="none" rtlCol="0">
-            <a:spAutoFit/>
-          </a:bodyPr>
-          <a:lstStyle/>
-          <a:p>
-            <a:pPr defTabSz="457200"/>
-            <a:r>
-              <a:rPr lang="en-US" sz="1200" i="1" kern="1200" dirty="0">
-                <a:solidFill>
-                  <a:prstClr val="black"/>
-                </a:solidFill>
-                <a:latin typeface="Arial Unicode MS" panose="020B0604020202020204" pitchFamily="34" charset="-128"/>
-                <a:ea typeface="Arial Unicode MS" panose="020B0604020202020204" pitchFamily="34" charset="-128"/>
-                <a:cs typeface="Arial Unicode MS" panose="020B0604020202020204" pitchFamily="34" charset="-128"/>
-              </a:rPr>
-              <a:t>*with common </a:t>
-            </a:r>
-            <a:r>
-              <a:rPr lang="en-US" sz="1200" i="1" kern="1200" dirty="0" err="1">
-                <a:solidFill>
-                  <a:prstClr val="black"/>
-                </a:solidFill>
-                <a:latin typeface="Arial Unicode MS" panose="020B0604020202020204" pitchFamily="34" charset="-128"/>
-                <a:ea typeface="Arial Unicode MS" panose="020B0604020202020204" pitchFamily="34" charset="-128"/>
-                <a:cs typeface="Arial Unicode MS" panose="020B0604020202020204" pitchFamily="34" charset="-128"/>
-              </a:rPr>
-              <a:t>stopwords</a:t>
-            </a:r>
-            <a:endParaRPr lang="en-US" sz="1200" i="1" kern="1200" dirty="0">
-              <a:solidFill>
-                <a:prstClr val="black"/>
-              </a:solidFill>
-              <a:latin typeface="Arial Unicode MS" panose="020B0604020202020204" pitchFamily="34" charset="-128"/>
-              <a:ea typeface="Arial Unicode MS" panose="020B0604020202020204" pitchFamily="34" charset="-128"/>
-              <a:cs typeface="Arial Unicode MS" panose="020B0604020202020204" pitchFamily="34" charset="-128"/>
-            </a:endParaRPr>
-          </a:p>
-        </p:txBody>
-      </p:sp>
-      <p:pic>
-        <p:nvPicPr>
-          <p:cNvPr id="10" name="Picture 9">
-            <a:extLst>
-              <a:ext uri="{FF2B5EF4-FFF2-40B4-BE49-F238E27FC236}">
-                <a16:creationId xmlns:a16="http://schemas.microsoft.com/office/drawing/2014/main" id="{352C3F10-AE75-4FEA-BD93-24F01EF1F0F8}"/>
-              </a:ext>
-            </a:extLst>
-          </p:cNvPr>
-          <p:cNvPicPr>
-            <a:picLocks noChangeAspect="1"/>
-          </p:cNvPicPr>
-          <p:nvPr/>
-        </p:nvPicPr>
-        <p:blipFill>
-          <a:blip r:embed="rId2"/>
-          <a:stretch>
-            <a:fillRect/>
-          </a:stretch>
-        </p:blipFill>
-        <p:spPr>
-          <a:xfrm>
-            <a:off x="3249722" y="2513577"/>
-            <a:ext cx="2644556" cy="1830846"/>
-          </a:xfrm>
-          <a:prstGeom prst="rect">
-            <a:avLst/>
-          </a:prstGeom>
-        </p:spPr>
-      </p:pic>
-      <p:sp>
-        <p:nvSpPr>
-          <p:cNvPr id="13" name="TextBox 12">
-            <a:extLst>
-              <a:ext uri="{FF2B5EF4-FFF2-40B4-BE49-F238E27FC236}">
-                <a16:creationId xmlns:a16="http://schemas.microsoft.com/office/drawing/2014/main" id="{A5A3EE36-0573-4214-8E8B-E9BD628BC999}"/>
-              </a:ext>
-            </a:extLst>
-          </p:cNvPr>
-          <p:cNvSpPr txBox="1"/>
-          <p:nvPr/>
-        </p:nvSpPr>
-        <p:spPr>
-          <a:xfrm>
-            <a:off x="512380" y="1198603"/>
-            <a:ext cx="8119241" cy="338554"/>
-          </a:xfrm>
-          <a:prstGeom prst="rect">
-            <a:avLst/>
-          </a:prstGeom>
-          <a:solidFill>
-            <a:schemeClr val="accent6">
-              <a:lumMod val="60000"/>
-              <a:lumOff val="40000"/>
-            </a:schemeClr>
-          </a:solidFill>
-        </p:spPr>
-        <p:txBody>
-          <a:bodyPr wrap="square" rtlCol="0">
-            <a:spAutoFit/>
-          </a:bodyPr>
-          <a:lstStyle/>
-          <a:p>
-            <a:pPr algn="ctr" defTabSz="457200"/>
-            <a:r>
-              <a:rPr lang="en-US" sz="1600" dirty="0">
-                <a:solidFill>
-                  <a:prstClr val="white"/>
-                </a:solidFill>
-                <a:latin typeface="+mj-lt"/>
-                <a:ea typeface="Arial Unicode MS" panose="020B0604020202020204" pitchFamily="34" charset="-128"/>
-                <a:cs typeface="Arial Unicode MS" panose="020B0604020202020204" pitchFamily="34" charset="-128"/>
-              </a:rPr>
-              <a:t>Thus far, we have performed unigram tokenization of terms.</a:t>
-            </a:r>
-            <a:endParaRPr lang="en-US" sz="1600" kern="1200" dirty="0">
-              <a:solidFill>
-                <a:prstClr val="white"/>
-              </a:solidFill>
-              <a:latin typeface="+mj-lt"/>
-              <a:ea typeface="Arial Unicode MS" panose="020B0604020202020204" pitchFamily="34" charset="-128"/>
-              <a:cs typeface="Arial Unicode MS" panose="020B0604020202020204" pitchFamily="34" charset="-128"/>
-            </a:endParaRPr>
-          </a:p>
-        </p:txBody>
-      </p:sp>
-      <p:cxnSp>
-        <p:nvCxnSpPr>
-          <p:cNvPr id="14" name="Straight Connector 13">
-            <a:extLst>
-              <a:ext uri="{FF2B5EF4-FFF2-40B4-BE49-F238E27FC236}">
-                <a16:creationId xmlns:a16="http://schemas.microsoft.com/office/drawing/2014/main" id="{D5EE2E8A-5825-E94E-BAF3-6B45FE58D5A2}"/>
-              </a:ext>
-            </a:extLst>
-          </p:cNvPr>
-          <p:cNvCxnSpPr/>
-          <p:nvPr/>
-        </p:nvCxnSpPr>
-        <p:spPr>
-          <a:xfrm>
-            <a:off x="6798363" y="6549885"/>
-            <a:ext cx="0" cy="182880"/>
-          </a:xfrm>
-          <a:prstGeom prst="line">
-            <a:avLst/>
-          </a:prstGeom>
-          <a:ln>
-            <a:solidFill>
-              <a:schemeClr val="bg1">
-                <a:lumMod val="85000"/>
-              </a:schemeClr>
-            </a:solidFill>
-          </a:ln>
-        </p:spPr>
-        <p:style>
-          <a:lnRef idx="1">
-            <a:schemeClr val="accent1"/>
-          </a:lnRef>
-          <a:fillRef idx="0">
-            <a:schemeClr val="accent1"/>
-          </a:fillRef>
-          <a:effectRef idx="0">
-            <a:schemeClr val="accent1"/>
-          </a:effectRef>
-          <a:fontRef idx="minor">
-            <a:schemeClr val="tx1"/>
-          </a:fontRef>
-        </p:style>
-      </p:cxnSp>
-      <p:cxnSp>
-        <p:nvCxnSpPr>
-          <p:cNvPr id="15" name="Straight Connector 14">
-            <a:extLst>
-              <a:ext uri="{FF2B5EF4-FFF2-40B4-BE49-F238E27FC236}">
-                <a16:creationId xmlns:a16="http://schemas.microsoft.com/office/drawing/2014/main" id="{A9E0A8EA-FC60-D047-B731-CA4FB9098607}"/>
-              </a:ext>
-            </a:extLst>
-          </p:cNvPr>
-          <p:cNvCxnSpPr/>
-          <p:nvPr/>
-        </p:nvCxnSpPr>
-        <p:spPr>
-          <a:xfrm>
-            <a:off x="7076661" y="4664763"/>
-            <a:ext cx="182880" cy="0"/>
-          </a:xfrm>
-          <a:prstGeom prst="line">
-            <a:avLst/>
-          </a:prstGeom>
-          <a:ln>
-            <a:solidFill>
-              <a:schemeClr val="bg1">
-                <a:lumMod val="85000"/>
-              </a:schemeClr>
-            </a:solidFill>
-          </a:ln>
-        </p:spPr>
-        <p:style>
-          <a:lnRef idx="1">
-            <a:schemeClr val="accent1"/>
-          </a:lnRef>
-          <a:fillRef idx="0">
-            <a:schemeClr val="accent1"/>
-          </a:fillRef>
-          <a:effectRef idx="0">
-            <a:schemeClr val="accent1"/>
-          </a:effectRef>
-          <a:fontRef idx="minor">
-            <a:schemeClr val="tx1"/>
-          </a:fontRef>
-        </p:style>
-      </p:cxnSp>
-    </p:spTree>
-    <p:extLst>
-      <p:ext uri="{BB962C8B-B14F-4D97-AF65-F5344CB8AC3E}">
-        <p14:creationId xmlns:p14="http://schemas.microsoft.com/office/powerpoint/2010/main" val="2545044768"/>
-      </p:ext>
-    </p:extLst>
-  </p:cSld>
-  <p:clrMapOvr>
-    <a:masterClrMapping/>
-  </p:clrMapOvr>
-</p:sld>
-</file>
-
-<file path=ppt/slides/slide20.xml><?xml version="1.0" encoding="utf-8"?>
-<p:sld xmlns:a="http://schemas.openxmlformats.org/drawingml/2006/main" xmlns:r="http://schemas.openxmlformats.org/officeDocument/2006/relationships" xmlns:p="http://schemas.openxmlformats.org/presentationml/2006/main">
-  <p:cSld>
-    <p:spTree>
-      <p:nvGrpSpPr>
-        <p:cNvPr id="1" name=""/>
-        <p:cNvGrpSpPr/>
-        <p:nvPr/>
-      </p:nvGrpSpPr>
-      <p:grpSpPr>
-        <a:xfrm>
-          <a:off x="0" y="0"/>
-          <a:ext cx="0" cy="0"/>
-          <a:chOff x="0" y="0"/>
-          <a:chExt cx="0" cy="0"/>
-        </a:xfrm>
-      </p:grpSpPr>
-      <p:sp>
-        <p:nvSpPr>
-          <p:cNvPr id="2" name="Date Placeholder 1"/>
-          <p:cNvSpPr>
-            <a:spLocks noGrp="1"/>
-          </p:cNvSpPr>
-          <p:nvPr>
-            <p:ph type="dt" sz="half" idx="10"/>
-          </p:nvPr>
-        </p:nvSpPr>
-        <p:spPr/>
-        <p:txBody>
-          <a:bodyPr/>
-          <a:lstStyle/>
-          <a:p>
-            <a:fld id="{6700A58B-DD98-43D0-B791-721480A02982}" type="datetime1">
-              <a:rPr lang="en-US" smtClean="0"/>
-              <a:pPr/>
-              <a:t>12/30/20</a:t>
-            </a:fld>
-            <a:endParaRPr lang="en-US"/>
-          </a:p>
-        </p:txBody>
-      </p:sp>
-      <p:sp>
-        <p:nvSpPr>
-          <p:cNvPr id="3" name="Title 2"/>
-          <p:cNvSpPr>
-            <a:spLocks noGrp="1"/>
-          </p:cNvSpPr>
-          <p:nvPr>
-            <p:ph type="title"/>
-          </p:nvPr>
-        </p:nvSpPr>
-        <p:spPr/>
-        <p:txBody>
-          <a:bodyPr/>
-          <a:lstStyle/>
-          <a:p>
-            <a:r>
-              <a:rPr lang="en-US"/>
-              <a:t>What tokens are in common?</a:t>
-            </a:r>
-            <a:endParaRPr lang="en-US" dirty="0"/>
-          </a:p>
-        </p:txBody>
-      </p:sp>
-      <p:sp>
-        <p:nvSpPr>
-          <p:cNvPr id="5" name="Footer Placeholder 4"/>
-          <p:cNvSpPr>
-            <a:spLocks noGrp="1"/>
-          </p:cNvSpPr>
-          <p:nvPr>
-            <p:ph type="ftr" sz="quarter" idx="3"/>
-          </p:nvPr>
-        </p:nvSpPr>
-        <p:spPr/>
-        <p:txBody>
-          <a:bodyPr/>
-          <a:lstStyle/>
-          <a:p>
-            <a:r>
-              <a:rPr lang="en-US"/>
-              <a:t>Kwartler</a:t>
-            </a:r>
-            <a:endParaRPr lang="en-US" dirty="0"/>
-          </a:p>
-        </p:txBody>
-      </p:sp>
-      <p:sp>
-        <p:nvSpPr>
-          <p:cNvPr id="4" name="Slide Number Placeholder 3"/>
-          <p:cNvSpPr>
-            <a:spLocks noGrp="1"/>
-          </p:cNvSpPr>
-          <p:nvPr>
-            <p:ph type="sldNum" sz="quarter" idx="4"/>
-          </p:nvPr>
-        </p:nvSpPr>
-        <p:spPr/>
-        <p:txBody>
-          <a:bodyPr/>
-          <a:lstStyle/>
-          <a:p>
-            <a:fld id="{37290FF7-652B-4475-AEAB-8B1A5D23AE09}" type="slidenum">
-              <a:rPr lang="en-US" smtClean="0"/>
-              <a:pPr/>
-              <a:t>20</a:t>
+              <a:t>25</a:t>
             </a:fld>
             <a:endParaRPr lang="en-US"/>
           </a:p>
@@ -11384,7 +16655,7 @@
 </p:sld>
 </file>
 
-<file path=ppt/slides/slide21.xml><?xml version="1.0" encoding="utf-8"?>
+<file path=ppt/slides/slide26.xml><?xml version="1.0" encoding="utf-8"?>
 <p:sld xmlns:a="http://schemas.openxmlformats.org/drawingml/2006/main" xmlns:r="http://schemas.openxmlformats.org/officeDocument/2006/relationships" xmlns:p="http://schemas.openxmlformats.org/presentationml/2006/main">
   <p:cSld>
     <p:spTree>
@@ -11419,7 +16690,7 @@
             <a:fld id="{6700A58B-DD98-43D0-B791-721480A02982}" type="datetime1">
               <a:rPr lang="en-US" smtClean="0"/>
               <a:pPr/>
-              <a:t>12/30/20</a:t>
+              <a:t>1/13/21</a:t>
             </a:fld>
             <a:endParaRPr lang="en-US"/>
           </a:p>
@@ -11493,7 +16764,7 @@
             <a:fld id="{37290FF7-652B-4475-AEAB-8B1A5D23AE09}" type="slidenum">
               <a:rPr lang="en-US" smtClean="0"/>
               <a:pPr/>
-              <a:t>21</a:t>
+              <a:t>26</a:t>
             </a:fld>
             <a:endParaRPr lang="en-US"/>
           </a:p>
@@ -12262,7 +17533,7 @@
 </p:sld>
 </file>
 
-<file path=ppt/slides/slide22.xml><?xml version="1.0" encoding="utf-8"?>
+<file path=ppt/slides/slide27.xml><?xml version="1.0" encoding="utf-8"?>
 <p:sld xmlns:a="http://schemas.openxmlformats.org/drawingml/2006/main" xmlns:r="http://schemas.openxmlformats.org/officeDocument/2006/relationships" xmlns:p="http://schemas.openxmlformats.org/presentationml/2006/main">
   <p:cSld>
     <p:spTree>
@@ -12297,7 +17568,7 @@
             <a:fld id="{6700A58B-DD98-43D0-B791-721480A02982}" type="datetime1">
               <a:rPr lang="en-US" smtClean="0"/>
               <a:pPr/>
-              <a:t>12/30/20</a:t>
+              <a:t>1/13/21</a:t>
             </a:fld>
             <a:endParaRPr lang="en-US"/>
           </a:p>
@@ -12367,7 +17638,7 @@
             <a:fld id="{37290FF7-652B-4475-AEAB-8B1A5D23AE09}" type="slidenum">
               <a:rPr lang="en-US" smtClean="0"/>
               <a:pPr/>
-              <a:t>22</a:t>
+              <a:t>27</a:t>
             </a:fld>
             <a:endParaRPr lang="en-US"/>
           </a:p>
@@ -12557,7 +17828,7 @@
 </p:sld>
 </file>
 
-<file path=ppt/slides/slide23.xml><?xml version="1.0" encoding="utf-8"?>
+<file path=ppt/slides/slide28.xml><?xml version="1.0" encoding="utf-8"?>
 <p:sld xmlns:a="http://schemas.openxmlformats.org/drawingml/2006/main" xmlns:r="http://schemas.openxmlformats.org/officeDocument/2006/relationships" xmlns:p="http://schemas.openxmlformats.org/presentationml/2006/main">
   <p:cSld>
     <p:spTree>
@@ -12592,7 +17863,7 @@
             <a:fld id="{6700A58B-DD98-43D0-B791-721480A02982}" type="datetime1">
               <a:rPr lang="en-US" smtClean="0"/>
               <a:pPr/>
-              <a:t>12/30/20</a:t>
+              <a:t>1/13/21</a:t>
             </a:fld>
             <a:endParaRPr lang="en-US"/>
           </a:p>
@@ -12662,7 +17933,7 @@
             <a:fld id="{37290FF7-652B-4475-AEAB-8B1A5D23AE09}" type="slidenum">
               <a:rPr lang="en-US" smtClean="0"/>
               <a:pPr/>
-              <a:t>23</a:t>
+              <a:t>28</a:t>
             </a:fld>
             <a:endParaRPr lang="en-US"/>
           </a:p>
@@ -12858,7 +18129,7 @@
 </p:sld>
 </file>
 
-<file path=ppt/slides/slide24.xml><?xml version="1.0" encoding="utf-8"?>
+<file path=ppt/slides/slide29.xml><?xml version="1.0" encoding="utf-8"?>
 <p:sld xmlns:a="http://schemas.openxmlformats.org/drawingml/2006/main" xmlns:r="http://schemas.openxmlformats.org/officeDocument/2006/relationships" xmlns:p="http://schemas.openxmlformats.org/presentationml/2006/main">
   <p:cSld>
     <p:spTree>
@@ -12893,7 +18164,7 @@
             <a:fld id="{6700A58B-DD98-43D0-B791-721480A02982}" type="datetime1">
               <a:rPr lang="en-US" smtClean="0"/>
               <a:pPr/>
-              <a:t>12/30/20</a:t>
+              <a:t>1/13/21</a:t>
             </a:fld>
             <a:endParaRPr lang="en-US"/>
           </a:p>
@@ -12963,7 +18234,7 @@
             <a:fld id="{37290FF7-652B-4475-AEAB-8B1A5D23AE09}" type="slidenum">
               <a:rPr lang="en-US" smtClean="0"/>
               <a:pPr/>
-              <a:t>24</a:t>
+              <a:t>29</a:t>
             </a:fld>
             <a:endParaRPr lang="en-US"/>
           </a:p>
@@ -13106,7 +18377,7 @@
 </p:sld>
 </file>
 
-<file path=ppt/slides/slide25.xml><?xml version="1.0" encoding="utf-8"?>
+<file path=ppt/slides/slide3.xml><?xml version="1.0" encoding="utf-8"?>
 <p:sld xmlns:a="http://schemas.openxmlformats.org/drawingml/2006/main" xmlns:r="http://schemas.openxmlformats.org/officeDocument/2006/relationships" xmlns:p="http://schemas.openxmlformats.org/presentationml/2006/main">
   <p:cSld>
     <p:spTree>
@@ -13125,6 +18396,124 @@
       </p:grpSpPr>
       <p:sp>
         <p:nvSpPr>
+          <p:cNvPr id="11" name="Rectangle 10">
+            <a:extLst>
+              <a:ext uri="{FF2B5EF4-FFF2-40B4-BE49-F238E27FC236}">
+                <a16:creationId xmlns:a16="http://schemas.microsoft.com/office/drawing/2014/main" id="{C246B7D1-453D-487B-B491-889C15C460F6}"/>
+              </a:ext>
+            </a:extLst>
+          </p:cNvPr>
+          <p:cNvSpPr/>
+          <p:nvPr/>
+        </p:nvSpPr>
+        <p:spPr>
+          <a:xfrm>
+            <a:off x="141891" y="2025076"/>
+            <a:ext cx="8860219" cy="3582348"/>
+          </a:xfrm>
+          <a:prstGeom prst="rect">
+            <a:avLst/>
+          </a:prstGeom>
+          <a:solidFill>
+            <a:schemeClr val="bg1"/>
+          </a:solidFill>
+          <a:ln w="9525">
+            <a:solidFill>
+              <a:schemeClr val="bg2"/>
+            </a:solidFill>
+          </a:ln>
+        </p:spPr>
+        <p:style>
+          <a:lnRef idx="2">
+            <a:schemeClr val="accent1">
+              <a:shade val="50000"/>
+            </a:schemeClr>
+          </a:lnRef>
+          <a:fillRef idx="1">
+            <a:schemeClr val="accent1"/>
+          </a:fillRef>
+          <a:effectRef idx="0">
+            <a:schemeClr val="accent1"/>
+          </a:effectRef>
+          <a:fontRef idx="minor">
+            <a:schemeClr val="lt1"/>
+          </a:fontRef>
+        </p:style>
+        <p:txBody>
+          <a:bodyPr lIns="88900" tIns="88900" rIns="88900" bIns="88900" rtlCol="0" anchor="t" anchorCtr="0"/>
+          <a:lstStyle/>
+          <a:p>
+            <a:pPr defTabSz="457200"/>
+            <a:endParaRPr lang="en-US" sz="1000" dirty="0">
+              <a:solidFill>
+                <a:schemeClr val="tx2"/>
+              </a:solidFill>
+            </a:endParaRPr>
+          </a:p>
+        </p:txBody>
+      </p:sp>
+      <p:sp>
+        <p:nvSpPr>
+          <p:cNvPr id="12" name="Rectangle 11">
+            <a:extLst>
+              <a:ext uri="{FF2B5EF4-FFF2-40B4-BE49-F238E27FC236}">
+                <a16:creationId xmlns:a16="http://schemas.microsoft.com/office/drawing/2014/main" id="{2C95F845-8979-407C-9F4E-6FBCB9476B2D}"/>
+              </a:ext>
+            </a:extLst>
+          </p:cNvPr>
+          <p:cNvSpPr/>
+          <p:nvPr/>
+        </p:nvSpPr>
+        <p:spPr>
+          <a:xfrm>
+            <a:off x="141890" y="1671145"/>
+            <a:ext cx="8860220" cy="331076"/>
+          </a:xfrm>
+          <a:prstGeom prst="rect">
+            <a:avLst/>
+          </a:prstGeom>
+          <a:solidFill>
+            <a:schemeClr val="accent3"/>
+          </a:solidFill>
+          <a:ln w="9525">
+            <a:solidFill>
+              <a:schemeClr val="accent3"/>
+            </a:solidFill>
+          </a:ln>
+        </p:spPr>
+        <p:style>
+          <a:lnRef idx="2">
+            <a:schemeClr val="accent1">
+              <a:shade val="50000"/>
+            </a:schemeClr>
+          </a:lnRef>
+          <a:fillRef idx="1">
+            <a:schemeClr val="accent1"/>
+          </a:fillRef>
+          <a:effectRef idx="0">
+            <a:schemeClr val="accent1"/>
+          </a:effectRef>
+          <a:fontRef idx="minor">
+            <a:schemeClr val="lt1"/>
+          </a:fontRef>
+        </p:style>
+        <p:txBody>
+          <a:bodyPr lIns="88900" tIns="88900" rIns="88900" bIns="88900" rtlCol="0" anchor="ctr"/>
+          <a:lstStyle/>
+          <a:p>
+            <a:r>
+              <a:rPr lang="en-US" sz="1200" b="1" dirty="0">
+                <a:solidFill>
+                  <a:schemeClr val="bg1"/>
+                </a:solidFill>
+              </a:rPr>
+              <a:t>Within R</a:t>
+            </a:r>
+          </a:p>
+        </p:txBody>
+      </p:sp>
+      <p:sp>
+        <p:nvSpPr>
           <p:cNvPr id="2" name="Date Placeholder 1"/>
           <p:cNvSpPr>
             <a:spLocks noGrp="1"/>
@@ -13141,7 +18530,7 @@
             <a:fld id="{6700A58B-DD98-43D0-B791-721480A02982}" type="datetime1">
               <a:rPr lang="en-US" smtClean="0"/>
               <a:pPr/>
-              <a:t>12/30/20</a:t>
+              <a:t>1/13/21</a:t>
             </a:fld>
             <a:endParaRPr lang="en-US"/>
           </a:p>
@@ -13164,7 +18553,7 @@
           <a:p>
             <a:r>
               <a:rPr lang="en-US"/>
-              <a:t>TF-IDF Simple Example</a:t>
+              <a:t>Changing Tokenization Schema</a:t>
             </a:r>
             <a:endParaRPr lang="en-US" dirty="0"/>
           </a:p>
@@ -13211,7 +18600,618 @@
             <a:fld id="{37290FF7-652B-4475-AEAB-8B1A5D23AE09}" type="slidenum">
               <a:rPr lang="en-US" smtClean="0"/>
               <a:pPr/>
-              <a:t>25</a:t>
+              <a:t>3</a:t>
+            </a:fld>
+            <a:endParaRPr lang="en-US"/>
+          </a:p>
+        </p:txBody>
+      </p:sp>
+      <p:sp>
+        <p:nvSpPr>
+          <p:cNvPr id="13" name="TextBox 12">
+            <a:extLst>
+              <a:ext uri="{FF2B5EF4-FFF2-40B4-BE49-F238E27FC236}">
+                <a16:creationId xmlns:a16="http://schemas.microsoft.com/office/drawing/2014/main" id="{A5A3EE36-0573-4214-8E8B-E9BD628BC999}"/>
+              </a:ext>
+            </a:extLst>
+          </p:cNvPr>
+          <p:cNvSpPr txBox="1"/>
+          <p:nvPr/>
+        </p:nvSpPr>
+        <p:spPr>
+          <a:xfrm>
+            <a:off x="157656" y="1130091"/>
+            <a:ext cx="8828688" cy="340806"/>
+          </a:xfrm>
+          <a:prstGeom prst="rect">
+            <a:avLst/>
+          </a:prstGeom>
+          <a:solidFill>
+            <a:schemeClr val="accent6">
+              <a:lumMod val="60000"/>
+              <a:lumOff val="40000"/>
+            </a:schemeClr>
+          </a:solidFill>
+        </p:spPr>
+        <p:txBody>
+          <a:bodyPr wrap="square" rtlCol="0">
+            <a:spAutoFit/>
+          </a:bodyPr>
+          <a:lstStyle/>
+          <a:p>
+            <a:pPr algn="ctr" defTabSz="457200"/>
+            <a:r>
+              <a:rPr lang="en-US" sz="1600" dirty="0">
+                <a:solidFill>
+                  <a:prstClr val="white"/>
+                </a:solidFill>
+                <a:latin typeface="+mj-lt"/>
+                <a:ea typeface="Arial Unicode MS" panose="020B0604020202020204" pitchFamily="34" charset="-128"/>
+                <a:cs typeface="Arial Unicode MS" panose="020B0604020202020204" pitchFamily="34" charset="-128"/>
+              </a:rPr>
+              <a:t>First create a function defining tokenization then add as a control parameter to TDM or DTM.</a:t>
+            </a:r>
+            <a:endParaRPr lang="en-US" sz="1600" kern="1200" dirty="0">
+              <a:solidFill>
+                <a:prstClr val="white"/>
+              </a:solidFill>
+              <a:latin typeface="+mj-lt"/>
+              <a:ea typeface="Arial Unicode MS" panose="020B0604020202020204" pitchFamily="34" charset="-128"/>
+              <a:cs typeface="Arial Unicode MS" panose="020B0604020202020204" pitchFamily="34" charset="-128"/>
+            </a:endParaRPr>
+          </a:p>
+        </p:txBody>
+      </p:sp>
+      <p:sp>
+        <p:nvSpPr>
+          <p:cNvPr id="14" name="Rectangle 13">
+            <a:extLst>
+              <a:ext uri="{FF2B5EF4-FFF2-40B4-BE49-F238E27FC236}">
+                <a16:creationId xmlns:a16="http://schemas.microsoft.com/office/drawing/2014/main" id="{6C96FE2F-7E19-48CB-9942-7E78DB569A67}"/>
+              </a:ext>
+            </a:extLst>
+          </p:cNvPr>
+          <p:cNvSpPr/>
+          <p:nvPr/>
+        </p:nvSpPr>
+        <p:spPr>
+          <a:xfrm>
+            <a:off x="197069" y="2097871"/>
+            <a:ext cx="8749862" cy="738664"/>
+          </a:xfrm>
+          <a:prstGeom prst="rect">
+            <a:avLst/>
+          </a:prstGeom>
+          <a:solidFill>
+            <a:schemeClr val="bg1">
+              <a:lumMod val="85000"/>
+            </a:schemeClr>
+          </a:solidFill>
+        </p:spPr>
+        <p:txBody>
+          <a:bodyPr wrap="square">
+            <a:spAutoFit/>
+          </a:bodyPr>
+          <a:lstStyle/>
+          <a:p>
+            <a:pPr defTabSz="457200"/>
+            <a:r>
+              <a:rPr lang="en-US" sz="1400" kern="1200" dirty="0">
+                <a:solidFill>
+                  <a:prstClr val="black"/>
+                </a:solidFill>
+                <a:latin typeface="Consolas" panose="020B0609020204030204" pitchFamily="49" charset="0"/>
+                <a:ea typeface="Arial Unicode MS" panose="020B0604020202020204" pitchFamily="34" charset="-128"/>
+                <a:cs typeface="Consolas" panose="020B0609020204030204" pitchFamily="49" charset="0"/>
+              </a:rPr>
+              <a:t>#bigram token maker</a:t>
+            </a:r>
+          </a:p>
+          <a:p>
+            <a:pPr defTabSz="457200"/>
+            <a:r>
+              <a:rPr lang="en-US" sz="1400" kern="1200" dirty="0" err="1">
+                <a:solidFill>
+                  <a:prstClr val="black"/>
+                </a:solidFill>
+                <a:latin typeface="Consolas" panose="020B0609020204030204" pitchFamily="49" charset="0"/>
+                <a:ea typeface="Arial Unicode MS" panose="020B0604020202020204" pitchFamily="34" charset="-128"/>
+                <a:cs typeface="Consolas" panose="020B0609020204030204" pitchFamily="49" charset="0"/>
+              </a:rPr>
+              <a:t>bigramTokens</a:t>
+            </a:r>
+            <a:r>
+              <a:rPr lang="en-US" sz="1400" kern="1200" dirty="0">
+                <a:solidFill>
+                  <a:prstClr val="black"/>
+                </a:solidFill>
+                <a:latin typeface="Consolas" panose="020B0609020204030204" pitchFamily="49" charset="0"/>
+                <a:ea typeface="Arial Unicode MS" panose="020B0604020202020204" pitchFamily="34" charset="-128"/>
+                <a:cs typeface="Consolas" panose="020B0609020204030204" pitchFamily="49" charset="0"/>
+              </a:rPr>
+              <a:t> &lt;-function(x)</a:t>
+            </a:r>
+          </a:p>
+          <a:p>
+            <a:pPr defTabSz="457200"/>
+            <a:r>
+              <a:rPr lang="en-US" sz="1400" kern="1200" dirty="0">
+                <a:solidFill>
+                  <a:prstClr val="black"/>
+                </a:solidFill>
+                <a:latin typeface="Consolas" panose="020B0609020204030204" pitchFamily="49" charset="0"/>
+                <a:ea typeface="Arial Unicode MS" panose="020B0604020202020204" pitchFamily="34" charset="-128"/>
+                <a:cs typeface="Consolas" panose="020B0609020204030204" pitchFamily="49" charset="0"/>
+              </a:rPr>
+              <a:t>  </a:t>
+            </a:r>
+            <a:r>
+              <a:rPr lang="en-US" sz="1400" kern="1200" dirty="0" err="1">
+                <a:solidFill>
+                  <a:prstClr val="black"/>
+                </a:solidFill>
+                <a:latin typeface="Consolas" panose="020B0609020204030204" pitchFamily="49" charset="0"/>
+                <a:ea typeface="Arial Unicode MS" panose="020B0604020202020204" pitchFamily="34" charset="-128"/>
+                <a:cs typeface="Consolas" panose="020B0609020204030204" pitchFamily="49" charset="0"/>
+              </a:rPr>
+              <a:t>unlist</a:t>
+            </a:r>
+            <a:r>
+              <a:rPr lang="en-US" sz="1400" kern="1200" dirty="0">
+                <a:solidFill>
+                  <a:prstClr val="black"/>
+                </a:solidFill>
+                <a:latin typeface="Consolas" panose="020B0609020204030204" pitchFamily="49" charset="0"/>
+                <a:ea typeface="Arial Unicode MS" panose="020B0604020202020204" pitchFamily="34" charset="-128"/>
+                <a:cs typeface="Consolas" panose="020B0609020204030204" pitchFamily="49" charset="0"/>
+              </a:rPr>
+              <a:t>(</a:t>
+            </a:r>
+            <a:r>
+              <a:rPr lang="en-US" sz="1400" kern="1200" dirty="0" err="1">
+                <a:solidFill>
+                  <a:prstClr val="black"/>
+                </a:solidFill>
+                <a:latin typeface="Consolas" panose="020B0609020204030204" pitchFamily="49" charset="0"/>
+                <a:ea typeface="Arial Unicode MS" panose="020B0604020202020204" pitchFamily="34" charset="-128"/>
+                <a:cs typeface="Consolas" panose="020B0609020204030204" pitchFamily="49" charset="0"/>
+              </a:rPr>
+              <a:t>lapply</a:t>
+            </a:r>
+            <a:r>
+              <a:rPr lang="en-US" sz="1400" kern="1200" dirty="0">
+                <a:solidFill>
+                  <a:prstClr val="black"/>
+                </a:solidFill>
+                <a:latin typeface="Consolas" panose="020B0609020204030204" pitchFamily="49" charset="0"/>
+                <a:ea typeface="Arial Unicode MS" panose="020B0604020202020204" pitchFamily="34" charset="-128"/>
+                <a:cs typeface="Consolas" panose="020B0609020204030204" pitchFamily="49" charset="0"/>
+              </a:rPr>
+              <a:t>(NLP::</a:t>
+            </a:r>
+            <a:r>
+              <a:rPr lang="en-US" sz="1400" kern="1200" dirty="0" err="1">
+                <a:solidFill>
+                  <a:prstClr val="black"/>
+                </a:solidFill>
+                <a:latin typeface="Consolas" panose="020B0609020204030204" pitchFamily="49" charset="0"/>
+                <a:ea typeface="Arial Unicode MS" panose="020B0604020202020204" pitchFamily="34" charset="-128"/>
+                <a:cs typeface="Consolas" panose="020B0609020204030204" pitchFamily="49" charset="0"/>
+              </a:rPr>
+              <a:t>ngrams</a:t>
+            </a:r>
+            <a:r>
+              <a:rPr lang="en-US" sz="1400" kern="1200" dirty="0">
+                <a:solidFill>
+                  <a:prstClr val="black"/>
+                </a:solidFill>
+                <a:latin typeface="Consolas" panose="020B0609020204030204" pitchFamily="49" charset="0"/>
+                <a:ea typeface="Arial Unicode MS" panose="020B0604020202020204" pitchFamily="34" charset="-128"/>
+                <a:cs typeface="Consolas" panose="020B0609020204030204" pitchFamily="49" charset="0"/>
+              </a:rPr>
+              <a:t>(words(x), 2), paste, collapse = " "), </a:t>
+            </a:r>
+            <a:r>
+              <a:rPr lang="en-US" sz="1400" kern="1200" dirty="0" err="1">
+                <a:solidFill>
+                  <a:prstClr val="black"/>
+                </a:solidFill>
+                <a:latin typeface="Consolas" panose="020B0609020204030204" pitchFamily="49" charset="0"/>
+                <a:ea typeface="Arial Unicode MS" panose="020B0604020202020204" pitchFamily="34" charset="-128"/>
+                <a:cs typeface="Consolas" panose="020B0609020204030204" pitchFamily="49" charset="0"/>
+              </a:rPr>
+              <a:t>use.names</a:t>
+            </a:r>
+            <a:r>
+              <a:rPr lang="en-US" sz="1400" kern="1200" dirty="0">
+                <a:solidFill>
+                  <a:prstClr val="black"/>
+                </a:solidFill>
+                <a:latin typeface="Consolas" panose="020B0609020204030204" pitchFamily="49" charset="0"/>
+                <a:ea typeface="Arial Unicode MS" panose="020B0604020202020204" pitchFamily="34" charset="-128"/>
+                <a:cs typeface="Consolas" panose="020B0609020204030204" pitchFamily="49" charset="0"/>
+              </a:rPr>
+              <a:t> = FALSE)</a:t>
+            </a:r>
+          </a:p>
+        </p:txBody>
+      </p:sp>
+      <p:sp>
+        <p:nvSpPr>
+          <p:cNvPr id="15" name="Rectangle 14">
+            <a:extLst>
+              <a:ext uri="{FF2B5EF4-FFF2-40B4-BE49-F238E27FC236}">
+                <a16:creationId xmlns:a16="http://schemas.microsoft.com/office/drawing/2014/main" id="{2527D424-4DA2-4B6A-970C-CF74FF337084}"/>
+              </a:ext>
+            </a:extLst>
+          </p:cNvPr>
+          <p:cNvSpPr/>
+          <p:nvPr/>
+        </p:nvSpPr>
+        <p:spPr>
+          <a:xfrm>
+            <a:off x="197069" y="2946446"/>
+            <a:ext cx="7017252" cy="307777"/>
+          </a:xfrm>
+          <a:prstGeom prst="rect">
+            <a:avLst/>
+          </a:prstGeom>
+          <a:solidFill>
+            <a:schemeClr val="bg1">
+              <a:lumMod val="85000"/>
+            </a:schemeClr>
+          </a:solidFill>
+        </p:spPr>
+        <p:txBody>
+          <a:bodyPr wrap="square">
+            <a:spAutoFit/>
+          </a:bodyPr>
+          <a:lstStyle/>
+          <a:p>
+            <a:pPr defTabSz="457200"/>
+            <a:r>
+              <a:rPr lang="en-US" sz="1200" kern="1200" dirty="0" err="1">
+                <a:solidFill>
+                  <a:prstClr val="black"/>
+                </a:solidFill>
+                <a:latin typeface="Consolas" panose="020B0609020204030204" pitchFamily="49" charset="0"/>
+                <a:ea typeface="Arial Unicode MS" panose="020B0604020202020204" pitchFamily="34" charset="-128"/>
+                <a:cs typeface="Consolas" panose="020B0609020204030204" pitchFamily="49" charset="0"/>
+              </a:rPr>
+              <a:t>wineTDM</a:t>
+            </a:r>
+            <a:r>
+              <a:rPr lang="en-US" sz="1200" kern="1200" dirty="0">
+                <a:solidFill>
+                  <a:prstClr val="black"/>
+                </a:solidFill>
+                <a:latin typeface="Consolas" panose="020B0609020204030204" pitchFamily="49" charset="0"/>
+                <a:ea typeface="Arial Unicode MS" panose="020B0604020202020204" pitchFamily="34" charset="-128"/>
+                <a:cs typeface="Consolas" panose="020B0609020204030204" pitchFamily="49" charset="0"/>
+              </a:rPr>
+              <a:t>&lt;-</a:t>
+            </a:r>
+            <a:r>
+              <a:rPr lang="en-US" sz="1400" kern="1200" dirty="0" err="1">
+                <a:solidFill>
+                  <a:prstClr val="black"/>
+                </a:solidFill>
+                <a:latin typeface="Consolas" panose="020B0609020204030204" pitchFamily="49" charset="0"/>
+                <a:ea typeface="Arial Unicode MS" panose="020B0604020202020204" pitchFamily="34" charset="-128"/>
+                <a:cs typeface="Consolas" panose="020B0609020204030204" pitchFamily="49" charset="0"/>
+              </a:rPr>
+              <a:t>TermDocumentMatrix</a:t>
+            </a:r>
+            <a:r>
+              <a:rPr lang="en-US" sz="1400" kern="1200" dirty="0">
+                <a:solidFill>
+                  <a:prstClr val="black"/>
+                </a:solidFill>
+                <a:latin typeface="Consolas" panose="020B0609020204030204" pitchFamily="49" charset="0"/>
+                <a:ea typeface="Arial Unicode MS" panose="020B0604020202020204" pitchFamily="34" charset="-128"/>
+                <a:cs typeface="Consolas" panose="020B0609020204030204" pitchFamily="49" charset="0"/>
+              </a:rPr>
+              <a:t>(</a:t>
+            </a:r>
+            <a:r>
+              <a:rPr lang="en-US" sz="1400" kern="1200" dirty="0" err="1">
+                <a:solidFill>
+                  <a:prstClr val="black"/>
+                </a:solidFill>
+                <a:latin typeface="Consolas" panose="020B0609020204030204" pitchFamily="49" charset="0"/>
+                <a:ea typeface="Arial Unicode MS" panose="020B0604020202020204" pitchFamily="34" charset="-128"/>
+                <a:cs typeface="Consolas" panose="020B0609020204030204" pitchFamily="49" charset="0"/>
+              </a:rPr>
+              <a:t>txtCorpus</a:t>
+            </a:r>
+            <a:r>
+              <a:rPr lang="en-US" sz="1200" kern="1200" dirty="0">
+                <a:solidFill>
+                  <a:prstClr val="black"/>
+                </a:solidFill>
+                <a:latin typeface="Consolas" panose="020B0609020204030204" pitchFamily="49" charset="0"/>
+                <a:ea typeface="Arial Unicode MS" panose="020B0604020202020204" pitchFamily="34" charset="-128"/>
+                <a:cs typeface="Consolas" panose="020B0609020204030204" pitchFamily="49" charset="0"/>
+              </a:rPr>
+              <a:t>, control=list(tokenize=</a:t>
+            </a:r>
+            <a:r>
+              <a:rPr lang="en-US" sz="1200" kern="1200" dirty="0" err="1">
+                <a:solidFill>
+                  <a:prstClr val="black"/>
+                </a:solidFill>
+                <a:latin typeface="Consolas" panose="020B0609020204030204" pitchFamily="49" charset="0"/>
+                <a:ea typeface="Arial Unicode MS" panose="020B0604020202020204" pitchFamily="34" charset="-128"/>
+                <a:cs typeface="Consolas" panose="020B0609020204030204" pitchFamily="49" charset="0"/>
+              </a:rPr>
+              <a:t>bigramTokens</a:t>
+            </a:r>
+            <a:r>
+              <a:rPr lang="en-US" sz="1200" kern="1200" dirty="0">
+                <a:solidFill>
+                  <a:prstClr val="black"/>
+                </a:solidFill>
+                <a:latin typeface="Consolas" panose="020B0609020204030204" pitchFamily="49" charset="0"/>
+                <a:ea typeface="Arial Unicode MS" panose="020B0604020202020204" pitchFamily="34" charset="-128"/>
+                <a:cs typeface="Consolas" panose="020B0609020204030204" pitchFamily="49" charset="0"/>
+              </a:rPr>
+              <a:t>))</a:t>
+            </a:r>
+          </a:p>
+        </p:txBody>
+      </p:sp>
+      <p:pic>
+        <p:nvPicPr>
+          <p:cNvPr id="16" name="Picture 2" descr="Image result for NLP  meme">
+            <a:extLst>
+              <a:ext uri="{FF2B5EF4-FFF2-40B4-BE49-F238E27FC236}">
+                <a16:creationId xmlns:a16="http://schemas.microsoft.com/office/drawing/2014/main" id="{8F8F3932-9559-4796-94CE-420F11DB60DE}"/>
+              </a:ext>
+            </a:extLst>
+          </p:cNvPr>
+          <p:cNvPicPr>
+            <a:picLocks noChangeAspect="1" noChangeArrowheads="1"/>
+          </p:cNvPicPr>
+          <p:nvPr/>
+        </p:nvPicPr>
+        <p:blipFill>
+          <a:blip r:embed="rId2">
+            <a:extLst>
+              <a:ext uri="{28A0092B-C50C-407E-A947-70E740481C1C}">
+                <a14:useLocalDpi xmlns:a14="http://schemas.microsoft.com/office/drawing/2010/main" val="0"/>
+              </a:ext>
+            </a:extLst>
+          </a:blip>
+          <a:srcRect/>
+          <a:stretch>
+            <a:fillRect/>
+          </a:stretch>
+        </p:blipFill>
+        <p:spPr bwMode="auto">
+          <a:xfrm>
+            <a:off x="3452854" y="3334794"/>
+            <a:ext cx="2238292" cy="2227293"/>
+          </a:xfrm>
+          <a:prstGeom prst="rect">
+            <a:avLst/>
+          </a:prstGeom>
+          <a:noFill/>
+          <a:extLst>
+            <a:ext uri="{909E8E84-426E-40DD-AFC4-6F175D3DCCD1}">
+              <a14:hiddenFill xmlns:a14="http://schemas.microsoft.com/office/drawing/2010/main">
+                <a:solidFill>
+                  <a:srgbClr val="FFFFFF"/>
+                </a:solidFill>
+              </a14:hiddenFill>
+            </a:ext>
+          </a:extLst>
+        </p:spPr>
+      </p:pic>
+      <p:cxnSp>
+        <p:nvCxnSpPr>
+          <p:cNvPr id="17" name="Straight Connector 16">
+            <a:extLst>
+              <a:ext uri="{FF2B5EF4-FFF2-40B4-BE49-F238E27FC236}">
+                <a16:creationId xmlns:a16="http://schemas.microsoft.com/office/drawing/2014/main" id="{90F168D2-8199-6044-8A07-31ED6B366506}"/>
+              </a:ext>
+            </a:extLst>
+          </p:cNvPr>
+          <p:cNvCxnSpPr/>
+          <p:nvPr/>
+        </p:nvCxnSpPr>
+        <p:spPr>
+          <a:xfrm>
+            <a:off x="6798363" y="6549885"/>
+            <a:ext cx="0" cy="182880"/>
+          </a:xfrm>
+          <a:prstGeom prst="line">
+            <a:avLst/>
+          </a:prstGeom>
+          <a:ln>
+            <a:solidFill>
+              <a:schemeClr val="bg1">
+                <a:lumMod val="85000"/>
+              </a:schemeClr>
+            </a:solidFill>
+          </a:ln>
+        </p:spPr>
+        <p:style>
+          <a:lnRef idx="1">
+            <a:schemeClr val="accent1"/>
+          </a:lnRef>
+          <a:fillRef idx="0">
+            <a:schemeClr val="accent1"/>
+          </a:fillRef>
+          <a:effectRef idx="0">
+            <a:schemeClr val="accent1"/>
+          </a:effectRef>
+          <a:fontRef idx="minor">
+            <a:schemeClr val="tx1"/>
+          </a:fontRef>
+        </p:style>
+      </p:cxnSp>
+      <p:cxnSp>
+        <p:nvCxnSpPr>
+          <p:cNvPr id="18" name="Straight Connector 17">
+            <a:extLst>
+              <a:ext uri="{FF2B5EF4-FFF2-40B4-BE49-F238E27FC236}">
+                <a16:creationId xmlns:a16="http://schemas.microsoft.com/office/drawing/2014/main" id="{9C654BCF-9273-FE4D-AC9D-804EC4BE03D9}"/>
+              </a:ext>
+            </a:extLst>
+          </p:cNvPr>
+          <p:cNvCxnSpPr/>
+          <p:nvPr/>
+        </p:nvCxnSpPr>
+        <p:spPr>
+          <a:xfrm>
+            <a:off x="7076661" y="4664763"/>
+            <a:ext cx="182880" cy="0"/>
+          </a:xfrm>
+          <a:prstGeom prst="line">
+            <a:avLst/>
+          </a:prstGeom>
+          <a:ln>
+            <a:solidFill>
+              <a:schemeClr val="bg1">
+                <a:lumMod val="85000"/>
+              </a:schemeClr>
+            </a:solidFill>
+          </a:ln>
+        </p:spPr>
+        <p:style>
+          <a:lnRef idx="1">
+            <a:schemeClr val="accent1"/>
+          </a:lnRef>
+          <a:fillRef idx="0">
+            <a:schemeClr val="accent1"/>
+          </a:fillRef>
+          <a:effectRef idx="0">
+            <a:schemeClr val="accent1"/>
+          </a:effectRef>
+          <a:fontRef idx="minor">
+            <a:schemeClr val="tx1"/>
+          </a:fontRef>
+        </p:style>
+      </p:cxnSp>
+    </p:spTree>
+    <p:extLst>
+      <p:ext uri="{BB962C8B-B14F-4D97-AF65-F5344CB8AC3E}">
+        <p14:creationId xmlns:p14="http://schemas.microsoft.com/office/powerpoint/2010/main" val="2195443379"/>
+      </p:ext>
+    </p:extLst>
+  </p:cSld>
+  <p:clrMapOvr>
+    <a:masterClrMapping/>
+  </p:clrMapOvr>
+</p:sld>
+</file>
+
+<file path=ppt/slides/slide30.xml><?xml version="1.0" encoding="utf-8"?>
+<p:sld xmlns:a="http://schemas.openxmlformats.org/drawingml/2006/main" xmlns:r="http://schemas.openxmlformats.org/officeDocument/2006/relationships" xmlns:p="http://schemas.openxmlformats.org/presentationml/2006/main">
+  <p:cSld>
+    <p:spTree>
+      <p:nvGrpSpPr>
+        <p:cNvPr id="1" name=""/>
+        <p:cNvGrpSpPr/>
+        <p:nvPr/>
+      </p:nvGrpSpPr>
+      <p:grpSpPr>
+        <a:xfrm>
+          <a:off x="0" y="0"/>
+          <a:ext cx="0" cy="0"/>
+          <a:chOff x="0" y="0"/>
+          <a:chExt cx="0" cy="0"/>
+        </a:xfrm>
+      </p:grpSpPr>
+      <p:sp>
+        <p:nvSpPr>
+          <p:cNvPr id="2" name="Date Placeholder 1"/>
+          <p:cNvSpPr>
+            <a:spLocks noGrp="1"/>
+          </p:cNvSpPr>
+          <p:nvPr>
+            <p:ph type="dt" sz="half" idx="10"/>
+          </p:nvPr>
+        </p:nvSpPr>
+        <p:spPr/>
+        <p:txBody>
+          <a:bodyPr/>
+          <a:lstStyle/>
+          <a:p>
+            <a:fld id="{6700A58B-DD98-43D0-B791-721480A02982}" type="datetime1">
+              <a:rPr lang="en-US" smtClean="0"/>
+              <a:pPr/>
+              <a:t>1/13/21</a:t>
+            </a:fld>
+            <a:endParaRPr lang="en-US"/>
+          </a:p>
+        </p:txBody>
+      </p:sp>
+      <p:sp>
+        <p:nvSpPr>
+          <p:cNvPr id="3" name="Title 2"/>
+          <p:cNvSpPr>
+            <a:spLocks noGrp="1"/>
+          </p:cNvSpPr>
+          <p:nvPr>
+            <p:ph type="title"/>
+          </p:nvPr>
+        </p:nvSpPr>
+        <p:spPr/>
+        <p:txBody>
+          <a:bodyPr/>
+          <a:lstStyle/>
+          <a:p>
+            <a:r>
+              <a:rPr lang="en-US"/>
+              <a:t>TF-IDF Simple Example</a:t>
+            </a:r>
+            <a:endParaRPr lang="en-US" dirty="0"/>
+          </a:p>
+        </p:txBody>
+      </p:sp>
+      <p:sp>
+        <p:nvSpPr>
+          <p:cNvPr id="5" name="Footer Placeholder 4"/>
+          <p:cNvSpPr>
+            <a:spLocks noGrp="1"/>
+          </p:cNvSpPr>
+          <p:nvPr>
+            <p:ph type="ftr" sz="quarter" idx="3"/>
+          </p:nvPr>
+        </p:nvSpPr>
+        <p:spPr/>
+        <p:txBody>
+          <a:bodyPr/>
+          <a:lstStyle/>
+          <a:p>
+            <a:r>
+              <a:rPr lang="en-US"/>
+              <a:t>Kwartler</a:t>
+            </a:r>
+            <a:endParaRPr lang="en-US" dirty="0"/>
+          </a:p>
+        </p:txBody>
+      </p:sp>
+      <p:sp>
+        <p:nvSpPr>
+          <p:cNvPr id="4" name="Slide Number Placeholder 3"/>
+          <p:cNvSpPr>
+            <a:spLocks noGrp="1"/>
+          </p:cNvSpPr>
+          <p:nvPr>
+            <p:ph type="sldNum" sz="quarter" idx="4"/>
+          </p:nvPr>
+        </p:nvSpPr>
+        <p:spPr/>
+        <p:txBody>
+          <a:bodyPr/>
+          <a:lstStyle/>
+          <a:p>
+            <a:fld id="{37290FF7-652B-4475-AEAB-8B1A5D23AE09}" type="slidenum">
+              <a:rPr lang="en-US" smtClean="0"/>
+              <a:pPr/>
+              <a:t>30</a:t>
             </a:fld>
             <a:endParaRPr lang="en-US"/>
           </a:p>
@@ -13767,7 +19767,7 @@
 </p:sld>
 </file>
 
-<file path=ppt/slides/slide26.xml><?xml version="1.0" encoding="utf-8"?>
+<file path=ppt/slides/slide31.xml><?xml version="1.0" encoding="utf-8"?>
 <p:sld xmlns:a="http://schemas.openxmlformats.org/drawingml/2006/main" xmlns:r="http://schemas.openxmlformats.org/officeDocument/2006/relationships" xmlns:p="http://schemas.openxmlformats.org/presentationml/2006/main">
   <p:cSld>
     <p:spTree>
@@ -13802,7 +19802,7 @@
             <a:fld id="{6700A58B-DD98-43D0-B791-721480A02982}" type="datetime1">
               <a:rPr lang="en-US" smtClean="0"/>
               <a:pPr/>
-              <a:t>12/30/20</a:t>
+              <a:t>1/13/21</a:t>
             </a:fld>
             <a:endParaRPr lang="en-US"/>
           </a:p>
@@ -13872,7 +19872,7 @@
             <a:fld id="{37290FF7-652B-4475-AEAB-8B1A5D23AE09}" type="slidenum">
               <a:rPr lang="en-US" smtClean="0"/>
               <a:pPr/>
-              <a:t>26</a:t>
+              <a:t>31</a:t>
             </a:fld>
             <a:endParaRPr lang="en-US"/>
           </a:p>
@@ -14381,7 +20381,7 @@
 </p:sld>
 </file>
 
-<file path=ppt/slides/slide27.xml><?xml version="1.0" encoding="utf-8"?>
+<file path=ppt/slides/slide32.xml><?xml version="1.0" encoding="utf-8"?>
 <p:sld xmlns:a="http://schemas.openxmlformats.org/drawingml/2006/main" xmlns:r="http://schemas.openxmlformats.org/officeDocument/2006/relationships" xmlns:p="http://schemas.openxmlformats.org/presentationml/2006/main">
   <p:cSld>
     <p:spTree>
@@ -14416,7 +20416,7 @@
             <a:fld id="{6700A58B-DD98-43D0-B791-721480A02982}" type="datetime1">
               <a:rPr lang="en-US" smtClean="0"/>
               <a:pPr/>
-              <a:t>12/30/20</a:t>
+              <a:t>1/13/21</a:t>
             </a:fld>
             <a:endParaRPr lang="en-US"/>
           </a:p>
@@ -14486,7 +20486,7 @@
             <a:fld id="{37290FF7-652B-4475-AEAB-8B1A5D23AE09}" type="slidenum">
               <a:rPr lang="en-US" smtClean="0"/>
               <a:pPr/>
-              <a:t>27</a:t>
+              <a:t>32</a:t>
             </a:fld>
             <a:endParaRPr lang="en-US"/>
           </a:p>
@@ -15170,7 +21170,7 @@
 </p:sld>
 </file>
 
-<file path=ppt/slides/slide28.xml><?xml version="1.0" encoding="utf-8"?>
+<file path=ppt/slides/slide33.xml><?xml version="1.0" encoding="utf-8"?>
 <p:sld xmlns:a="http://schemas.openxmlformats.org/drawingml/2006/main" xmlns:r="http://schemas.openxmlformats.org/officeDocument/2006/relationships" xmlns:p="http://schemas.openxmlformats.org/presentationml/2006/main">
   <p:cSld>
     <p:spTree>
@@ -15205,7 +21205,7 @@
             <a:fld id="{6700A58B-DD98-43D0-B791-721480A02982}" type="datetime1">
               <a:rPr lang="en-US" smtClean="0"/>
               <a:pPr/>
-              <a:t>12/30/20</a:t>
+              <a:t>1/13/21</a:t>
             </a:fld>
             <a:endParaRPr lang="en-US"/>
           </a:p>
@@ -15274,7 +21274,7 @@
             <a:fld id="{37290FF7-652B-4475-AEAB-8B1A5D23AE09}" type="slidenum">
               <a:rPr lang="en-US" smtClean="0"/>
               <a:pPr/>
-              <a:t>28</a:t>
+              <a:t>33</a:t>
             </a:fld>
             <a:endParaRPr lang="en-US"/>
           </a:p>
@@ -15800,7 +21800,7 @@
 </p:sld>
 </file>
 
-<file path=ppt/slides/slide29.xml><?xml version="1.0" encoding="utf-8"?>
+<file path=ppt/slides/slide34.xml><?xml version="1.0" encoding="utf-8"?>
 <p:sld xmlns:a="http://schemas.openxmlformats.org/drawingml/2006/main" xmlns:r="http://schemas.openxmlformats.org/officeDocument/2006/relationships" xmlns:p="http://schemas.openxmlformats.org/presentationml/2006/main">
   <p:cSld>
     <p:spTree>
@@ -15835,7 +21835,7 @@
             <a:fld id="{6700A58B-DD98-43D0-B791-721480A02982}" type="datetime1">
               <a:rPr lang="en-US" smtClean="0"/>
               <a:pPr/>
-              <a:t>12/30/20</a:t>
+              <a:t>1/13/21</a:t>
             </a:fld>
             <a:endParaRPr lang="en-US"/>
           </a:p>
@@ -15905,7 +21905,7 @@
             <a:fld id="{37290FF7-652B-4475-AEAB-8B1A5D23AE09}" type="slidenum">
               <a:rPr lang="en-US" smtClean="0"/>
               <a:pPr/>
-              <a:t>29</a:t>
+              <a:t>34</a:t>
             </a:fld>
             <a:endParaRPr lang="en-US"/>
           </a:p>
@@ -16031,735 +22031,6 @@
     <p:extLst>
       <p:ext uri="{BB962C8B-B14F-4D97-AF65-F5344CB8AC3E}">
         <p14:creationId xmlns:p14="http://schemas.microsoft.com/office/powerpoint/2010/main" val="3633659175"/>
-      </p:ext>
-    </p:extLst>
-  </p:cSld>
-  <p:clrMapOvr>
-    <a:masterClrMapping/>
-  </p:clrMapOvr>
-</p:sld>
-</file>
-
-<file path=ppt/slides/slide3.xml><?xml version="1.0" encoding="utf-8"?>
-<p:sld xmlns:a="http://schemas.openxmlformats.org/drawingml/2006/main" xmlns:r="http://schemas.openxmlformats.org/officeDocument/2006/relationships" xmlns:p="http://schemas.openxmlformats.org/presentationml/2006/main">
-  <p:cSld>
-    <p:spTree>
-      <p:nvGrpSpPr>
-        <p:cNvPr id="1" name=""/>
-        <p:cNvGrpSpPr/>
-        <p:nvPr/>
-      </p:nvGrpSpPr>
-      <p:grpSpPr>
-        <a:xfrm>
-          <a:off x="0" y="0"/>
-          <a:ext cx="0" cy="0"/>
-          <a:chOff x="0" y="0"/>
-          <a:chExt cx="0" cy="0"/>
-        </a:xfrm>
-      </p:grpSpPr>
-      <p:sp>
-        <p:nvSpPr>
-          <p:cNvPr id="11" name="Rectangle 10">
-            <a:extLst>
-              <a:ext uri="{FF2B5EF4-FFF2-40B4-BE49-F238E27FC236}">
-                <a16:creationId xmlns:a16="http://schemas.microsoft.com/office/drawing/2014/main" id="{C246B7D1-453D-487B-B491-889C15C460F6}"/>
-              </a:ext>
-            </a:extLst>
-          </p:cNvPr>
-          <p:cNvSpPr/>
-          <p:nvPr/>
-        </p:nvSpPr>
-        <p:spPr>
-          <a:xfrm>
-            <a:off x="141891" y="2025076"/>
-            <a:ext cx="8860219" cy="3582348"/>
-          </a:xfrm>
-          <a:prstGeom prst="rect">
-            <a:avLst/>
-          </a:prstGeom>
-          <a:solidFill>
-            <a:schemeClr val="bg1"/>
-          </a:solidFill>
-          <a:ln w="9525">
-            <a:solidFill>
-              <a:schemeClr val="bg2"/>
-            </a:solidFill>
-          </a:ln>
-        </p:spPr>
-        <p:style>
-          <a:lnRef idx="2">
-            <a:schemeClr val="accent1">
-              <a:shade val="50000"/>
-            </a:schemeClr>
-          </a:lnRef>
-          <a:fillRef idx="1">
-            <a:schemeClr val="accent1"/>
-          </a:fillRef>
-          <a:effectRef idx="0">
-            <a:schemeClr val="accent1"/>
-          </a:effectRef>
-          <a:fontRef idx="minor">
-            <a:schemeClr val="lt1"/>
-          </a:fontRef>
-        </p:style>
-        <p:txBody>
-          <a:bodyPr lIns="88900" tIns="88900" rIns="88900" bIns="88900" rtlCol="0" anchor="t" anchorCtr="0"/>
-          <a:lstStyle/>
-          <a:p>
-            <a:pPr defTabSz="457200"/>
-            <a:endParaRPr lang="en-US" sz="1000" dirty="0">
-              <a:solidFill>
-                <a:schemeClr val="tx2"/>
-              </a:solidFill>
-            </a:endParaRPr>
-          </a:p>
-        </p:txBody>
-      </p:sp>
-      <p:sp>
-        <p:nvSpPr>
-          <p:cNvPr id="12" name="Rectangle 11">
-            <a:extLst>
-              <a:ext uri="{FF2B5EF4-FFF2-40B4-BE49-F238E27FC236}">
-                <a16:creationId xmlns:a16="http://schemas.microsoft.com/office/drawing/2014/main" id="{2C95F845-8979-407C-9F4E-6FBCB9476B2D}"/>
-              </a:ext>
-            </a:extLst>
-          </p:cNvPr>
-          <p:cNvSpPr/>
-          <p:nvPr/>
-        </p:nvSpPr>
-        <p:spPr>
-          <a:xfrm>
-            <a:off x="141890" y="1671145"/>
-            <a:ext cx="8860220" cy="331076"/>
-          </a:xfrm>
-          <a:prstGeom prst="rect">
-            <a:avLst/>
-          </a:prstGeom>
-          <a:solidFill>
-            <a:schemeClr val="accent3"/>
-          </a:solidFill>
-          <a:ln w="9525">
-            <a:solidFill>
-              <a:schemeClr val="accent3"/>
-            </a:solidFill>
-          </a:ln>
-        </p:spPr>
-        <p:style>
-          <a:lnRef idx="2">
-            <a:schemeClr val="accent1">
-              <a:shade val="50000"/>
-            </a:schemeClr>
-          </a:lnRef>
-          <a:fillRef idx="1">
-            <a:schemeClr val="accent1"/>
-          </a:fillRef>
-          <a:effectRef idx="0">
-            <a:schemeClr val="accent1"/>
-          </a:effectRef>
-          <a:fontRef idx="minor">
-            <a:schemeClr val="lt1"/>
-          </a:fontRef>
-        </p:style>
-        <p:txBody>
-          <a:bodyPr lIns="88900" tIns="88900" rIns="88900" bIns="88900" rtlCol="0" anchor="ctr"/>
-          <a:lstStyle/>
-          <a:p>
-            <a:r>
-              <a:rPr lang="en-US" sz="1200" b="1" dirty="0">
-                <a:solidFill>
-                  <a:schemeClr val="bg1"/>
-                </a:solidFill>
-              </a:rPr>
-              <a:t>Within R</a:t>
-            </a:r>
-          </a:p>
-        </p:txBody>
-      </p:sp>
-      <p:sp>
-        <p:nvSpPr>
-          <p:cNvPr id="2" name="Date Placeholder 1"/>
-          <p:cNvSpPr>
-            <a:spLocks noGrp="1"/>
-          </p:cNvSpPr>
-          <p:nvPr>
-            <p:ph type="dt" sz="half" idx="10"/>
-          </p:nvPr>
-        </p:nvSpPr>
-        <p:spPr/>
-        <p:txBody>
-          <a:bodyPr/>
-          <a:lstStyle/>
-          <a:p>
-            <a:fld id="{6700A58B-DD98-43D0-B791-721480A02982}" type="datetime1">
-              <a:rPr lang="en-US" smtClean="0"/>
-              <a:pPr/>
-              <a:t>12/30/20</a:t>
-            </a:fld>
-            <a:endParaRPr lang="en-US"/>
-          </a:p>
-        </p:txBody>
-      </p:sp>
-      <p:sp>
-        <p:nvSpPr>
-          <p:cNvPr id="3" name="Title 2"/>
-          <p:cNvSpPr>
-            <a:spLocks noGrp="1"/>
-          </p:cNvSpPr>
-          <p:nvPr>
-            <p:ph type="title"/>
-          </p:nvPr>
-        </p:nvSpPr>
-        <p:spPr/>
-        <p:txBody>
-          <a:bodyPr/>
-          <a:lstStyle/>
-          <a:p>
-            <a:r>
-              <a:rPr lang="en-US"/>
-              <a:t>Changing Tokenization Schema</a:t>
-            </a:r>
-            <a:endParaRPr lang="en-US" dirty="0"/>
-          </a:p>
-        </p:txBody>
-      </p:sp>
-      <p:sp>
-        <p:nvSpPr>
-          <p:cNvPr id="5" name="Footer Placeholder 4"/>
-          <p:cNvSpPr>
-            <a:spLocks noGrp="1"/>
-          </p:cNvSpPr>
-          <p:nvPr>
-            <p:ph type="ftr" sz="quarter" idx="3"/>
-          </p:nvPr>
-        </p:nvSpPr>
-        <p:spPr/>
-        <p:txBody>
-          <a:bodyPr/>
-          <a:lstStyle/>
-          <a:p>
-            <a:r>
-              <a:rPr lang="en-US"/>
-              <a:t>Kwartler</a:t>
-            </a:r>
-            <a:endParaRPr lang="en-US" dirty="0"/>
-          </a:p>
-        </p:txBody>
-      </p:sp>
-      <p:sp>
-        <p:nvSpPr>
-          <p:cNvPr id="4" name="Slide Number Placeholder 3"/>
-          <p:cNvSpPr>
-            <a:spLocks noGrp="1"/>
-          </p:cNvSpPr>
-          <p:nvPr>
-            <p:ph type="sldNum" sz="quarter" idx="4"/>
-          </p:nvPr>
-        </p:nvSpPr>
-        <p:spPr/>
-        <p:txBody>
-          <a:bodyPr/>
-          <a:lstStyle/>
-          <a:p>
-            <a:fld id="{37290FF7-652B-4475-AEAB-8B1A5D23AE09}" type="slidenum">
-              <a:rPr lang="en-US" smtClean="0"/>
-              <a:pPr/>
-              <a:t>3</a:t>
-            </a:fld>
-            <a:endParaRPr lang="en-US"/>
-          </a:p>
-        </p:txBody>
-      </p:sp>
-      <p:sp>
-        <p:nvSpPr>
-          <p:cNvPr id="13" name="TextBox 12">
-            <a:extLst>
-              <a:ext uri="{FF2B5EF4-FFF2-40B4-BE49-F238E27FC236}">
-                <a16:creationId xmlns:a16="http://schemas.microsoft.com/office/drawing/2014/main" id="{A5A3EE36-0573-4214-8E8B-E9BD628BC999}"/>
-              </a:ext>
-            </a:extLst>
-          </p:cNvPr>
-          <p:cNvSpPr txBox="1"/>
-          <p:nvPr/>
-        </p:nvSpPr>
-        <p:spPr>
-          <a:xfrm>
-            <a:off x="157656" y="1130091"/>
-            <a:ext cx="8828688" cy="340806"/>
-          </a:xfrm>
-          <a:prstGeom prst="rect">
-            <a:avLst/>
-          </a:prstGeom>
-          <a:solidFill>
-            <a:schemeClr val="accent6">
-              <a:lumMod val="60000"/>
-              <a:lumOff val="40000"/>
-            </a:schemeClr>
-          </a:solidFill>
-        </p:spPr>
-        <p:txBody>
-          <a:bodyPr wrap="square" rtlCol="0">
-            <a:spAutoFit/>
-          </a:bodyPr>
-          <a:lstStyle/>
-          <a:p>
-            <a:pPr algn="ctr" defTabSz="457200"/>
-            <a:r>
-              <a:rPr lang="en-US" sz="1600" dirty="0">
-                <a:solidFill>
-                  <a:prstClr val="white"/>
-                </a:solidFill>
-                <a:latin typeface="+mj-lt"/>
-                <a:ea typeface="Arial Unicode MS" panose="020B0604020202020204" pitchFamily="34" charset="-128"/>
-                <a:cs typeface="Arial Unicode MS" panose="020B0604020202020204" pitchFamily="34" charset="-128"/>
-              </a:rPr>
-              <a:t>First create a function defining tokenization then add as a control parameter to TDM or DTM.</a:t>
-            </a:r>
-            <a:endParaRPr lang="en-US" sz="1600" kern="1200" dirty="0">
-              <a:solidFill>
-                <a:prstClr val="white"/>
-              </a:solidFill>
-              <a:latin typeface="+mj-lt"/>
-              <a:ea typeface="Arial Unicode MS" panose="020B0604020202020204" pitchFamily="34" charset="-128"/>
-              <a:cs typeface="Arial Unicode MS" panose="020B0604020202020204" pitchFamily="34" charset="-128"/>
-            </a:endParaRPr>
-          </a:p>
-        </p:txBody>
-      </p:sp>
-      <p:sp>
-        <p:nvSpPr>
-          <p:cNvPr id="14" name="Rectangle 13">
-            <a:extLst>
-              <a:ext uri="{FF2B5EF4-FFF2-40B4-BE49-F238E27FC236}">
-                <a16:creationId xmlns:a16="http://schemas.microsoft.com/office/drawing/2014/main" id="{6C96FE2F-7E19-48CB-9942-7E78DB569A67}"/>
-              </a:ext>
-            </a:extLst>
-          </p:cNvPr>
-          <p:cNvSpPr/>
-          <p:nvPr/>
-        </p:nvSpPr>
-        <p:spPr>
-          <a:xfrm>
-            <a:off x="197069" y="2097871"/>
-            <a:ext cx="8749862" cy="738664"/>
-          </a:xfrm>
-          <a:prstGeom prst="rect">
-            <a:avLst/>
-          </a:prstGeom>
-          <a:solidFill>
-            <a:schemeClr val="bg1">
-              <a:lumMod val="85000"/>
-            </a:schemeClr>
-          </a:solidFill>
-        </p:spPr>
-        <p:txBody>
-          <a:bodyPr wrap="square">
-            <a:spAutoFit/>
-          </a:bodyPr>
-          <a:lstStyle/>
-          <a:p>
-            <a:pPr defTabSz="457200"/>
-            <a:r>
-              <a:rPr lang="en-US" sz="1400" kern="1200" dirty="0">
-                <a:solidFill>
-                  <a:prstClr val="black"/>
-                </a:solidFill>
-                <a:latin typeface="Consolas" panose="020B0609020204030204" pitchFamily="49" charset="0"/>
-                <a:ea typeface="Arial Unicode MS" panose="020B0604020202020204" pitchFamily="34" charset="-128"/>
-                <a:cs typeface="Consolas" panose="020B0609020204030204" pitchFamily="49" charset="0"/>
-              </a:rPr>
-              <a:t>#bigram token maker</a:t>
-            </a:r>
-          </a:p>
-          <a:p>
-            <a:pPr defTabSz="457200"/>
-            <a:r>
-              <a:rPr lang="en-US" sz="1400" kern="1200" dirty="0" err="1">
-                <a:solidFill>
-                  <a:prstClr val="black"/>
-                </a:solidFill>
-                <a:latin typeface="Consolas" panose="020B0609020204030204" pitchFamily="49" charset="0"/>
-                <a:ea typeface="Arial Unicode MS" panose="020B0604020202020204" pitchFamily="34" charset="-128"/>
-                <a:cs typeface="Consolas" panose="020B0609020204030204" pitchFamily="49" charset="0"/>
-              </a:rPr>
-              <a:t>bigramTokens</a:t>
-            </a:r>
-            <a:r>
-              <a:rPr lang="en-US" sz="1400" kern="1200" dirty="0">
-                <a:solidFill>
-                  <a:prstClr val="black"/>
-                </a:solidFill>
-                <a:latin typeface="Consolas" panose="020B0609020204030204" pitchFamily="49" charset="0"/>
-                <a:ea typeface="Arial Unicode MS" panose="020B0604020202020204" pitchFamily="34" charset="-128"/>
-                <a:cs typeface="Consolas" panose="020B0609020204030204" pitchFamily="49" charset="0"/>
-              </a:rPr>
-              <a:t> &lt;-function(x)</a:t>
-            </a:r>
-          </a:p>
-          <a:p>
-            <a:pPr defTabSz="457200"/>
-            <a:r>
-              <a:rPr lang="en-US" sz="1400" kern="1200" dirty="0">
-                <a:solidFill>
-                  <a:prstClr val="black"/>
-                </a:solidFill>
-                <a:latin typeface="Consolas" panose="020B0609020204030204" pitchFamily="49" charset="0"/>
-                <a:ea typeface="Arial Unicode MS" panose="020B0604020202020204" pitchFamily="34" charset="-128"/>
-                <a:cs typeface="Consolas" panose="020B0609020204030204" pitchFamily="49" charset="0"/>
-              </a:rPr>
-              <a:t>  </a:t>
-            </a:r>
-            <a:r>
-              <a:rPr lang="en-US" sz="1400" kern="1200" dirty="0" err="1">
-                <a:solidFill>
-                  <a:prstClr val="black"/>
-                </a:solidFill>
-                <a:latin typeface="Consolas" panose="020B0609020204030204" pitchFamily="49" charset="0"/>
-                <a:ea typeface="Arial Unicode MS" panose="020B0604020202020204" pitchFamily="34" charset="-128"/>
-                <a:cs typeface="Consolas" panose="020B0609020204030204" pitchFamily="49" charset="0"/>
-              </a:rPr>
-              <a:t>unlist</a:t>
-            </a:r>
-            <a:r>
-              <a:rPr lang="en-US" sz="1400" kern="1200" dirty="0">
-                <a:solidFill>
-                  <a:prstClr val="black"/>
-                </a:solidFill>
-                <a:latin typeface="Consolas" panose="020B0609020204030204" pitchFamily="49" charset="0"/>
-                <a:ea typeface="Arial Unicode MS" panose="020B0604020202020204" pitchFamily="34" charset="-128"/>
-                <a:cs typeface="Consolas" panose="020B0609020204030204" pitchFamily="49" charset="0"/>
-              </a:rPr>
-              <a:t>(</a:t>
-            </a:r>
-            <a:r>
-              <a:rPr lang="en-US" sz="1400" kern="1200" dirty="0" err="1">
-                <a:solidFill>
-                  <a:prstClr val="black"/>
-                </a:solidFill>
-                <a:latin typeface="Consolas" panose="020B0609020204030204" pitchFamily="49" charset="0"/>
-                <a:ea typeface="Arial Unicode MS" panose="020B0604020202020204" pitchFamily="34" charset="-128"/>
-                <a:cs typeface="Consolas" panose="020B0609020204030204" pitchFamily="49" charset="0"/>
-              </a:rPr>
-              <a:t>lapply</a:t>
-            </a:r>
-            <a:r>
-              <a:rPr lang="en-US" sz="1400" kern="1200" dirty="0">
-                <a:solidFill>
-                  <a:prstClr val="black"/>
-                </a:solidFill>
-                <a:latin typeface="Consolas" panose="020B0609020204030204" pitchFamily="49" charset="0"/>
-                <a:ea typeface="Arial Unicode MS" panose="020B0604020202020204" pitchFamily="34" charset="-128"/>
-                <a:cs typeface="Consolas" panose="020B0609020204030204" pitchFamily="49" charset="0"/>
-              </a:rPr>
-              <a:t>(NLP::</a:t>
-            </a:r>
-            <a:r>
-              <a:rPr lang="en-US" sz="1400" kern="1200" dirty="0" err="1">
-                <a:solidFill>
-                  <a:prstClr val="black"/>
-                </a:solidFill>
-                <a:latin typeface="Consolas" panose="020B0609020204030204" pitchFamily="49" charset="0"/>
-                <a:ea typeface="Arial Unicode MS" panose="020B0604020202020204" pitchFamily="34" charset="-128"/>
-                <a:cs typeface="Consolas" panose="020B0609020204030204" pitchFamily="49" charset="0"/>
-              </a:rPr>
-              <a:t>ngrams</a:t>
-            </a:r>
-            <a:r>
-              <a:rPr lang="en-US" sz="1400" kern="1200" dirty="0">
-                <a:solidFill>
-                  <a:prstClr val="black"/>
-                </a:solidFill>
-                <a:latin typeface="Consolas" panose="020B0609020204030204" pitchFamily="49" charset="0"/>
-                <a:ea typeface="Arial Unicode MS" panose="020B0604020202020204" pitchFamily="34" charset="-128"/>
-                <a:cs typeface="Consolas" panose="020B0609020204030204" pitchFamily="49" charset="0"/>
-              </a:rPr>
-              <a:t>(words(x), 2), paste, collapse = " "), </a:t>
-            </a:r>
-            <a:r>
-              <a:rPr lang="en-US" sz="1400" kern="1200" dirty="0" err="1">
-                <a:solidFill>
-                  <a:prstClr val="black"/>
-                </a:solidFill>
-                <a:latin typeface="Consolas" panose="020B0609020204030204" pitchFamily="49" charset="0"/>
-                <a:ea typeface="Arial Unicode MS" panose="020B0604020202020204" pitchFamily="34" charset="-128"/>
-                <a:cs typeface="Consolas" panose="020B0609020204030204" pitchFamily="49" charset="0"/>
-              </a:rPr>
-              <a:t>use.names</a:t>
-            </a:r>
-            <a:r>
-              <a:rPr lang="en-US" sz="1400" kern="1200" dirty="0">
-                <a:solidFill>
-                  <a:prstClr val="black"/>
-                </a:solidFill>
-                <a:latin typeface="Consolas" panose="020B0609020204030204" pitchFamily="49" charset="0"/>
-                <a:ea typeface="Arial Unicode MS" panose="020B0604020202020204" pitchFamily="34" charset="-128"/>
-                <a:cs typeface="Consolas" panose="020B0609020204030204" pitchFamily="49" charset="0"/>
-              </a:rPr>
-              <a:t> = FALSE)</a:t>
-            </a:r>
-          </a:p>
-        </p:txBody>
-      </p:sp>
-      <p:sp>
-        <p:nvSpPr>
-          <p:cNvPr id="15" name="Rectangle 14">
-            <a:extLst>
-              <a:ext uri="{FF2B5EF4-FFF2-40B4-BE49-F238E27FC236}">
-                <a16:creationId xmlns:a16="http://schemas.microsoft.com/office/drawing/2014/main" id="{2527D424-4DA2-4B6A-970C-CF74FF337084}"/>
-              </a:ext>
-            </a:extLst>
-          </p:cNvPr>
-          <p:cNvSpPr/>
-          <p:nvPr/>
-        </p:nvSpPr>
-        <p:spPr>
-          <a:xfrm>
-            <a:off x="197069" y="2946446"/>
-            <a:ext cx="7017252" cy="307777"/>
-          </a:xfrm>
-          <a:prstGeom prst="rect">
-            <a:avLst/>
-          </a:prstGeom>
-          <a:solidFill>
-            <a:schemeClr val="bg1">
-              <a:lumMod val="85000"/>
-            </a:schemeClr>
-          </a:solidFill>
-        </p:spPr>
-        <p:txBody>
-          <a:bodyPr wrap="square">
-            <a:spAutoFit/>
-          </a:bodyPr>
-          <a:lstStyle/>
-          <a:p>
-            <a:pPr defTabSz="457200"/>
-            <a:r>
-              <a:rPr lang="en-US" sz="1200" kern="1200" dirty="0" err="1">
-                <a:solidFill>
-                  <a:prstClr val="black"/>
-                </a:solidFill>
-                <a:latin typeface="Consolas" panose="020B0609020204030204" pitchFamily="49" charset="0"/>
-                <a:ea typeface="Arial Unicode MS" panose="020B0604020202020204" pitchFamily="34" charset="-128"/>
-                <a:cs typeface="Consolas" panose="020B0609020204030204" pitchFamily="49" charset="0"/>
-              </a:rPr>
-              <a:t>wineTDM</a:t>
-            </a:r>
-            <a:r>
-              <a:rPr lang="en-US" sz="1200" kern="1200" dirty="0">
-                <a:solidFill>
-                  <a:prstClr val="black"/>
-                </a:solidFill>
-                <a:latin typeface="Consolas" panose="020B0609020204030204" pitchFamily="49" charset="0"/>
-                <a:ea typeface="Arial Unicode MS" panose="020B0604020202020204" pitchFamily="34" charset="-128"/>
-                <a:cs typeface="Consolas" panose="020B0609020204030204" pitchFamily="49" charset="0"/>
-              </a:rPr>
-              <a:t>&lt;-</a:t>
-            </a:r>
-            <a:r>
-              <a:rPr lang="en-US" sz="1400" kern="1200" dirty="0" err="1">
-                <a:solidFill>
-                  <a:prstClr val="black"/>
-                </a:solidFill>
-                <a:latin typeface="Consolas" panose="020B0609020204030204" pitchFamily="49" charset="0"/>
-                <a:ea typeface="Arial Unicode MS" panose="020B0604020202020204" pitchFamily="34" charset="-128"/>
-                <a:cs typeface="Consolas" panose="020B0609020204030204" pitchFamily="49" charset="0"/>
-              </a:rPr>
-              <a:t>TermDocumentMatrix</a:t>
-            </a:r>
-            <a:r>
-              <a:rPr lang="en-US" sz="1400" kern="1200" dirty="0">
-                <a:solidFill>
-                  <a:prstClr val="black"/>
-                </a:solidFill>
-                <a:latin typeface="Consolas" panose="020B0609020204030204" pitchFamily="49" charset="0"/>
-                <a:ea typeface="Arial Unicode MS" panose="020B0604020202020204" pitchFamily="34" charset="-128"/>
-                <a:cs typeface="Consolas" panose="020B0609020204030204" pitchFamily="49" charset="0"/>
-              </a:rPr>
-              <a:t>(</a:t>
-            </a:r>
-            <a:r>
-              <a:rPr lang="en-US" sz="1400" kern="1200" dirty="0" err="1">
-                <a:solidFill>
-                  <a:prstClr val="black"/>
-                </a:solidFill>
-                <a:latin typeface="Consolas" panose="020B0609020204030204" pitchFamily="49" charset="0"/>
-                <a:ea typeface="Arial Unicode MS" panose="020B0604020202020204" pitchFamily="34" charset="-128"/>
-                <a:cs typeface="Consolas" panose="020B0609020204030204" pitchFamily="49" charset="0"/>
-              </a:rPr>
-              <a:t>txtCorpus</a:t>
-            </a:r>
-            <a:r>
-              <a:rPr lang="en-US" sz="1200" kern="1200" dirty="0">
-                <a:solidFill>
-                  <a:prstClr val="black"/>
-                </a:solidFill>
-                <a:latin typeface="Consolas" panose="020B0609020204030204" pitchFamily="49" charset="0"/>
-                <a:ea typeface="Arial Unicode MS" panose="020B0604020202020204" pitchFamily="34" charset="-128"/>
-                <a:cs typeface="Consolas" panose="020B0609020204030204" pitchFamily="49" charset="0"/>
-              </a:rPr>
-              <a:t>, control=list(tokenize=</a:t>
-            </a:r>
-            <a:r>
-              <a:rPr lang="en-US" sz="1200" kern="1200" dirty="0" err="1">
-                <a:solidFill>
-                  <a:prstClr val="black"/>
-                </a:solidFill>
-                <a:latin typeface="Consolas" panose="020B0609020204030204" pitchFamily="49" charset="0"/>
-                <a:ea typeface="Arial Unicode MS" panose="020B0604020202020204" pitchFamily="34" charset="-128"/>
-                <a:cs typeface="Consolas" panose="020B0609020204030204" pitchFamily="49" charset="0"/>
-              </a:rPr>
-              <a:t>bigramTokens</a:t>
-            </a:r>
-            <a:r>
-              <a:rPr lang="en-US" sz="1200" kern="1200" dirty="0">
-                <a:solidFill>
-                  <a:prstClr val="black"/>
-                </a:solidFill>
-                <a:latin typeface="Consolas" panose="020B0609020204030204" pitchFamily="49" charset="0"/>
-                <a:ea typeface="Arial Unicode MS" panose="020B0604020202020204" pitchFamily="34" charset="-128"/>
-                <a:cs typeface="Consolas" panose="020B0609020204030204" pitchFamily="49" charset="0"/>
-              </a:rPr>
-              <a:t>))</a:t>
-            </a:r>
-          </a:p>
-        </p:txBody>
-      </p:sp>
-      <p:pic>
-        <p:nvPicPr>
-          <p:cNvPr id="16" name="Picture 2" descr="Image result for NLP  meme">
-            <a:extLst>
-              <a:ext uri="{FF2B5EF4-FFF2-40B4-BE49-F238E27FC236}">
-                <a16:creationId xmlns:a16="http://schemas.microsoft.com/office/drawing/2014/main" id="{8F8F3932-9559-4796-94CE-420F11DB60DE}"/>
-              </a:ext>
-            </a:extLst>
-          </p:cNvPr>
-          <p:cNvPicPr>
-            <a:picLocks noChangeAspect="1" noChangeArrowheads="1"/>
-          </p:cNvPicPr>
-          <p:nvPr/>
-        </p:nvPicPr>
-        <p:blipFill>
-          <a:blip r:embed="rId2">
-            <a:extLst>
-              <a:ext uri="{28A0092B-C50C-407E-A947-70E740481C1C}">
-                <a14:useLocalDpi xmlns:a14="http://schemas.microsoft.com/office/drawing/2010/main" val="0"/>
-              </a:ext>
-            </a:extLst>
-          </a:blip>
-          <a:srcRect/>
-          <a:stretch>
-            <a:fillRect/>
-          </a:stretch>
-        </p:blipFill>
-        <p:spPr bwMode="auto">
-          <a:xfrm>
-            <a:off x="3452854" y="3334794"/>
-            <a:ext cx="2238292" cy="2227293"/>
-          </a:xfrm>
-          <a:prstGeom prst="rect">
-            <a:avLst/>
-          </a:prstGeom>
-          <a:noFill/>
-          <a:extLst>
-            <a:ext uri="{909E8E84-426E-40DD-AFC4-6F175D3DCCD1}">
-              <a14:hiddenFill xmlns:a14="http://schemas.microsoft.com/office/drawing/2010/main">
-                <a:solidFill>
-                  <a:srgbClr val="FFFFFF"/>
-                </a:solidFill>
-              </a14:hiddenFill>
-            </a:ext>
-          </a:extLst>
-        </p:spPr>
-      </p:pic>
-      <p:cxnSp>
-        <p:nvCxnSpPr>
-          <p:cNvPr id="17" name="Straight Connector 16">
-            <a:extLst>
-              <a:ext uri="{FF2B5EF4-FFF2-40B4-BE49-F238E27FC236}">
-                <a16:creationId xmlns:a16="http://schemas.microsoft.com/office/drawing/2014/main" id="{90F168D2-8199-6044-8A07-31ED6B366506}"/>
-              </a:ext>
-            </a:extLst>
-          </p:cNvPr>
-          <p:cNvCxnSpPr/>
-          <p:nvPr/>
-        </p:nvCxnSpPr>
-        <p:spPr>
-          <a:xfrm>
-            <a:off x="6798363" y="6549885"/>
-            <a:ext cx="0" cy="182880"/>
-          </a:xfrm>
-          <a:prstGeom prst="line">
-            <a:avLst/>
-          </a:prstGeom>
-          <a:ln>
-            <a:solidFill>
-              <a:schemeClr val="bg1">
-                <a:lumMod val="85000"/>
-              </a:schemeClr>
-            </a:solidFill>
-          </a:ln>
-        </p:spPr>
-        <p:style>
-          <a:lnRef idx="1">
-            <a:schemeClr val="accent1"/>
-          </a:lnRef>
-          <a:fillRef idx="0">
-            <a:schemeClr val="accent1"/>
-          </a:fillRef>
-          <a:effectRef idx="0">
-            <a:schemeClr val="accent1"/>
-          </a:effectRef>
-          <a:fontRef idx="minor">
-            <a:schemeClr val="tx1"/>
-          </a:fontRef>
-        </p:style>
-      </p:cxnSp>
-      <p:cxnSp>
-        <p:nvCxnSpPr>
-          <p:cNvPr id="18" name="Straight Connector 17">
-            <a:extLst>
-              <a:ext uri="{FF2B5EF4-FFF2-40B4-BE49-F238E27FC236}">
-                <a16:creationId xmlns:a16="http://schemas.microsoft.com/office/drawing/2014/main" id="{9C654BCF-9273-FE4D-AC9D-804EC4BE03D9}"/>
-              </a:ext>
-            </a:extLst>
-          </p:cNvPr>
-          <p:cNvCxnSpPr/>
-          <p:nvPr/>
-        </p:nvCxnSpPr>
-        <p:spPr>
-          <a:xfrm>
-            <a:off x="7076661" y="4664763"/>
-            <a:ext cx="182880" cy="0"/>
-          </a:xfrm>
-          <a:prstGeom prst="line">
-            <a:avLst/>
-          </a:prstGeom>
-          <a:ln>
-            <a:solidFill>
-              <a:schemeClr val="bg1">
-                <a:lumMod val="85000"/>
-              </a:schemeClr>
-            </a:solidFill>
-          </a:ln>
-        </p:spPr>
-        <p:style>
-          <a:lnRef idx="1">
-            <a:schemeClr val="accent1"/>
-          </a:lnRef>
-          <a:fillRef idx="0">
-            <a:schemeClr val="accent1"/>
-          </a:fillRef>
-          <a:effectRef idx="0">
-            <a:schemeClr val="accent1"/>
-          </a:effectRef>
-          <a:fontRef idx="minor">
-            <a:schemeClr val="tx1"/>
-          </a:fontRef>
-        </p:style>
-      </p:cxnSp>
-    </p:spTree>
-    <p:extLst>
-      <p:ext uri="{BB962C8B-B14F-4D97-AF65-F5344CB8AC3E}">
-        <p14:creationId xmlns:p14="http://schemas.microsoft.com/office/powerpoint/2010/main" val="2195443379"/>
       </p:ext>
     </p:extLst>
   </p:cSld>
@@ -16922,7 +22193,7 @@
             <a:fld id="{6700A58B-DD98-43D0-B791-721480A02982}" type="datetime1">
               <a:rPr lang="en-US" smtClean="0"/>
               <a:pPr/>
-              <a:t>12/30/20</a:t>
+              <a:t>1/13/21</a:t>
             </a:fld>
             <a:endParaRPr lang="en-US"/>
           </a:p>
@@ -19911,7 +25182,7 @@
             <a:fld id="{6700A58B-DD98-43D0-B791-721480A02982}" type="datetime1">
               <a:rPr lang="en-US" smtClean="0"/>
               <a:pPr/>
-              <a:t>12/30/20</a:t>
+              <a:t>1/13/21</a:t>
             </a:fld>
             <a:endParaRPr lang="en-US"/>
           </a:p>
@@ -20804,7 +26075,7 @@
             <a:fld id="{6700A58B-DD98-43D0-B791-721480A02982}" type="datetime1">
               <a:rPr lang="en-US" smtClean="0"/>
               <a:pPr/>
-              <a:t>12/30/20</a:t>
+              <a:t>1/13/21</a:t>
             </a:fld>
             <a:endParaRPr lang="en-US"/>
           </a:p>
@@ -21922,7 +27193,7 @@
             <a:fld id="{6700A58B-DD98-43D0-B791-721480A02982}" type="datetime1">
               <a:rPr lang="en-US" smtClean="0"/>
               <a:pPr/>
-              <a:t>12/30/20</a:t>
+              <a:t>1/13/21</a:t>
             </a:fld>
             <a:endParaRPr lang="en-US"/>
           </a:p>
@@ -22315,7 +27586,7 @@
             <a:fld id="{6700A58B-DD98-43D0-B791-721480A02982}" type="datetime1">
               <a:rPr lang="en-US" smtClean="0"/>
               <a:pPr/>
-              <a:t>12/30/20</a:t>
+              <a:t>1/13/21</a:t>
             </a:fld>
             <a:endParaRPr lang="en-US"/>
           </a:p>
@@ -22717,7 +27988,7 @@
           <a:p>
             <a:fld id="{6700A58B-DD98-43D0-B791-721480A02982}" type="datetime1">
               <a:rPr lang="en-US" smtClean="0"/>
-              <a:t>12/30/20</a:t>
+              <a:t>1/13/21</a:t>
             </a:fld>
             <a:endParaRPr lang="en-US"/>
           </a:p>

--- a/lessons/class3/Class3C_wordclouds.pptx
+++ b/lessons/class3/Class3C_wordclouds.pptx
@@ -247,7 +247,7 @@
           <a:p>
             <a:fld id="{B0C0A60C-850A-4EA4-9C14-A8FE98B94505}" type="datetimeFigureOut">
               <a:rPr lang="en-US" smtClean="0"/>
-              <a:t>1/13/21</a:t>
+              <a:t>2/25/21</a:t>
             </a:fld>
             <a:endParaRPr lang="en-US"/>
           </a:p>
@@ -742,7 +742,7 @@
           <a:p>
             <a:fld id="{5738B90E-0779-4C36-915C-6F05FCD89456}" type="datetime1">
               <a:rPr lang="en-US" smtClean="0"/>
-              <a:t>1/13/21</a:t>
+              <a:t>2/25/21</a:t>
             </a:fld>
             <a:endParaRPr lang="en-US"/>
           </a:p>
@@ -939,7 +939,7 @@
           <a:p>
             <a:fld id="{7B9EA29D-D431-42FE-B7B6-AAE4454C77D3}" type="datetime1">
               <a:rPr lang="en-US" smtClean="0"/>
-              <a:t>1/13/21</a:t>
+              <a:t>2/25/21</a:t>
             </a:fld>
             <a:endParaRPr lang="en-US"/>
           </a:p>
@@ -1294,7 +1294,7 @@
           <a:p>
             <a:fld id="{690D8A1E-EA8F-46C1-B891-AE0C00D9C314}" type="datetime1">
               <a:rPr lang="en-US" smtClean="0"/>
-              <a:t>1/13/21</a:t>
+              <a:t>2/25/21</a:t>
             </a:fld>
             <a:endParaRPr lang="en-US"/>
           </a:p>
@@ -1602,7 +1602,7 @@
           <a:p>
             <a:fld id="{D753EFC8-4232-4598-94F6-94C0EBAFC469}" type="datetime1">
               <a:rPr lang="en-US" smtClean="0"/>
-              <a:t>1/13/21</a:t>
+              <a:t>2/25/21</a:t>
             </a:fld>
             <a:endParaRPr lang="en-US"/>
           </a:p>
@@ -1931,7 +1931,7 @@
           <a:p>
             <a:fld id="{F3161074-1C18-4AE7-957D-F18524378C85}" type="datetime1">
               <a:rPr lang="en-US" smtClean="0"/>
-              <a:t>1/13/21</a:t>
+              <a:t>2/25/21</a:t>
             </a:fld>
             <a:endParaRPr lang="en-US"/>
           </a:p>
@@ -2184,7 +2184,7 @@
           <a:p>
             <a:fld id="{69BE256C-8D9A-4404-B47D-41A1AE514425}" type="datetime1">
               <a:rPr lang="en-US" smtClean="0"/>
-              <a:t>1/13/21</a:t>
+              <a:t>2/25/21</a:t>
             </a:fld>
             <a:endParaRPr lang="en-US"/>
           </a:p>
@@ -2632,7 +2632,7 @@
           <a:p>
             <a:fld id="{66CB2154-9035-4012-8189-BAAB61C5A5EE}" type="datetime1">
               <a:rPr lang="en-US" smtClean="0"/>
-              <a:t>1/13/21</a:t>
+              <a:t>2/25/21</a:t>
             </a:fld>
             <a:endParaRPr lang="en-US"/>
           </a:p>
@@ -2820,7 +2820,7 @@
           <a:p>
             <a:fld id="{6700A58B-DD98-43D0-B791-721480A02982}" type="datetime1">
               <a:rPr lang="en-US" smtClean="0"/>
-              <a:t>1/13/21</a:t>
+              <a:t>2/25/21</a:t>
             </a:fld>
             <a:endParaRPr lang="en-US"/>
           </a:p>
@@ -3026,7 +3026,7 @@
           <a:p>
             <a:fld id="{7DB6E382-4F61-4E24-BE1A-377EC83D0E3A}" type="datetime1">
               <a:rPr lang="en-US" smtClean="0"/>
-              <a:t>1/13/21</a:t>
+              <a:t>2/25/21</a:t>
             </a:fld>
             <a:endParaRPr lang="en-US"/>
           </a:p>
@@ -3432,7 +3432,7 @@
           <a:p>
             <a:fld id="{4142EED6-FC16-45B9-B8C4-2BC5DBA88325}" type="datetime1">
               <a:rPr lang="en-US" smtClean="0"/>
-              <a:t>1/13/21</a:t>
+              <a:t>2/25/21</a:t>
             </a:fld>
             <a:endParaRPr lang="en-US"/>
           </a:p>
@@ -3764,7 +3764,7 @@
           <a:p>
             <a:fld id="{DF59512B-4F1D-43D7-8819-2F53FEF69650}" type="datetime1">
               <a:rPr lang="en-US" smtClean="0"/>
-              <a:t>1/13/21</a:t>
+              <a:t>2/25/21</a:t>
             </a:fld>
             <a:endParaRPr lang="en-US"/>
           </a:p>
@@ -4054,7 +4054,7 @@
           <a:p>
             <a:fld id="{08437B94-E2BF-44DC-ADC5-B05FC9934E9D}" type="datetime1">
               <a:rPr lang="en-US" smtClean="0"/>
-              <a:t>1/13/21</a:t>
+              <a:t>2/25/21</a:t>
             </a:fld>
             <a:endParaRPr lang="en-US"/>
           </a:p>
@@ -4488,7 +4488,7 @@
             <a:fld id="{6700A58B-DD98-43D0-B791-721480A02982}" type="datetime1">
               <a:rPr lang="en-US" smtClean="0"/>
               <a:pPr/>
-              <a:t>1/13/21</a:t>
+              <a:t>2/25/21</a:t>
             </a:fld>
             <a:endParaRPr lang="en-US"/>
           </a:p>
@@ -4789,7 +4789,7 @@
           <a:p>
             <a:fld id="{6700A58B-DD98-43D0-B791-721480A02982}" type="datetime1">
               <a:rPr lang="en-US" smtClean="0"/>
-              <a:t>1/13/21</a:t>
+              <a:t>2/25/21</a:t>
             </a:fld>
             <a:endParaRPr lang="en-US"/>
           </a:p>
@@ -5229,7 +5229,7 @@
           <a:p>
             <a:fld id="{6700A58B-DD98-43D0-B791-721480A02982}" type="datetime1">
               <a:rPr lang="en-US" smtClean="0"/>
-              <a:t>1/13/21</a:t>
+              <a:t>2/25/21</a:t>
             </a:fld>
             <a:endParaRPr lang="en-US"/>
           </a:p>
@@ -5700,7 +5700,7 @@
           <a:p>
             <a:fld id="{6700A58B-DD98-43D0-B791-721480A02982}" type="datetime1">
               <a:rPr lang="en-US" smtClean="0"/>
-              <a:t>1/13/21</a:t>
+              <a:t>2/25/21</a:t>
             </a:fld>
             <a:endParaRPr lang="en-US"/>
           </a:p>
@@ -5963,7 +5963,7 @@
             <a:fld id="{6700A58B-DD98-43D0-B791-721480A02982}" type="datetime1">
               <a:rPr lang="en-US" smtClean="0"/>
               <a:pPr/>
-              <a:t>1/13/21</a:t>
+              <a:t>2/25/21</a:t>
             </a:fld>
             <a:endParaRPr lang="en-US"/>
           </a:p>
@@ -6399,7 +6399,7 @@
             <a:fld id="{6700A58B-DD98-43D0-B791-721480A02982}" type="datetime1">
               <a:rPr lang="en-US" smtClean="0"/>
               <a:pPr/>
-              <a:t>1/13/21</a:t>
+              <a:t>2/25/21</a:t>
             </a:fld>
             <a:endParaRPr lang="en-US"/>
           </a:p>
@@ -7145,7 +7145,7 @@
 </file>
 
 <file path=ppt/slides/slide15.xml><?xml version="1.0" encoding="utf-8"?>
-<p:sld xmlns:a="http://schemas.openxmlformats.org/drawingml/2006/main" xmlns:r="http://schemas.openxmlformats.org/officeDocument/2006/relationships" xmlns:p="http://schemas.openxmlformats.org/presentationml/2006/main" show="0">
+<p:sld xmlns:a="http://schemas.openxmlformats.org/drawingml/2006/main" xmlns:r="http://schemas.openxmlformats.org/officeDocument/2006/relationships" xmlns:p="http://schemas.openxmlformats.org/presentationml/2006/main">
   <p:cSld>
     <p:spTree>
       <p:nvGrpSpPr>
@@ -7179,7 +7179,7 @@
             <a:fld id="{6700A58B-DD98-43D0-B791-721480A02982}" type="datetime1">
               <a:rPr lang="en-US" smtClean="0"/>
               <a:pPr/>
-              <a:t>1/13/21</a:t>
+              <a:t>2/25/21</a:t>
             </a:fld>
             <a:endParaRPr lang="en-US"/>
           </a:p>
@@ -7888,7 +7888,7 @@
 </file>
 
 <file path=ppt/slides/slide16.xml><?xml version="1.0" encoding="utf-8"?>
-<p:sld xmlns:a="http://schemas.openxmlformats.org/drawingml/2006/main" xmlns:r="http://schemas.openxmlformats.org/officeDocument/2006/relationships" xmlns:p="http://schemas.openxmlformats.org/presentationml/2006/main">
+<p:sld xmlns:a="http://schemas.openxmlformats.org/drawingml/2006/main" xmlns:r="http://schemas.openxmlformats.org/officeDocument/2006/relationships" xmlns:p="http://schemas.openxmlformats.org/presentationml/2006/main" show="0">
   <p:cSld>
     <p:spTree>
       <p:nvGrpSpPr>
@@ -7922,7 +7922,7 @@
             <a:fld id="{6700A58B-DD98-43D0-B791-721480A02982}" type="datetime1">
               <a:rPr lang="en-US" smtClean="0"/>
               <a:pPr/>
-              <a:t>1/13/21</a:t>
+              <a:t>2/25/21</a:t>
             </a:fld>
             <a:endParaRPr lang="en-US"/>
           </a:p>
@@ -8482,7 +8482,7 @@
 </file>
 
 <file path=ppt/slides/slide17.xml><?xml version="1.0" encoding="utf-8"?>
-<p:sld xmlns:a="http://schemas.openxmlformats.org/drawingml/2006/main" xmlns:r="http://schemas.openxmlformats.org/officeDocument/2006/relationships" xmlns:p="http://schemas.openxmlformats.org/presentationml/2006/main">
+<p:sld xmlns:a="http://schemas.openxmlformats.org/drawingml/2006/main" xmlns:r="http://schemas.openxmlformats.org/officeDocument/2006/relationships" xmlns:p="http://schemas.openxmlformats.org/presentationml/2006/main" show="0">
   <p:cSld>
     <p:spTree>
       <p:nvGrpSpPr>
@@ -8521,7 +8521,7 @@
           <a:p>
             <a:fld id="{6700A58B-DD98-43D0-B791-721480A02982}" type="datetime1">
               <a:rPr lang="en-US" smtClean="0"/>
-              <a:t>1/13/21</a:t>
+              <a:t>2/25/21</a:t>
             </a:fld>
             <a:endParaRPr lang="en-US"/>
           </a:p>
@@ -9077,7 +9077,7 @@
 </file>
 
 <file path=ppt/slides/slide18.xml><?xml version="1.0" encoding="utf-8"?>
-<p:sld xmlns:a="http://schemas.openxmlformats.org/drawingml/2006/main" xmlns:r="http://schemas.openxmlformats.org/officeDocument/2006/relationships" xmlns:p="http://schemas.openxmlformats.org/presentationml/2006/main">
+<p:sld xmlns:a="http://schemas.openxmlformats.org/drawingml/2006/main" xmlns:r="http://schemas.openxmlformats.org/officeDocument/2006/relationships" xmlns:p="http://schemas.openxmlformats.org/presentationml/2006/main" show="0">
   <p:cSld>
     <p:spTree>
       <p:nvGrpSpPr>
@@ -9116,7 +9116,7 @@
           <a:p>
             <a:fld id="{6700A58B-DD98-43D0-B791-721480A02982}" type="datetime1">
               <a:rPr lang="en-US" smtClean="0"/>
-              <a:t>1/13/21</a:t>
+              <a:t>2/25/21</a:t>
             </a:fld>
             <a:endParaRPr lang="en-US"/>
           </a:p>
@@ -10768,7 +10768,7 @@
 </file>
 
 <file path=ppt/slides/slide19.xml><?xml version="1.0" encoding="utf-8"?>
-<p:sld xmlns:a="http://schemas.openxmlformats.org/drawingml/2006/main" xmlns:r="http://schemas.openxmlformats.org/officeDocument/2006/relationships" xmlns:p="http://schemas.openxmlformats.org/presentationml/2006/main">
+<p:sld xmlns:a="http://schemas.openxmlformats.org/drawingml/2006/main" xmlns:r="http://schemas.openxmlformats.org/officeDocument/2006/relationships" xmlns:p="http://schemas.openxmlformats.org/presentationml/2006/main" show="0">
   <p:cSld>
     <p:spTree>
       <p:nvGrpSpPr>
@@ -10807,7 +10807,7 @@
           <a:p>
             <a:fld id="{6700A58B-DD98-43D0-B791-721480A02982}" type="datetime1">
               <a:rPr lang="en-US" smtClean="0"/>
-              <a:t>1/13/21</a:t>
+              <a:t>2/25/21</a:t>
             </a:fld>
             <a:endParaRPr lang="en-US"/>
           </a:p>
@@ -11673,7 +11673,7 @@
             <a:fld id="{6700A58B-DD98-43D0-B791-721480A02982}" type="datetime1">
               <a:rPr lang="en-US" smtClean="0"/>
               <a:pPr/>
-              <a:t>1/13/21</a:t>
+              <a:t>2/25/21</a:t>
             </a:fld>
             <a:endParaRPr lang="en-US"/>
           </a:p>
@@ -11997,7 +11997,7 @@
 </file>
 
 <file path=ppt/slides/slide20.xml><?xml version="1.0" encoding="utf-8"?>
-<p:sld xmlns:a="http://schemas.openxmlformats.org/drawingml/2006/main" xmlns:r="http://schemas.openxmlformats.org/officeDocument/2006/relationships" xmlns:p="http://schemas.openxmlformats.org/presentationml/2006/main">
+<p:sld xmlns:a="http://schemas.openxmlformats.org/drawingml/2006/main" xmlns:r="http://schemas.openxmlformats.org/officeDocument/2006/relationships" xmlns:p="http://schemas.openxmlformats.org/presentationml/2006/main" show="0">
   <p:cSld>
     <p:spTree>
       <p:nvGrpSpPr>
@@ -12036,7 +12036,7 @@
           <a:p>
             <a:fld id="{6700A58B-DD98-43D0-B791-721480A02982}" type="datetime1">
               <a:rPr lang="en-US" smtClean="0"/>
-              <a:t>1/13/21</a:t>
+              <a:t>2/25/21</a:t>
             </a:fld>
             <a:endParaRPr lang="en-US"/>
           </a:p>
@@ -12964,7 +12964,7 @@
             <a:fld id="{6700A58B-DD98-43D0-B791-721480A02982}" type="datetime1">
               <a:rPr lang="en-US" smtClean="0"/>
               <a:pPr/>
-              <a:t>1/13/21</a:t>
+              <a:t>2/25/21</a:t>
             </a:fld>
             <a:endParaRPr lang="en-US"/>
           </a:p>
@@ -14168,7 +14168,7 @@
             <a:fld id="{6700A58B-DD98-43D0-B791-721480A02982}" type="datetime1">
               <a:rPr lang="en-US" smtClean="0"/>
               <a:pPr/>
-              <a:t>1/13/21</a:t>
+              <a:t>2/25/21</a:t>
             </a:fld>
             <a:endParaRPr lang="en-US"/>
           </a:p>
@@ -15364,7 +15364,7 @@
             <a:fld id="{6700A58B-DD98-43D0-B791-721480A02982}" type="datetime1">
               <a:rPr lang="en-US" smtClean="0"/>
               <a:pPr/>
-              <a:t>1/13/21</a:t>
+              <a:t>2/25/21</a:t>
             </a:fld>
             <a:endParaRPr lang="en-US"/>
           </a:p>
@@ -15826,7 +15826,7 @@
             <a:fld id="{6700A58B-DD98-43D0-B791-721480A02982}" type="datetime1">
               <a:rPr lang="en-US" smtClean="0"/>
               <a:pPr/>
-              <a:t>1/13/21</a:t>
+              <a:t>2/25/21</a:t>
             </a:fld>
             <a:endParaRPr lang="en-US"/>
           </a:p>
@@ -16137,7 +16137,7 @@
             <a:fld id="{6700A58B-DD98-43D0-B791-721480A02982}" type="datetime1">
               <a:rPr lang="en-US" smtClean="0"/>
               <a:pPr/>
-              <a:t>1/13/21</a:t>
+              <a:t>2/25/21</a:t>
             </a:fld>
             <a:endParaRPr lang="en-US"/>
           </a:p>
@@ -16690,7 +16690,7 @@
             <a:fld id="{6700A58B-DD98-43D0-B791-721480A02982}" type="datetime1">
               <a:rPr lang="en-US" smtClean="0"/>
               <a:pPr/>
-              <a:t>1/13/21</a:t>
+              <a:t>2/25/21</a:t>
             </a:fld>
             <a:endParaRPr lang="en-US"/>
           </a:p>
@@ -17568,7 +17568,7 @@
             <a:fld id="{6700A58B-DD98-43D0-B791-721480A02982}" type="datetime1">
               <a:rPr lang="en-US" smtClean="0"/>
               <a:pPr/>
-              <a:t>1/13/21</a:t>
+              <a:t>2/25/21</a:t>
             </a:fld>
             <a:endParaRPr lang="en-US"/>
           </a:p>
@@ -17863,7 +17863,7 @@
             <a:fld id="{6700A58B-DD98-43D0-B791-721480A02982}" type="datetime1">
               <a:rPr lang="en-US" smtClean="0"/>
               <a:pPr/>
-              <a:t>1/13/21</a:t>
+              <a:t>2/25/21</a:t>
             </a:fld>
             <a:endParaRPr lang="en-US"/>
           </a:p>
@@ -18164,7 +18164,7 @@
             <a:fld id="{6700A58B-DD98-43D0-B791-721480A02982}" type="datetime1">
               <a:rPr lang="en-US" smtClean="0"/>
               <a:pPr/>
-              <a:t>1/13/21</a:t>
+              <a:t>2/25/21</a:t>
             </a:fld>
             <a:endParaRPr lang="en-US"/>
           </a:p>
@@ -18530,7 +18530,7 @@
             <a:fld id="{6700A58B-DD98-43D0-B791-721480A02982}" type="datetime1">
               <a:rPr lang="en-US" smtClean="0"/>
               <a:pPr/>
-              <a:t>1/13/21</a:t>
+              <a:t>2/25/21</a:t>
             </a:fld>
             <a:endParaRPr lang="en-US"/>
           </a:p>
@@ -19141,7 +19141,7 @@
             <a:fld id="{6700A58B-DD98-43D0-B791-721480A02982}" type="datetime1">
               <a:rPr lang="en-US" smtClean="0"/>
               <a:pPr/>
-              <a:t>1/13/21</a:t>
+              <a:t>2/25/21</a:t>
             </a:fld>
             <a:endParaRPr lang="en-US"/>
           </a:p>
@@ -19802,7 +19802,7 @@
             <a:fld id="{6700A58B-DD98-43D0-B791-721480A02982}" type="datetime1">
               <a:rPr lang="en-US" smtClean="0"/>
               <a:pPr/>
-              <a:t>1/13/21</a:t>
+              <a:t>2/25/21</a:t>
             </a:fld>
             <a:endParaRPr lang="en-US"/>
           </a:p>
@@ -20416,7 +20416,7 @@
             <a:fld id="{6700A58B-DD98-43D0-B791-721480A02982}" type="datetime1">
               <a:rPr lang="en-US" smtClean="0"/>
               <a:pPr/>
-              <a:t>1/13/21</a:t>
+              <a:t>2/25/21</a:t>
             </a:fld>
             <a:endParaRPr lang="en-US"/>
           </a:p>
@@ -21205,7 +21205,7 @@
             <a:fld id="{6700A58B-DD98-43D0-B791-721480A02982}" type="datetime1">
               <a:rPr lang="en-US" smtClean="0"/>
               <a:pPr/>
-              <a:t>1/13/21</a:t>
+              <a:t>2/25/21</a:t>
             </a:fld>
             <a:endParaRPr lang="en-US"/>
           </a:p>
@@ -21835,7 +21835,7 @@
             <a:fld id="{6700A58B-DD98-43D0-B791-721480A02982}" type="datetime1">
               <a:rPr lang="en-US" smtClean="0"/>
               <a:pPr/>
-              <a:t>1/13/21</a:t>
+              <a:t>2/25/21</a:t>
             </a:fld>
             <a:endParaRPr lang="en-US"/>
           </a:p>
@@ -22193,7 +22193,7 @@
             <a:fld id="{6700A58B-DD98-43D0-B791-721480A02982}" type="datetime1">
               <a:rPr lang="en-US" smtClean="0"/>
               <a:pPr/>
-              <a:t>1/13/21</a:t>
+              <a:t>2/25/21</a:t>
             </a:fld>
             <a:endParaRPr lang="en-US"/>
           </a:p>
@@ -25182,7 +25182,7 @@
             <a:fld id="{6700A58B-DD98-43D0-B791-721480A02982}" type="datetime1">
               <a:rPr lang="en-US" smtClean="0"/>
               <a:pPr/>
-              <a:t>1/13/21</a:t>
+              <a:t>2/25/21</a:t>
             </a:fld>
             <a:endParaRPr lang="en-US"/>
           </a:p>
@@ -26075,7 +26075,7 @@
             <a:fld id="{6700A58B-DD98-43D0-B791-721480A02982}" type="datetime1">
               <a:rPr lang="en-US" smtClean="0"/>
               <a:pPr/>
-              <a:t>1/13/21</a:t>
+              <a:t>2/25/21</a:t>
             </a:fld>
             <a:endParaRPr lang="en-US"/>
           </a:p>
@@ -27193,7 +27193,7 @@
             <a:fld id="{6700A58B-DD98-43D0-B791-721480A02982}" type="datetime1">
               <a:rPr lang="en-US" smtClean="0"/>
               <a:pPr/>
-              <a:t>1/13/21</a:t>
+              <a:t>2/25/21</a:t>
             </a:fld>
             <a:endParaRPr lang="en-US"/>
           </a:p>
@@ -27586,7 +27586,7 @@
             <a:fld id="{6700A58B-DD98-43D0-B791-721480A02982}" type="datetime1">
               <a:rPr lang="en-US" smtClean="0"/>
               <a:pPr/>
-              <a:t>1/13/21</a:t>
+              <a:t>2/25/21</a:t>
             </a:fld>
             <a:endParaRPr lang="en-US"/>
           </a:p>
@@ -27988,7 +27988,7 @@
           <a:p>
             <a:fld id="{6700A58B-DD98-43D0-B791-721480A02982}" type="datetime1">
               <a:rPr lang="en-US" smtClean="0"/>
-              <a:t>1/13/21</a:t>
+              <a:t>2/25/21</a:t>
             </a:fld>
             <a:endParaRPr lang="en-US"/>
           </a:p>
